--- a/English/6.Visuals/14.The Gauge.pptx
+++ b/English/6.Visuals/14.The Gauge.pptx
@@ -5,22 +5,23 @@
     <p:sldMasterId id="2147483648" r:id="rId1"/>
   </p:sldMasterIdLst>
   <p:notesMasterIdLst>
-    <p:notesMasterId r:id="rId9"/>
+    <p:notesMasterId r:id="rId10"/>
   </p:notesMasterIdLst>
   <p:sldIdLst>
     <p:sldId id="256" r:id="rId2"/>
-    <p:sldId id="257" r:id="rId3"/>
-    <p:sldId id="259" r:id="rId4"/>
-    <p:sldId id="260" r:id="rId5"/>
-    <p:sldId id="261" r:id="rId6"/>
-    <p:sldId id="262" r:id="rId7"/>
-    <p:sldId id="258" r:id="rId8"/>
+    <p:sldId id="263" r:id="rId3"/>
+    <p:sldId id="257" r:id="rId4"/>
+    <p:sldId id="264" r:id="rId5"/>
+    <p:sldId id="265" r:id="rId6"/>
+    <p:sldId id="266" r:id="rId7"/>
+    <p:sldId id="267" r:id="rId8"/>
+    <p:sldId id="258" r:id="rId9"/>
   </p:sldIdLst>
   <p:sldSz cx="12192000" cy="6858000"/>
   <p:notesSz cx="6858000" cy="9144000"/>
   <p:defaultTextStyle>
     <a:defPPr>
-      <a:defRPr lang="en-US"/>
+      <a:defRPr lang="en"/>
     </a:defPPr>
     <a:lvl1pPr marL="0" algn="l" defTabSz="914400" rtl="0" eaLnBrk="1" latinLnBrk="0" hangingPunct="1">
       <a:defRPr sz="1800" kern="1200">
@@ -203,7 +204,7 @@
           <a:p>
             <a:fld id="{056BA3B8-9F76-4D81-B71D-76CB85363062}" type="datetimeFigureOut">
               <a:rPr lang="en-US" smtClean="0"/>
-              <a:t>1/5/2025</a:t>
+              <a:t>4/3/2025</a:t>
             </a:fld>
             <a:endParaRPr lang="en-US"/>
           </a:p>
@@ -602,7 +603,7 @@
           <a:p>
             <a:fld id="{6F01DA4D-20EA-48D2-973C-0311EC3005D6}" type="datetimeFigureOut">
               <a:rPr lang="en-US" smtClean="0"/>
-              <a:t>1/5/2025</a:t>
+              <a:t>4/3/2025</a:t>
             </a:fld>
             <a:endParaRPr lang="en-US"/>
           </a:p>
@@ -772,7 +773,7 @@
           <a:p>
             <a:fld id="{6F01DA4D-20EA-48D2-973C-0311EC3005D6}" type="datetimeFigureOut">
               <a:rPr lang="en-US" smtClean="0"/>
-              <a:t>1/5/2025</a:t>
+              <a:t>4/3/2025</a:t>
             </a:fld>
             <a:endParaRPr lang="en-US"/>
           </a:p>
@@ -952,7 +953,7 @@
           <a:p>
             <a:fld id="{6F01DA4D-20EA-48D2-973C-0311EC3005D6}" type="datetimeFigureOut">
               <a:rPr lang="en-US" smtClean="0"/>
-              <a:t>1/5/2025</a:t>
+              <a:t>4/3/2025</a:t>
             </a:fld>
             <a:endParaRPr lang="en-US"/>
           </a:p>
@@ -1122,7 +1123,7 @@
           <a:p>
             <a:fld id="{6F01DA4D-20EA-48D2-973C-0311EC3005D6}" type="datetimeFigureOut">
               <a:rPr lang="en-US" smtClean="0"/>
-              <a:t>1/5/2025</a:t>
+              <a:t>4/3/2025</a:t>
             </a:fld>
             <a:endParaRPr lang="en-US"/>
           </a:p>
@@ -1368,7 +1369,7 @@
           <a:p>
             <a:fld id="{6F01DA4D-20EA-48D2-973C-0311EC3005D6}" type="datetimeFigureOut">
               <a:rPr lang="en-US" smtClean="0"/>
-              <a:t>1/5/2025</a:t>
+              <a:t>4/3/2025</a:t>
             </a:fld>
             <a:endParaRPr lang="en-US"/>
           </a:p>
@@ -1600,7 +1601,7 @@
           <a:p>
             <a:fld id="{6F01DA4D-20EA-48D2-973C-0311EC3005D6}" type="datetimeFigureOut">
               <a:rPr lang="en-US" smtClean="0"/>
-              <a:t>1/5/2025</a:t>
+              <a:t>4/3/2025</a:t>
             </a:fld>
             <a:endParaRPr lang="en-US"/>
           </a:p>
@@ -1967,7 +1968,7 @@
           <a:p>
             <a:fld id="{6F01DA4D-20EA-48D2-973C-0311EC3005D6}" type="datetimeFigureOut">
               <a:rPr lang="en-US" smtClean="0"/>
-              <a:t>1/5/2025</a:t>
+              <a:t>4/3/2025</a:t>
             </a:fld>
             <a:endParaRPr lang="en-US"/>
           </a:p>
@@ -2085,7 +2086,7 @@
           <a:p>
             <a:fld id="{6F01DA4D-20EA-48D2-973C-0311EC3005D6}" type="datetimeFigureOut">
               <a:rPr lang="en-US" smtClean="0"/>
-              <a:t>1/5/2025</a:t>
+              <a:t>4/3/2025</a:t>
             </a:fld>
             <a:endParaRPr lang="en-US"/>
           </a:p>
@@ -2180,7 +2181,7 @@
           <a:p>
             <a:fld id="{6F01DA4D-20EA-48D2-973C-0311EC3005D6}" type="datetimeFigureOut">
               <a:rPr lang="en-US" smtClean="0"/>
-              <a:t>1/5/2025</a:t>
+              <a:t>4/3/2025</a:t>
             </a:fld>
             <a:endParaRPr lang="en-US"/>
           </a:p>
@@ -2457,7 +2458,7 @@
           <a:p>
             <a:fld id="{6F01DA4D-20EA-48D2-973C-0311EC3005D6}" type="datetimeFigureOut">
               <a:rPr lang="en-US" smtClean="0"/>
-              <a:t>1/5/2025</a:t>
+              <a:t>4/3/2025</a:t>
             </a:fld>
             <a:endParaRPr lang="en-US"/>
           </a:p>
@@ -2710,7 +2711,7 @@
           <a:p>
             <a:fld id="{6F01DA4D-20EA-48D2-973C-0311EC3005D6}" type="datetimeFigureOut">
               <a:rPr lang="en-US" smtClean="0"/>
-              <a:t>1/5/2025</a:t>
+              <a:t>4/3/2025</a:t>
             </a:fld>
             <a:endParaRPr lang="en-US"/>
           </a:p>
@@ -2923,7 +2924,7 @@
           <a:p>
             <a:fld id="{6F01DA4D-20EA-48D2-973C-0311EC3005D6}" type="datetimeFigureOut">
               <a:rPr lang="en-US" smtClean="0"/>
-              <a:t>1/5/2025</a:t>
+              <a:t>4/3/2025</a:t>
             </a:fld>
             <a:endParaRPr lang="en-US"/>
           </a:p>
@@ -3360,7 +3361,7 @@
           <a:p>
             <a:pPr algn="ctr"/>
             <a:r>
-              <a:rPr lang="fr-FR" sz="8000" b="1" dirty="0" smtClean="0">
+              <a:rPr lang="en" sz="8000" b="1" dirty="0" smtClean="0">
                 <a:solidFill>
                   <a:srgbClr val="7030A0"/>
                 </a:solidFill>
@@ -3368,7 +3369,7 @@
                 <a:ea typeface="Verdana" panose="020B0604030504040204" pitchFamily="34" charset="0"/>
                 <a:cs typeface="Segoe UI" panose="020B0502040204020203" pitchFamily="34" charset="0"/>
               </a:rPr>
-              <a:t>The Gauge</a:t>
+              <a:t>The gauge</a:t>
             </a:r>
             <a:endParaRPr lang="en-US" sz="8000" b="1" dirty="0">
               <a:solidFill>
@@ -3389,7 +3390,7 @@
         </p:nvSpPr>
         <p:spPr>
           <a:xfrm>
-            <a:off x="1865477" y="2416458"/>
+            <a:off x="1941102" y="2410813"/>
             <a:ext cx="7216645" cy="1323439"/>
           </a:xfrm>
           <a:prstGeom prst="rect">
@@ -3405,7 +3406,7 @@
           <a:p>
             <a:pPr algn="ctr"/>
             <a:r>
-              <a:rPr lang="fr-FR" sz="8000" b="1" dirty="0" smtClean="0">
+              <a:rPr lang="en" sz="8000" b="1" dirty="0" smtClean="0">
                 <a:solidFill>
                   <a:schemeClr val="bg1"/>
                 </a:solidFill>
@@ -3413,7 +3414,7 @@
                 <a:ea typeface="Verdana" panose="020B0604030504040204" pitchFamily="34" charset="0"/>
                 <a:cs typeface="Segoe UI" panose="020B0502040204020203" pitchFamily="34" charset="0"/>
               </a:rPr>
-              <a:t>The Gauge</a:t>
+              <a:t>The gauge</a:t>
             </a:r>
             <a:endParaRPr lang="en-US" sz="8000" b="1" dirty="0">
               <a:solidFill>
@@ -3479,11 +3480,11 @@
           <a:lstStyle/>
           <a:p>
             <a:r>
-              <a:rPr lang="en-US" sz="2400" dirty="0" smtClean="0">
+              <a:rPr lang="en" sz="2400" dirty="0" smtClean="0">
                 <a:latin typeface="Segoe UI" panose="020B0502040204020203" pitchFamily="34" charset="0"/>
                 <a:cs typeface="Segoe UI" panose="020B0502040204020203" pitchFamily="34" charset="0"/>
               </a:rPr>
-              <a:t>The Gauge</a:t>
+              <a:t>The gauge</a:t>
             </a:r>
             <a:endParaRPr lang="en-US" sz="2400" dirty="0">
               <a:latin typeface="Segoe UI" panose="020B0502040204020203" pitchFamily="34" charset="0"/>
@@ -3515,32 +3516,18 @@
           <a:lstStyle/>
           <a:p>
             <a:r>
-              <a:rPr lang="en-US" b="1" dirty="0" smtClean="0">
+              <a:rPr lang="en" b="1" dirty="0" smtClean="0">
                 <a:latin typeface="Segoe UI" panose="020B0502040204020203" pitchFamily="34" charset="0"/>
                 <a:cs typeface="Segoe UI" panose="020B0502040204020203" pitchFamily="34" charset="0"/>
               </a:rPr>
-              <a:t>Note</a:t>
-            </a:r>
-            <a:r>
-              <a:rPr lang="en-US" dirty="0" smtClean="0">
+              <a:t>Note </a:t>
+            </a:r>
+            <a:r>
+              <a:rPr lang="en" dirty="0" smtClean="0">
                 <a:latin typeface="Segoe UI" panose="020B0502040204020203" pitchFamily="34" charset="0"/>
                 <a:cs typeface="Segoe UI" panose="020B0502040204020203" pitchFamily="34" charset="0"/>
               </a:rPr>
-              <a:t>: This lab is using </a:t>
-            </a:r>
-            <a:r>
-              <a:rPr lang="en-US" b="1" dirty="0" smtClean="0">
-                <a:latin typeface="Segoe UI" panose="020B0502040204020203" pitchFamily="34" charset="0"/>
-                <a:cs typeface="Segoe UI" panose="020B0502040204020203" pitchFamily="34" charset="0"/>
-              </a:rPr>
-              <a:t>Sales</a:t>
-            </a:r>
-            <a:r>
-              <a:rPr lang="en-US" dirty="0" smtClean="0">
-                <a:latin typeface="Segoe UI" panose="020B0502040204020203" pitchFamily="34" charset="0"/>
-                <a:cs typeface="Segoe UI" panose="020B0502040204020203" pitchFamily="34" charset="0"/>
-              </a:rPr>
-              <a:t> database in resources   </a:t>
+              <a:t>: This workshop uses the same dataset from the previous workshop</a:t>
             </a:r>
             <a:endParaRPr lang="en-US" dirty="0">
               <a:latin typeface="Segoe UI" panose="020B0502040204020203" pitchFamily="34" charset="0"/>
@@ -3549,80 +3536,441 @@
           </a:p>
         </p:txBody>
       </p:sp>
-      <p:sp>
-        <p:nvSpPr>
-          <p:cNvPr id="6" name="TextBox 5"/>
-          <p:cNvSpPr txBox="1"/>
-          <p:nvPr/>
-        </p:nvSpPr>
-        <p:spPr>
-          <a:xfrm>
-            <a:off x="475532" y="1254837"/>
-            <a:ext cx="8188349" cy="369332"/>
-          </a:xfrm>
-          <a:prstGeom prst="rect">
-            <a:avLst/>
-          </a:prstGeom>
-          <a:noFill/>
-        </p:spPr>
-        <p:txBody>
-          <a:bodyPr wrap="square" rtlCol="0">
-            <a:spAutoFit/>
-          </a:bodyPr>
-          <a:lstStyle/>
-          <a:p>
-            <a:r>
-              <a:rPr lang="en-US" dirty="0" smtClean="0">
-                <a:latin typeface="Segoe UI" panose="020B0502040204020203" pitchFamily="34" charset="0"/>
-                <a:cs typeface="Segoe UI" panose="020B0502040204020203" pitchFamily="34" charset="0"/>
-              </a:rPr>
-              <a:t>Add a Gauge visual to the scene </a:t>
-            </a:r>
-            <a:endParaRPr lang="en-US" dirty="0">
-              <a:latin typeface="Segoe UI" panose="020B0502040204020203" pitchFamily="34" charset="0"/>
-              <a:cs typeface="Segoe UI" panose="020B0502040204020203" pitchFamily="34" charset="0"/>
-            </a:endParaRPr>
-          </a:p>
-        </p:txBody>
-      </p:sp>
-      <p:pic>
-        <p:nvPicPr>
-          <p:cNvPr id="7" name="Picture 6"/>
-          <p:cNvPicPr>
-            <a:picLocks noChangeAspect="1"/>
-          </p:cNvPicPr>
-          <p:nvPr/>
-        </p:nvPicPr>
-        <p:blipFill>
-          <a:blip r:embed="rId2"/>
-          <a:stretch>
-            <a:fillRect/>
-          </a:stretch>
-        </p:blipFill>
-        <p:spPr>
-          <a:xfrm>
-            <a:off x="593925" y="1952824"/>
-            <a:ext cx="4029637" cy="3296110"/>
-          </a:xfrm>
-          <a:prstGeom prst="rect">
-            <a:avLst/>
-          </a:prstGeom>
-          <a:ln>
-            <a:noFill/>
-          </a:ln>
-          <a:effectLst>
-            <a:outerShdw blurRad="292100" dist="139700" dir="2700000" algn="tl" rotWithShape="0">
-              <a:srgbClr val="333333">
-                <a:alpha val="65000"/>
-              </a:srgbClr>
-            </a:outerShdw>
-          </a:effectLst>
-        </p:spPr>
-      </p:pic>
+      <p:graphicFrame>
+        <p:nvGraphicFramePr>
+          <p:cNvPr id="3" name="Table 2"/>
+          <p:cNvGraphicFramePr>
+            <a:graphicFrameLocks noGrp="1"/>
+          </p:cNvGraphicFramePr>
+          <p:nvPr>
+            <p:extLst>
+              <p:ext uri="{D42A27DB-BD31-4B8C-83A1-F6EECF244321}">
+                <p14:modId xmlns:p14="http://schemas.microsoft.com/office/powerpoint/2010/main" val="1801618265"/>
+              </p:ext>
+            </p:extLst>
+          </p:nvPr>
+        </p:nvGraphicFramePr>
+        <p:xfrm>
+          <a:off x="645695" y="1330611"/>
+          <a:ext cx="5837036" cy="1754554"/>
+        </p:xfrm>
+        <a:graphic>
+          <a:graphicData uri="http://schemas.openxmlformats.org/drawingml/2006/table">
+            <a:tbl>
+              <a:tblPr>
+                <a:tableStyleId>{5C22544A-7EE6-4342-B048-85BDC9FD1C3A}</a:tableStyleId>
+              </a:tblPr>
+              <a:tblGrid>
+                <a:gridCol w="1686713">
+                  <a:extLst>
+                    <a:ext uri="{9D8B030D-6E8A-4147-A177-3AD203B41FA5}">
+                      <a16:colId xmlns:a16="http://schemas.microsoft.com/office/drawing/2014/main" val="484510608"/>
+                    </a:ext>
+                  </a:extLst>
+                </a:gridCol>
+                <a:gridCol w="1764633">
+                  <a:extLst>
+                    <a:ext uri="{9D8B030D-6E8A-4147-A177-3AD203B41FA5}">
+                      <a16:colId xmlns:a16="http://schemas.microsoft.com/office/drawing/2014/main" val="1641526811"/>
+                    </a:ext>
+                  </a:extLst>
+                </a:gridCol>
+                <a:gridCol w="2385690">
+                  <a:extLst>
+                    <a:ext uri="{9D8B030D-6E8A-4147-A177-3AD203B41FA5}">
+                      <a16:colId xmlns:a16="http://schemas.microsoft.com/office/drawing/2014/main" val="3951412843"/>
+                    </a:ext>
+                  </a:extLst>
+                </a:gridCol>
+              </a:tblGrid>
+              <a:tr h="368471">
+                <a:tc>
+                  <a:txBody>
+                    <a:bodyPr/>
+                    <a:lstStyle/>
+                    <a:p>
+                      <a:pPr algn="ctr" fontAlgn="ctr"/>
+                      <a:r>
+                        <a:rPr lang="en" sz="1800" b="1" u="none" strike="noStrike" dirty="0">
+                          <a:effectLst/>
+                        </a:rPr>
+                        <a:t>Date</a:t>
+                      </a:r>
+                      <a:endParaRPr lang="en-US" sz="1800" b="1" i="0" u="none" strike="noStrike" dirty="0">
+                        <a:solidFill>
+                          <a:srgbClr val="000000"/>
+                        </a:solidFill>
+                        <a:effectLst/>
+                        <a:latin typeface="Calibri" panose="020F0502020204030204" pitchFamily="34" charset="0"/>
+                      </a:endParaRPr>
+                    </a:p>
+                  </a:txBody>
+                  <a:tcPr marL="6350" marR="6350" marT="6350" marB="0" anchor="ctr"/>
+                </a:tc>
+                <a:tc>
+                  <a:txBody>
+                    <a:bodyPr/>
+                    <a:lstStyle/>
+                    <a:p>
+                      <a:pPr algn="ctr" fontAlgn="ctr"/>
+                      <a:r>
+                        <a:rPr lang="en" sz="1800" b="1" u="none" strike="noStrike">
+                          <a:effectLst/>
+                        </a:rPr>
+                        <a:t>Turnover</a:t>
+                      </a:r>
+                      <a:endParaRPr lang="en-US" sz="1800" b="1" i="0" u="none" strike="noStrike">
+                        <a:solidFill>
+                          <a:srgbClr val="000000"/>
+                        </a:solidFill>
+                        <a:effectLst/>
+                        <a:latin typeface="Calibri" panose="020F0502020204030204" pitchFamily="34" charset="0"/>
+                      </a:endParaRPr>
+                    </a:p>
+                  </a:txBody>
+                  <a:tcPr marL="6350" marR="6350" marT="6350" marB="0" anchor="ctr"/>
+                </a:tc>
+                <a:tc>
+                  <a:txBody>
+                    <a:bodyPr/>
+                    <a:lstStyle/>
+                    <a:p>
+                      <a:pPr algn="ctr" fontAlgn="ctr"/>
+                      <a:r>
+                        <a:rPr lang="en" sz="1800" b="1" u="none" strike="noStrike">
+                          <a:effectLst/>
+                        </a:rPr>
+                        <a:t>Objective</a:t>
+                      </a:r>
+                      <a:endParaRPr lang="en-US" sz="1800" b="1" i="0" u="none" strike="noStrike">
+                        <a:solidFill>
+                          <a:srgbClr val="000000"/>
+                        </a:solidFill>
+                        <a:effectLst/>
+                        <a:latin typeface="Calibri" panose="020F0502020204030204" pitchFamily="34" charset="0"/>
+                      </a:endParaRPr>
+                    </a:p>
+                  </a:txBody>
+                  <a:tcPr marL="6350" marR="6350" marT="6350" marB="0" anchor="ctr"/>
+                </a:tc>
+                <a:extLst>
+                  <a:ext uri="{0D108BD9-81ED-4DB2-BD59-A6C34878D82A}">
+                    <a16:rowId xmlns:a16="http://schemas.microsoft.com/office/drawing/2014/main" val="541825158"/>
+                  </a:ext>
+                </a:extLst>
+              </a:tr>
+              <a:tr h="109092">
+                <a:tc>
+                  <a:txBody>
+                    <a:bodyPr/>
+                    <a:lstStyle/>
+                    <a:p>
+                      <a:pPr algn="ctr" fontAlgn="ctr"/>
+                      <a:r>
+                        <a:rPr lang="en" sz="1800" b="1" u="none" strike="noStrike" dirty="0">
+                          <a:effectLst/>
+                        </a:rPr>
+                        <a:t>01/01/2025</a:t>
+                      </a:r>
+                      <a:endParaRPr lang="en-US" sz="1800" b="1" i="0" u="none" strike="noStrike" dirty="0">
+                        <a:solidFill>
+                          <a:srgbClr val="000000"/>
+                        </a:solidFill>
+                        <a:effectLst/>
+                        <a:latin typeface="Calibri" panose="020F0502020204030204" pitchFamily="34" charset="0"/>
+                      </a:endParaRPr>
+                    </a:p>
+                  </a:txBody>
+                  <a:tcPr marL="6350" marR="6350" marT="6350" marB="0" anchor="ctr"/>
+                </a:tc>
+                <a:tc>
+                  <a:txBody>
+                    <a:bodyPr/>
+                    <a:lstStyle/>
+                    <a:p>
+                      <a:pPr algn="ctr" fontAlgn="ctr"/>
+                      <a:r>
+                        <a:rPr lang="en" sz="1800" b="1" u="none" strike="noStrike" dirty="0" smtClean="0">
+                          <a:effectLst/>
+                        </a:rPr>
+                        <a:t>€ </a:t>
+                      </a:r>
+                      <a:endParaRPr lang="en-US" sz="1800" b="1" i="0" u="none" strike="noStrike" dirty="0">
+                        <a:solidFill>
+                          <a:srgbClr val="000000"/>
+                        </a:solidFill>
+                        <a:effectLst/>
+                        <a:latin typeface="Calibri" panose="020F0502020204030204" pitchFamily="34" charset="0"/>
+                      </a:endParaRPr>
+                    </a:p>
+                  </a:txBody>
+                  <a:tcPr marL="6350" marR="6350" marT="6350" marB="0" anchor="ctr"/>
+                </a:tc>
+                <a:tc>
+                  <a:txBody>
+                    <a:bodyPr/>
+                    <a:lstStyle/>
+                    <a:p>
+                      <a:pPr algn="ctr" fontAlgn="ctr"/>
+                      <a:r>
+                        <a:rPr lang="en" sz="1800" b="1" u="none" strike="noStrike" dirty="0">
+                          <a:effectLst/>
+                        </a:rPr>
+                        <a:t>€10,000.00</a:t>
+                      </a:r>
+                      <a:endParaRPr lang="en-US" sz="1800" b="1" i="0" u="none" strike="noStrike" dirty="0">
+                        <a:solidFill>
+                          <a:srgbClr val="000000"/>
+                        </a:solidFill>
+                        <a:effectLst/>
+                        <a:latin typeface="Calibri" panose="020F0502020204030204" pitchFamily="34" charset="0"/>
+                      </a:endParaRPr>
+                    </a:p>
+                  </a:txBody>
+                  <a:tcPr marL="6350" marR="6350" marT="6350" marB="0" anchor="ctr"/>
+                </a:tc>
+                <a:extLst>
+                  <a:ext uri="{0D108BD9-81ED-4DB2-BD59-A6C34878D82A}">
+                    <a16:rowId xmlns:a16="http://schemas.microsoft.com/office/drawing/2014/main" val="100086269"/>
+                  </a:ext>
+                </a:extLst>
+              </a:tr>
+              <a:tr h="368471">
+                <a:tc>
+                  <a:txBody>
+                    <a:bodyPr/>
+                    <a:lstStyle/>
+                    <a:p>
+                      <a:pPr algn="ctr" fontAlgn="ctr"/>
+                      <a:r>
+                        <a:rPr lang="en" sz="1800" b="1" u="none" strike="noStrike" dirty="0">
+                          <a:effectLst/>
+                        </a:rPr>
+                        <a:t>01/02/2025</a:t>
+                      </a:r>
+                      <a:endParaRPr lang="en-US" sz="1800" b="1" i="0" u="none" strike="noStrike" dirty="0">
+                        <a:solidFill>
+                          <a:srgbClr val="000000"/>
+                        </a:solidFill>
+                        <a:effectLst/>
+                        <a:latin typeface="Calibri" panose="020F0502020204030204" pitchFamily="34" charset="0"/>
+                      </a:endParaRPr>
+                    </a:p>
+                  </a:txBody>
+                  <a:tcPr marL="6350" marR="6350" marT="6350" marB="0" anchor="ctr"/>
+                </a:tc>
+                <a:tc>
+                  <a:txBody>
+                    <a:bodyPr/>
+                    <a:lstStyle/>
+                    <a:p>
+                      <a:pPr algn="ctr" fontAlgn="ctr"/>
+                      <a:r>
+                        <a:rPr lang="en" sz="1800" b="1" u="none" strike="noStrike" dirty="0">
+                          <a:effectLst/>
+                        </a:rPr>
+                        <a:t>€7,000.00</a:t>
+                      </a:r>
+                      <a:endParaRPr lang="en-US" sz="1800" b="1" i="0" u="none" strike="noStrike" dirty="0">
+                        <a:solidFill>
+                          <a:srgbClr val="000000"/>
+                        </a:solidFill>
+                        <a:effectLst/>
+                        <a:latin typeface="Calibri" panose="020F0502020204030204" pitchFamily="34" charset="0"/>
+                      </a:endParaRPr>
+                    </a:p>
+                  </a:txBody>
+                  <a:tcPr marL="6350" marR="6350" marT="6350" marB="0" anchor="ctr"/>
+                </a:tc>
+                <a:tc>
+                  <a:txBody>
+                    <a:bodyPr/>
+                    <a:lstStyle/>
+                    <a:p>
+                      <a:pPr algn="ctr" fontAlgn="ctr"/>
+                      <a:r>
+                        <a:rPr lang="en" sz="1800" b="1" u="none" strike="noStrike" dirty="0">
+                          <a:effectLst/>
+                        </a:rPr>
+                        <a:t>€10,000.00</a:t>
+                      </a:r>
+                      <a:endParaRPr lang="en-US" sz="1800" b="1" i="0" u="none" strike="noStrike" dirty="0">
+                        <a:solidFill>
+                          <a:srgbClr val="000000"/>
+                        </a:solidFill>
+                        <a:effectLst/>
+                        <a:latin typeface="Calibri" panose="020F0502020204030204" pitchFamily="34" charset="0"/>
+                      </a:endParaRPr>
+                    </a:p>
+                  </a:txBody>
+                  <a:tcPr marL="6350" marR="6350" marT="6350" marB="0" anchor="ctr"/>
+                </a:tc>
+                <a:extLst>
+                  <a:ext uri="{0D108BD9-81ED-4DB2-BD59-A6C34878D82A}">
+                    <a16:rowId xmlns:a16="http://schemas.microsoft.com/office/drawing/2014/main" val="3000187316"/>
+                  </a:ext>
+                </a:extLst>
+              </a:tr>
+              <a:tr h="368471">
+                <a:tc>
+                  <a:txBody>
+                    <a:bodyPr/>
+                    <a:lstStyle/>
+                    <a:p>
+                      <a:pPr algn="ctr" fontAlgn="ctr"/>
+                      <a:r>
+                        <a:rPr lang="en" sz="1800" b="1" u="none" strike="noStrike" dirty="0">
+                          <a:effectLst/>
+                        </a:rPr>
+                        <a:t>03/01/2025</a:t>
+                      </a:r>
+                      <a:endParaRPr lang="en-US" sz="1800" b="1" i="0" u="none" strike="noStrike" dirty="0">
+                        <a:solidFill>
+                          <a:srgbClr val="000000"/>
+                        </a:solidFill>
+                        <a:effectLst/>
+                        <a:latin typeface="Calibri" panose="020F0502020204030204" pitchFamily="34" charset="0"/>
+                      </a:endParaRPr>
+                    </a:p>
+                  </a:txBody>
+                  <a:tcPr marL="6350" marR="6350" marT="6350" marB="0" anchor="ctr"/>
+                </a:tc>
+                <a:tc>
+                  <a:txBody>
+                    <a:bodyPr/>
+                    <a:lstStyle/>
+                    <a:p>
+                      <a:pPr algn="ctr" fontAlgn="ctr"/>
+                      <a:r>
+                        <a:rPr lang="en" sz="1800" b="1" u="none" strike="noStrike" dirty="0">
+                          <a:effectLst/>
+                        </a:rPr>
+                        <a:t>€9,500.00</a:t>
+                      </a:r>
+                      <a:endParaRPr lang="en-US" sz="1800" b="1" i="0" u="none" strike="noStrike" dirty="0">
+                        <a:solidFill>
+                          <a:srgbClr val="000000"/>
+                        </a:solidFill>
+                        <a:effectLst/>
+                        <a:latin typeface="Calibri" panose="020F0502020204030204" pitchFamily="34" charset="0"/>
+                      </a:endParaRPr>
+                    </a:p>
+                  </a:txBody>
+                  <a:tcPr marL="6350" marR="6350" marT="6350" marB="0" anchor="ctr"/>
+                </a:tc>
+                <a:tc>
+                  <a:txBody>
+                    <a:bodyPr/>
+                    <a:lstStyle/>
+                    <a:p>
+                      <a:pPr algn="ctr" fontAlgn="ctr"/>
+                      <a:r>
+                        <a:rPr lang="en" sz="1800" b="1" u="none" strike="noStrike" dirty="0">
+                          <a:effectLst/>
+                        </a:rPr>
+                        <a:t>€10,000.00</a:t>
+                      </a:r>
+                      <a:endParaRPr lang="en-US" sz="1800" b="1" i="0" u="none" strike="noStrike" dirty="0">
+                        <a:solidFill>
+                          <a:srgbClr val="000000"/>
+                        </a:solidFill>
+                        <a:effectLst/>
+                        <a:latin typeface="Calibri" panose="020F0502020204030204" pitchFamily="34" charset="0"/>
+                      </a:endParaRPr>
+                    </a:p>
+                  </a:txBody>
+                  <a:tcPr marL="6350" marR="6350" marT="6350" marB="0" anchor="ctr"/>
+                </a:tc>
+                <a:extLst>
+                  <a:ext uri="{0D108BD9-81ED-4DB2-BD59-A6C34878D82A}">
+                    <a16:rowId xmlns:a16="http://schemas.microsoft.com/office/drawing/2014/main" val="2886194209"/>
+                  </a:ext>
+                </a:extLst>
+              </a:tr>
+              <a:tr h="368471">
+                <a:tc>
+                  <a:txBody>
+                    <a:bodyPr/>
+                    <a:lstStyle/>
+                    <a:p>
+                      <a:pPr algn="ctr" fontAlgn="ctr"/>
+                      <a:r>
+                        <a:rPr lang="en" sz="1800" b="1" u="none" strike="noStrike">
+                          <a:effectLst/>
+                        </a:rPr>
+                        <a:t>04/01/2025</a:t>
+                      </a:r>
+                      <a:endParaRPr lang="en-US" sz="1800" b="1" i="0" u="none" strike="noStrike">
+                        <a:solidFill>
+                          <a:srgbClr val="000000"/>
+                        </a:solidFill>
+                        <a:effectLst/>
+                        <a:latin typeface="Calibri" panose="020F0502020204030204" pitchFamily="34" charset="0"/>
+                      </a:endParaRPr>
+                    </a:p>
+                  </a:txBody>
+                  <a:tcPr marL="6350" marR="6350" marT="6350" marB="0" anchor="ctr"/>
+                </a:tc>
+                <a:tc>
+                  <a:txBody>
+                    <a:bodyPr/>
+                    <a:lstStyle/>
+                    <a:p>
+                      <a:pPr algn="ctr" fontAlgn="ctr"/>
+                      <a:r>
+                        <a:rPr lang="en" sz="1800" b="1" u="none" strike="noStrike" dirty="0">
+                          <a:effectLst/>
+                        </a:rPr>
+                        <a:t>€11,000.00</a:t>
+                      </a:r>
+                      <a:endParaRPr lang="en-US" sz="1800" b="1" i="0" u="none" strike="noStrike" dirty="0">
+                        <a:solidFill>
+                          <a:srgbClr val="000000"/>
+                        </a:solidFill>
+                        <a:effectLst/>
+                        <a:latin typeface="Calibri" panose="020F0502020204030204" pitchFamily="34" charset="0"/>
+                      </a:endParaRPr>
+                    </a:p>
+                  </a:txBody>
+                  <a:tcPr marL="6350" marR="6350" marT="6350" marB="0" anchor="ctr"/>
+                </a:tc>
+                <a:tc>
+                  <a:txBody>
+                    <a:bodyPr/>
+                    <a:lstStyle/>
+                    <a:p>
+                      <a:pPr algn="ctr" fontAlgn="ctr"/>
+                      <a:r>
+                        <a:rPr lang="en" sz="1800" b="1" u="none" strike="noStrike" dirty="0">
+                          <a:effectLst/>
+                        </a:rPr>
+                        <a:t>€10,000.00</a:t>
+                      </a:r>
+                      <a:endParaRPr lang="en-US" sz="1800" b="1" i="0" u="none" strike="noStrike" dirty="0">
+                        <a:solidFill>
+                          <a:srgbClr val="000000"/>
+                        </a:solidFill>
+                        <a:effectLst/>
+                        <a:latin typeface="Calibri" panose="020F0502020204030204" pitchFamily="34" charset="0"/>
+                      </a:endParaRPr>
+                    </a:p>
+                  </a:txBody>
+                  <a:tcPr marL="6350" marR="6350" marT="6350" marB="0" anchor="ctr"/>
+                </a:tc>
+                <a:extLst>
+                  <a:ext uri="{0D108BD9-81ED-4DB2-BD59-A6C34878D82A}">
+                    <a16:rowId xmlns:a16="http://schemas.microsoft.com/office/drawing/2014/main" val="2390748116"/>
+                  </a:ext>
+                </a:extLst>
+              </a:tr>
+            </a:tbl>
+          </a:graphicData>
+        </a:graphic>
+      </p:graphicFrame>
     </p:spTree>
     <p:extLst>
       <p:ext uri="{BB962C8B-B14F-4D97-AF65-F5344CB8AC3E}">
-        <p14:creationId xmlns:p14="http://schemas.microsoft.com/office/powerpoint/2010/main" val="2345833103"/>
+        <p14:creationId xmlns:p14="http://schemas.microsoft.com/office/powerpoint/2010/main" val="405608495"/>
       </p:ext>
     </p:extLst>
   </p:cSld>
@@ -3649,9 +3997,81 @@
           <a:chExt cx="0" cy="0"/>
         </a:xfrm>
       </p:grpSpPr>
+      <p:sp>
+        <p:nvSpPr>
+          <p:cNvPr id="2" name="TextBox 1"/>
+          <p:cNvSpPr txBox="1"/>
+          <p:nvPr/>
+        </p:nvSpPr>
+        <p:spPr>
+          <a:xfrm>
+            <a:off x="323133" y="192505"/>
+            <a:ext cx="1651414" cy="461665"/>
+          </a:xfrm>
+          <a:prstGeom prst="rect">
+            <a:avLst/>
+          </a:prstGeom>
+          <a:noFill/>
+        </p:spPr>
+        <p:txBody>
+          <a:bodyPr wrap="none" rtlCol="0">
+            <a:spAutoFit/>
+          </a:bodyPr>
+          <a:lstStyle/>
+          <a:p>
+            <a:r>
+              <a:rPr lang="en" sz="2400" dirty="0" smtClean="0">
+                <a:latin typeface="Segoe UI" panose="020B0502040204020203" pitchFamily="34" charset="0"/>
+                <a:cs typeface="Segoe UI" panose="020B0502040204020203" pitchFamily="34" charset="0"/>
+              </a:rPr>
+              <a:t>The gauge</a:t>
+            </a:r>
+            <a:endParaRPr lang="en-US" sz="2400" dirty="0">
+              <a:latin typeface="Segoe UI" panose="020B0502040204020203" pitchFamily="34" charset="0"/>
+              <a:cs typeface="Segoe UI" panose="020B0502040204020203" pitchFamily="34" charset="0"/>
+            </a:endParaRPr>
+          </a:p>
+        </p:txBody>
+      </p:sp>
+      <p:sp>
+        <p:nvSpPr>
+          <p:cNvPr id="6" name="TextBox 5"/>
+          <p:cNvSpPr txBox="1"/>
+          <p:nvPr/>
+        </p:nvSpPr>
+        <p:spPr>
+          <a:xfrm>
+            <a:off x="391883" y="744823"/>
+            <a:ext cx="8188349" cy="369332"/>
+          </a:xfrm>
+          <a:prstGeom prst="rect">
+            <a:avLst/>
+          </a:prstGeom>
+          <a:noFill/>
+        </p:spPr>
+        <p:txBody>
+          <a:bodyPr wrap="square" rtlCol="0">
+            <a:spAutoFit/>
+          </a:bodyPr>
+          <a:lstStyle/>
+          <a:p>
+            <a:r>
+              <a:rPr lang="en" dirty="0" smtClean="0">
+                <a:latin typeface="Segoe UI" panose="020B0502040204020203" pitchFamily="34" charset="0"/>
+                <a:cs typeface="Segoe UI" panose="020B0502040204020203" pitchFamily="34" charset="0"/>
+              </a:rPr>
+              <a:t>Add a gauge visual to the scene</a:t>
+            </a:r>
+            <a:endParaRPr lang="en-US" dirty="0">
+              <a:latin typeface="Segoe UI" panose="020B0502040204020203" pitchFamily="34" charset="0"/>
+              <a:cs typeface="Segoe UI" panose="020B0502040204020203" pitchFamily="34" charset="0"/>
+            </a:endParaRPr>
+          </a:p>
+        </p:txBody>
+      </p:sp>
       <p:pic>
         <p:nvPicPr>
-          <p:cNvPr id="10" name="Picture 9"/>
+          <p:cNvPr id="7" name="Picture 6"/>
           <p:cNvPicPr>
             <a:picLocks noChangeAspect="1"/>
           </p:cNvPicPr>
@@ -3665,8 +4085,8 @@
         </p:blipFill>
         <p:spPr>
           <a:xfrm>
-            <a:off x="326492" y="1300982"/>
-            <a:ext cx="2350031" cy="4102366"/>
+            <a:off x="391883" y="1340932"/>
+            <a:ext cx="4029637" cy="3296110"/>
           </a:xfrm>
           <a:prstGeom prst="rect">
             <a:avLst/>
@@ -3683,206 +4103,10 @@
           </a:effectLst>
         </p:spPr>
       </p:pic>
-      <p:sp>
-        <p:nvSpPr>
-          <p:cNvPr id="2" name="TextBox 1"/>
-          <p:cNvSpPr txBox="1"/>
-          <p:nvPr/>
-        </p:nvSpPr>
-        <p:spPr>
-          <a:xfrm>
-            <a:off x="323133" y="192505"/>
-            <a:ext cx="1651414" cy="461665"/>
-          </a:xfrm>
-          <a:prstGeom prst="rect">
-            <a:avLst/>
-          </a:prstGeom>
-          <a:noFill/>
-        </p:spPr>
-        <p:txBody>
-          <a:bodyPr wrap="none" rtlCol="0">
-            <a:spAutoFit/>
-          </a:bodyPr>
-          <a:lstStyle/>
-          <a:p>
-            <a:r>
-              <a:rPr lang="en-US" sz="2400" dirty="0" smtClean="0">
-                <a:latin typeface="Segoe UI" panose="020B0502040204020203" pitchFamily="34" charset="0"/>
-                <a:cs typeface="Segoe UI" panose="020B0502040204020203" pitchFamily="34" charset="0"/>
-              </a:rPr>
-              <a:t>The Gauge</a:t>
-            </a:r>
-            <a:endParaRPr lang="en-US" sz="2400" dirty="0">
-              <a:latin typeface="Segoe UI" panose="020B0502040204020203" pitchFamily="34" charset="0"/>
-              <a:cs typeface="Segoe UI" panose="020B0502040204020203" pitchFamily="34" charset="0"/>
-            </a:endParaRPr>
-          </a:p>
-        </p:txBody>
-      </p:sp>
-      <p:sp>
-        <p:nvSpPr>
-          <p:cNvPr id="4" name="Rectangle 3"/>
-          <p:cNvSpPr/>
-          <p:nvPr/>
-        </p:nvSpPr>
-        <p:spPr>
-          <a:xfrm>
-            <a:off x="323133" y="1720516"/>
-            <a:ext cx="2353390" cy="359229"/>
-          </a:xfrm>
-          <a:prstGeom prst="rect">
-            <a:avLst/>
-          </a:prstGeom>
-          <a:solidFill>
-            <a:srgbClr val="FF0000">
-              <a:alpha val="29000"/>
-            </a:srgbClr>
-          </a:solidFill>
-          <a:ln>
-            <a:noFill/>
-          </a:ln>
-        </p:spPr>
-        <p:style>
-          <a:lnRef idx="2">
-            <a:schemeClr val="accent1">
-              <a:shade val="50000"/>
-            </a:schemeClr>
-          </a:lnRef>
-          <a:fillRef idx="1">
-            <a:schemeClr val="accent1"/>
-          </a:fillRef>
-          <a:effectRef idx="0">
-            <a:schemeClr val="accent1"/>
-          </a:effectRef>
-          <a:fontRef idx="minor">
-            <a:schemeClr val="lt1"/>
-          </a:fontRef>
-        </p:style>
-        <p:txBody>
-          <a:bodyPr rtlCol="0" anchor="ctr"/>
-          <a:lstStyle/>
-          <a:p>
-            <a:pPr algn="ctr"/>
-            <a:endParaRPr lang="en-US"/>
-          </a:p>
-        </p:txBody>
-      </p:sp>
-      <p:pic>
-        <p:nvPicPr>
-          <p:cNvPr id="9" name="Picture 8"/>
-          <p:cNvPicPr>
-            <a:picLocks noChangeAspect="1"/>
-          </p:cNvPicPr>
-          <p:nvPr/>
-        </p:nvPicPr>
-        <p:blipFill>
-          <a:blip r:embed="rId3"/>
-          <a:stretch>
-            <a:fillRect/>
-          </a:stretch>
-        </p:blipFill>
-        <p:spPr>
-          <a:xfrm>
-            <a:off x="3994484" y="1300982"/>
-            <a:ext cx="4333947" cy="4387453"/>
-          </a:xfrm>
-          <a:prstGeom prst="rect">
-            <a:avLst/>
-          </a:prstGeom>
-          <a:ln>
-            <a:noFill/>
-          </a:ln>
-          <a:effectLst>
-            <a:outerShdw blurRad="292100" dist="139700" dir="2700000" algn="tl" rotWithShape="0">
-              <a:srgbClr val="333333">
-                <a:alpha val="65000"/>
-              </a:srgbClr>
-            </a:outerShdw>
-          </a:effectLst>
-        </p:spPr>
-      </p:pic>
-      <p:sp>
-        <p:nvSpPr>
-          <p:cNvPr id="11" name="TextBox 10"/>
-          <p:cNvSpPr txBox="1"/>
-          <p:nvPr/>
-        </p:nvSpPr>
-        <p:spPr>
-          <a:xfrm>
-            <a:off x="393029" y="704372"/>
-            <a:ext cx="8188349" cy="369332"/>
-          </a:xfrm>
-          <a:prstGeom prst="rect">
-            <a:avLst/>
-          </a:prstGeom>
-          <a:noFill/>
-        </p:spPr>
-        <p:txBody>
-          <a:bodyPr wrap="square" rtlCol="0">
-            <a:spAutoFit/>
-          </a:bodyPr>
-          <a:lstStyle/>
-          <a:p>
-            <a:r>
-              <a:rPr lang="en-US" dirty="0" smtClean="0">
-                <a:latin typeface="Segoe UI" panose="020B0502040204020203" pitchFamily="34" charset="0"/>
-                <a:cs typeface="Segoe UI" panose="020B0502040204020203" pitchFamily="34" charset="0"/>
-              </a:rPr>
-              <a:t>Add </a:t>
-            </a:r>
-            <a:r>
-              <a:rPr lang="en-US" dirty="0" smtClean="0">
-                <a:latin typeface="Segoe UI" panose="020B0502040204020203" pitchFamily="34" charset="0"/>
-                <a:cs typeface="Segoe UI" panose="020B0502040204020203" pitchFamily="34" charset="0"/>
-              </a:rPr>
-              <a:t>Average </a:t>
-            </a:r>
-            <a:r>
-              <a:rPr lang="en-US" b="1" dirty="0" err="1" smtClean="0">
-                <a:latin typeface="Segoe UI" panose="020B0502040204020203" pitchFamily="34" charset="0"/>
-                <a:cs typeface="Segoe UI" panose="020B0502040204020203" pitchFamily="34" charset="0"/>
-              </a:rPr>
-              <a:t>SalesQuantity</a:t>
-            </a:r>
-            <a:r>
-              <a:rPr lang="en-US" b="1" dirty="0" smtClean="0">
-                <a:latin typeface="Segoe UI" panose="020B0502040204020203" pitchFamily="34" charset="0"/>
-                <a:cs typeface="Segoe UI" panose="020B0502040204020203" pitchFamily="34" charset="0"/>
-              </a:rPr>
-              <a:t> </a:t>
-            </a:r>
-            <a:r>
-              <a:rPr lang="en-US" dirty="0" smtClean="0">
-                <a:latin typeface="Segoe UI" panose="020B0502040204020203" pitchFamily="34" charset="0"/>
-                <a:cs typeface="Segoe UI" panose="020B0502040204020203" pitchFamily="34" charset="0"/>
-              </a:rPr>
-              <a:t>to </a:t>
-            </a:r>
-            <a:r>
-              <a:rPr lang="en-US" b="1" dirty="0" smtClean="0">
-                <a:latin typeface="Segoe UI" panose="020B0502040204020203" pitchFamily="34" charset="0"/>
-                <a:cs typeface="Segoe UI" panose="020B0502040204020203" pitchFamily="34" charset="0"/>
-              </a:rPr>
-              <a:t>Value</a:t>
-            </a:r>
-            <a:r>
-              <a:rPr lang="en-US" dirty="0" smtClean="0">
-                <a:latin typeface="Segoe UI" panose="020B0502040204020203" pitchFamily="34" charset="0"/>
-                <a:cs typeface="Segoe UI" panose="020B0502040204020203" pitchFamily="34" charset="0"/>
-              </a:rPr>
-              <a:t> and observe the changes</a:t>
-            </a:r>
-            <a:endParaRPr lang="en-US" b="1" dirty="0">
-              <a:latin typeface="Segoe UI" panose="020B0502040204020203" pitchFamily="34" charset="0"/>
-              <a:cs typeface="Segoe UI" panose="020B0502040204020203" pitchFamily="34" charset="0"/>
-            </a:endParaRPr>
-          </a:p>
-        </p:txBody>
-      </p:sp>
     </p:spTree>
     <p:extLst>
       <p:ext uri="{BB962C8B-B14F-4D97-AF65-F5344CB8AC3E}">
-        <p14:creationId xmlns:p14="http://schemas.microsoft.com/office/powerpoint/2010/main" val="813700253"/>
+        <p14:creationId xmlns:p14="http://schemas.microsoft.com/office/powerpoint/2010/main" val="2345833103"/>
       </p:ext>
     </p:extLst>
   </p:cSld>
@@ -3909,30 +4133,6 @@
           <a:chExt cx="0" cy="0"/>
         </a:xfrm>
       </p:grpSpPr>
-      <p:pic>
-        <p:nvPicPr>
-          <p:cNvPr id="8" name="Picture 7"/>
-          <p:cNvPicPr>
-            <a:picLocks noChangeAspect="1"/>
-          </p:cNvPicPr>
-          <p:nvPr/>
-        </p:nvPicPr>
-        <p:blipFill>
-          <a:blip r:embed="rId2"/>
-          <a:stretch>
-            <a:fillRect/>
-          </a:stretch>
-        </p:blipFill>
-        <p:spPr>
-          <a:xfrm>
-            <a:off x="442292" y="1550475"/>
-            <a:ext cx="2300908" cy="3540842"/>
-          </a:xfrm>
-          <a:prstGeom prst="rect">
-            <a:avLst/>
-          </a:prstGeom>
-        </p:spPr>
-      </p:pic>
       <p:sp>
         <p:nvSpPr>
           <p:cNvPr id="2" name="TextBox 1"/>
@@ -3942,7 +4142,7 @@
         <p:spPr>
           <a:xfrm>
             <a:off x="323133" y="192505"/>
-            <a:ext cx="1651414" cy="461665"/>
+            <a:ext cx="1215397" cy="461665"/>
           </a:xfrm>
           <a:prstGeom prst="rect">
             <a:avLst/>
@@ -3956,13 +4156,13 @@
           <a:lstStyle/>
           <a:p>
             <a:r>
-              <a:rPr lang="en-US" sz="2400" dirty="0" smtClean="0">
+              <a:rPr lang="en" sz="2400" b="1" dirty="0" smtClean="0">
                 <a:latin typeface="Segoe UI" panose="020B0502040204020203" pitchFamily="34" charset="0"/>
                 <a:cs typeface="Segoe UI" panose="020B0502040204020203" pitchFamily="34" charset="0"/>
               </a:rPr>
-              <a:t>The Gauge</a:t>
-            </a:r>
-            <a:endParaRPr lang="en-US" sz="2400" dirty="0">
+              <a:t>KPIs</a:t>
+            </a:r>
+            <a:endParaRPr lang="en-US" sz="2400" b="1" dirty="0">
               <a:latin typeface="Segoe UI" panose="020B0502040204020203" pitchFamily="34" charset="0"/>
               <a:cs typeface="Segoe UI" panose="020B0502040204020203" pitchFamily="34" charset="0"/>
             </a:endParaRPr>
@@ -3971,418 +4171,135 @@
       </p:sp>
       <p:sp>
         <p:nvSpPr>
-          <p:cNvPr id="4" name="Rectangle 3"/>
+          <p:cNvPr id="7" name="Rectangle 6"/>
           <p:cNvSpPr/>
           <p:nvPr/>
         </p:nvSpPr>
         <p:spPr>
           <a:xfrm>
-            <a:off x="542618" y="2048807"/>
-            <a:ext cx="2042452" cy="288757"/>
+            <a:off x="323133" y="834036"/>
+            <a:ext cx="7487080" cy="1754326"/>
           </a:xfrm>
           <a:prstGeom prst="rect">
             <a:avLst/>
           </a:prstGeom>
-          <a:solidFill>
-            <a:srgbClr val="FF0000">
-              <a:alpha val="29000"/>
-            </a:srgbClr>
-          </a:solidFill>
-          <a:ln>
-            <a:noFill/>
-          </a:ln>
-        </p:spPr>
-        <p:style>
-          <a:lnRef idx="2">
-            <a:schemeClr val="accent1">
-              <a:shade val="50000"/>
-            </a:schemeClr>
-          </a:lnRef>
-          <a:fillRef idx="1">
-            <a:schemeClr val="accent1"/>
-          </a:fillRef>
-          <a:effectRef idx="0">
-            <a:schemeClr val="accent1"/>
-          </a:effectRef>
-          <a:fontRef idx="minor">
-            <a:schemeClr val="lt1"/>
-          </a:fontRef>
-        </p:style>
-        <p:txBody>
-          <a:bodyPr rtlCol="0" anchor="ctr"/>
-          <a:lstStyle/>
-          <a:p>
-            <a:pPr algn="ctr"/>
-            <a:endParaRPr lang="en-US"/>
-          </a:p>
-        </p:txBody>
-      </p:sp>
-      <p:sp>
-        <p:nvSpPr>
-          <p:cNvPr id="9" name="Rectangle 8"/>
-          <p:cNvSpPr/>
-          <p:nvPr/>
-        </p:nvSpPr>
-        <p:spPr>
-          <a:xfrm>
-            <a:off x="542618" y="2835896"/>
-            <a:ext cx="2042452" cy="288757"/>
-          </a:xfrm>
-          <a:prstGeom prst="rect">
-            <a:avLst/>
-          </a:prstGeom>
-          <a:solidFill>
-            <a:srgbClr val="FF0000">
-              <a:alpha val="29000"/>
-            </a:srgbClr>
-          </a:solidFill>
-          <a:ln>
-            <a:noFill/>
-          </a:ln>
-        </p:spPr>
-        <p:style>
-          <a:lnRef idx="2">
-            <a:schemeClr val="accent1">
-              <a:shade val="50000"/>
-            </a:schemeClr>
-          </a:lnRef>
-          <a:fillRef idx="1">
-            <a:schemeClr val="accent1"/>
-          </a:fillRef>
-          <a:effectRef idx="0">
-            <a:schemeClr val="accent1"/>
-          </a:effectRef>
-          <a:fontRef idx="minor">
-            <a:schemeClr val="lt1"/>
-          </a:fontRef>
-        </p:style>
-        <p:txBody>
-          <a:bodyPr rtlCol="0" anchor="ctr"/>
-          <a:lstStyle/>
-          <a:p>
-            <a:pPr algn="ctr"/>
-            <a:endParaRPr lang="en-US"/>
-          </a:p>
-        </p:txBody>
-      </p:sp>
-      <p:sp>
-        <p:nvSpPr>
-          <p:cNvPr id="10" name="Rectangle 9"/>
-          <p:cNvSpPr/>
-          <p:nvPr/>
-        </p:nvSpPr>
-        <p:spPr>
-          <a:xfrm>
-            <a:off x="542618" y="3635257"/>
-            <a:ext cx="2042452" cy="288757"/>
-          </a:xfrm>
-          <a:prstGeom prst="rect">
-            <a:avLst/>
-          </a:prstGeom>
-          <a:solidFill>
-            <a:srgbClr val="FF0000">
-              <a:alpha val="29000"/>
-            </a:srgbClr>
-          </a:solidFill>
-          <a:ln>
-            <a:noFill/>
-          </a:ln>
-        </p:spPr>
-        <p:style>
-          <a:lnRef idx="2">
-            <a:schemeClr val="accent1">
-              <a:shade val="50000"/>
-            </a:schemeClr>
-          </a:lnRef>
-          <a:fillRef idx="1">
-            <a:schemeClr val="accent1"/>
-          </a:fillRef>
-          <a:effectRef idx="0">
-            <a:schemeClr val="accent1"/>
-          </a:effectRef>
-          <a:fontRef idx="minor">
-            <a:schemeClr val="lt1"/>
-          </a:fontRef>
-        </p:style>
-        <p:txBody>
-          <a:bodyPr rtlCol="0" anchor="ctr"/>
-          <a:lstStyle/>
-          <a:p>
-            <a:pPr algn="ctr"/>
-            <a:endParaRPr lang="en-US"/>
-          </a:p>
-        </p:txBody>
-      </p:sp>
-      <p:sp>
-        <p:nvSpPr>
-          <p:cNvPr id="11" name="TextBox 10"/>
-          <p:cNvSpPr txBox="1"/>
-          <p:nvPr/>
-        </p:nvSpPr>
-        <p:spPr>
-          <a:xfrm>
-            <a:off x="393029" y="704372"/>
-            <a:ext cx="11232914" cy="646331"/>
-          </a:xfrm>
-          <a:prstGeom prst="rect">
-            <a:avLst/>
-          </a:prstGeom>
-          <a:noFill/>
-        </p:spPr>
-        <p:txBody>
-          <a:bodyPr wrap="square" rtlCol="0">
+        </p:spPr>
+        <p:txBody>
+          <a:bodyPr wrap="square">
             <a:spAutoFit/>
           </a:bodyPr>
           <a:lstStyle/>
           <a:p>
             <a:r>
-              <a:rPr lang="en-US" dirty="0" smtClean="0">
+              <a:rPr lang="en" dirty="0">
                 <a:latin typeface="Segoe UI" panose="020B0502040204020203" pitchFamily="34" charset="0"/>
                 <a:cs typeface="Segoe UI" panose="020B0502040204020203" pitchFamily="34" charset="0"/>
               </a:rPr>
-              <a:t>Add </a:t>
-            </a:r>
-            <a:r>
-              <a:rPr lang="en-US" dirty="0" smtClean="0">
+              <a:t>Before creating a KPI, we need to have a dataset containing:</a:t>
+            </a:r>
+          </a:p>
+          <a:p>
+            <a:pPr lvl="1">
+              <a:buFont typeface="Arial" panose="020B0604020202020204" pitchFamily="34" charset="0"/>
+              <a:buChar char="•"/>
+            </a:pPr>
+            <a:r>
+              <a:rPr lang="en" dirty="0" smtClean="0">
                 <a:latin typeface="Segoe UI" panose="020B0502040204020203" pitchFamily="34" charset="0"/>
                 <a:cs typeface="Segoe UI" panose="020B0502040204020203" pitchFamily="34" charset="0"/>
               </a:rPr>
-              <a:t>Minimum and Maximum </a:t>
-            </a:r>
-            <a:r>
-              <a:rPr lang="en-US" b="1" dirty="0" err="1" smtClean="0">
-                <a:latin typeface="Segoe UI" panose="020B0502040204020203" pitchFamily="34" charset="0"/>
-                <a:cs typeface="Segoe UI" panose="020B0502040204020203" pitchFamily="34" charset="0"/>
-              </a:rPr>
-              <a:t>SalesQuantity</a:t>
-            </a:r>
-            <a:r>
-              <a:rPr lang="en-US" b="1" dirty="0" smtClean="0">
+              <a:t>Average turnover</a:t>
+            </a:r>
+            <a:endParaRPr lang="fr-FR" dirty="0">
+              <a:latin typeface="Segoe UI" panose="020B0502040204020203" pitchFamily="34" charset="0"/>
+              <a:cs typeface="Segoe UI" panose="020B0502040204020203" pitchFamily="34" charset="0"/>
+            </a:endParaRPr>
+          </a:p>
+          <a:p>
+            <a:pPr lvl="1">
+              <a:buFont typeface="Arial" panose="020B0604020202020204" pitchFamily="34" charset="0"/>
+              <a:buChar char="•"/>
+            </a:pPr>
+            <a:r>
+              <a:rPr lang="en" dirty="0">
                 <a:latin typeface="Segoe UI" panose="020B0502040204020203" pitchFamily="34" charset="0"/>
                 <a:cs typeface="Segoe UI" panose="020B0502040204020203" pitchFamily="34" charset="0"/>
               </a:rPr>
               <a:t> </a:t>
             </a:r>
             <a:r>
-              <a:rPr lang="en-US" dirty="0" smtClean="0">
+              <a:rPr lang="en" dirty="0" smtClean="0">
                 <a:latin typeface="Segoe UI" panose="020B0502040204020203" pitchFamily="34" charset="0"/>
                 <a:cs typeface="Segoe UI" panose="020B0502040204020203" pitchFamily="34" charset="0"/>
               </a:rPr>
-              <a:t>respectively</a:t>
-            </a:r>
-            <a:r>
-              <a:rPr lang="en-US" b="1" dirty="0" smtClean="0">
+              <a:t>Minimum value</a:t>
+            </a:r>
+          </a:p>
+          <a:p>
+            <a:pPr lvl="1">
+              <a:buFont typeface="Arial" panose="020B0604020202020204" pitchFamily="34" charset="0"/>
+              <a:buChar char="•"/>
+            </a:pPr>
+            <a:r>
+              <a:rPr lang="en" dirty="0">
                 <a:latin typeface="Segoe UI" panose="020B0502040204020203" pitchFamily="34" charset="0"/>
                 <a:cs typeface="Segoe UI" panose="020B0502040204020203" pitchFamily="34" charset="0"/>
               </a:rPr>
               <a:t> </a:t>
             </a:r>
             <a:r>
-              <a:rPr lang="en-US" dirty="0" smtClean="0">
+              <a:rPr lang="en" dirty="0" smtClean="0">
                 <a:latin typeface="Segoe UI" panose="020B0502040204020203" pitchFamily="34" charset="0"/>
                 <a:cs typeface="Segoe UI" panose="020B0502040204020203" pitchFamily="34" charset="0"/>
               </a:rPr>
-              <a:t>to </a:t>
-            </a:r>
-            <a:r>
-              <a:rPr lang="en-US" b="1" dirty="0" smtClean="0">
-                <a:latin typeface="Segoe UI" panose="020B0502040204020203" pitchFamily="34" charset="0"/>
-                <a:cs typeface="Segoe UI" panose="020B0502040204020203" pitchFamily="34" charset="0"/>
-              </a:rPr>
-              <a:t>Minimum</a:t>
-            </a:r>
-            <a:r>
-              <a:rPr lang="en-US" dirty="0" smtClean="0">
+              <a:t>Maximum value</a:t>
+            </a:r>
+          </a:p>
+          <a:p>
+            <a:pPr lvl="1">
+              <a:buFont typeface="Arial" panose="020B0604020202020204" pitchFamily="34" charset="0"/>
+              <a:buChar char="•"/>
+            </a:pPr>
+            <a:r>
+              <a:rPr lang="en" dirty="0">
                 <a:latin typeface="Segoe UI" panose="020B0502040204020203" pitchFamily="34" charset="0"/>
                 <a:cs typeface="Segoe UI" panose="020B0502040204020203" pitchFamily="34" charset="0"/>
               </a:rPr>
               <a:t> </a:t>
             </a:r>
             <a:r>
-              <a:rPr lang="en-US" b="1" dirty="0" smtClean="0">
+              <a:rPr lang="en" dirty="0" smtClean="0">
                 <a:latin typeface="Segoe UI" panose="020B0502040204020203" pitchFamily="34" charset="0"/>
                 <a:cs typeface="Segoe UI" panose="020B0502040204020203" pitchFamily="34" charset="0"/>
               </a:rPr>
-              <a:t>Value </a:t>
-            </a:r>
-            <a:r>
-              <a:rPr lang="en-US" dirty="0" smtClean="0">
-                <a:latin typeface="Segoe UI" panose="020B0502040204020203" pitchFamily="34" charset="0"/>
-                <a:cs typeface="Segoe UI" panose="020B0502040204020203" pitchFamily="34" charset="0"/>
-              </a:rPr>
-              <a:t>and</a:t>
-            </a:r>
-            <a:r>
-              <a:rPr lang="en-US" b="1" dirty="0" smtClean="0">
-                <a:latin typeface="Segoe UI" panose="020B0502040204020203" pitchFamily="34" charset="0"/>
-                <a:cs typeface="Segoe UI" panose="020B0502040204020203" pitchFamily="34" charset="0"/>
-              </a:rPr>
-              <a:t> Maximum Value</a:t>
-            </a:r>
-            <a:r>
-              <a:rPr lang="en-US" dirty="0" smtClean="0">
-                <a:latin typeface="Segoe UI" panose="020B0502040204020203" pitchFamily="34" charset="0"/>
-                <a:cs typeface="Segoe UI" panose="020B0502040204020203" pitchFamily="34" charset="0"/>
-              </a:rPr>
-              <a:t> and observe the changes</a:t>
-            </a:r>
-            <a:endParaRPr lang="en-US" b="1" dirty="0">
+              <a:t>Target value</a:t>
+            </a:r>
+            <a:endParaRPr lang="fr-FR" dirty="0">
               <a:latin typeface="Segoe UI" panose="020B0502040204020203" pitchFamily="34" charset="0"/>
               <a:cs typeface="Segoe UI" panose="020B0502040204020203" pitchFamily="34" charset="0"/>
             </a:endParaRPr>
           </a:p>
         </p:txBody>
       </p:sp>
-      <p:pic>
-        <p:nvPicPr>
-          <p:cNvPr id="12" name="Picture 11"/>
-          <p:cNvPicPr>
-            <a:picLocks noChangeAspect="1"/>
-          </p:cNvPicPr>
-          <p:nvPr/>
-        </p:nvPicPr>
-        <p:blipFill>
-          <a:blip r:embed="rId3"/>
-          <a:stretch>
-            <a:fillRect/>
-          </a:stretch>
-        </p:blipFill>
-        <p:spPr>
-          <a:xfrm>
-            <a:off x="7102070" y="1583134"/>
-            <a:ext cx="3603262" cy="3614417"/>
-          </a:xfrm>
-          <a:prstGeom prst="rect">
-            <a:avLst/>
-          </a:prstGeom>
-          <a:ln>
-            <a:noFill/>
-          </a:ln>
-          <a:effectLst>
-            <a:outerShdw blurRad="292100" dist="139700" dir="2700000" algn="tl" rotWithShape="0">
-              <a:srgbClr val="333333">
-                <a:alpha val="65000"/>
-              </a:srgbClr>
-            </a:outerShdw>
-          </a:effectLst>
-        </p:spPr>
-      </p:pic>
-      <p:pic>
-        <p:nvPicPr>
-          <p:cNvPr id="13" name="Picture 12"/>
-          <p:cNvPicPr>
-            <a:picLocks noChangeAspect="1"/>
-          </p:cNvPicPr>
-          <p:nvPr/>
-        </p:nvPicPr>
-        <p:blipFill>
-          <a:blip r:embed="rId4"/>
-          <a:stretch>
-            <a:fillRect/>
-          </a:stretch>
-        </p:blipFill>
-        <p:spPr>
-          <a:xfrm>
-            <a:off x="3121336" y="1550475"/>
-            <a:ext cx="3602598" cy="3647076"/>
-          </a:xfrm>
-          <a:prstGeom prst="rect">
-            <a:avLst/>
-          </a:prstGeom>
-          <a:ln>
-            <a:noFill/>
-          </a:ln>
-          <a:effectLst>
-            <a:outerShdw blurRad="292100" dist="139700" dir="2700000" algn="tl" rotWithShape="0">
-              <a:srgbClr val="333333">
-                <a:alpha val="65000"/>
-              </a:srgbClr>
-            </a:outerShdw>
-          </a:effectLst>
-        </p:spPr>
-      </p:pic>
-      <p:sp>
-        <p:nvSpPr>
-          <p:cNvPr id="14" name="Rectangle 13"/>
-          <p:cNvSpPr/>
-          <p:nvPr/>
-        </p:nvSpPr>
-        <p:spPr>
-          <a:xfrm>
-            <a:off x="4501590" y="5479915"/>
-            <a:ext cx="842090" cy="369332"/>
-          </a:xfrm>
-          <a:prstGeom prst="rect">
-            <a:avLst/>
-          </a:prstGeom>
-        </p:spPr>
-        <p:txBody>
-          <a:bodyPr wrap="none">
-            <a:spAutoFit/>
-          </a:bodyPr>
-          <a:lstStyle/>
-          <a:p>
-            <a:r>
-              <a:rPr lang="en-US" dirty="0" smtClean="0">
-                <a:latin typeface="Segoe UI" panose="020B0502040204020203" pitchFamily="34" charset="0"/>
-                <a:cs typeface="Segoe UI" panose="020B0502040204020203" pitchFamily="34" charset="0"/>
-              </a:rPr>
-              <a:t>Before</a:t>
-            </a:r>
-            <a:endParaRPr lang="en-US" dirty="0"/>
-          </a:p>
-        </p:txBody>
-      </p:sp>
-      <p:sp>
-        <p:nvSpPr>
-          <p:cNvPr id="15" name="Rectangle 14"/>
-          <p:cNvSpPr/>
-          <p:nvPr/>
-        </p:nvSpPr>
-        <p:spPr>
-          <a:xfrm>
-            <a:off x="8560113" y="5479915"/>
-            <a:ext cx="687176" cy="369332"/>
-          </a:xfrm>
-          <a:prstGeom prst="rect">
-            <a:avLst/>
-          </a:prstGeom>
-        </p:spPr>
-        <p:txBody>
-          <a:bodyPr wrap="none">
-            <a:spAutoFit/>
-          </a:bodyPr>
-          <a:lstStyle/>
-          <a:p>
-            <a:r>
-              <a:rPr lang="en-US" dirty="0" smtClean="0">
-                <a:latin typeface="Segoe UI" panose="020B0502040204020203" pitchFamily="34" charset="0"/>
-                <a:cs typeface="Segoe UI" panose="020B0502040204020203" pitchFamily="34" charset="0"/>
-              </a:rPr>
-              <a:t>After</a:t>
-            </a:r>
-            <a:endParaRPr lang="en-US" dirty="0"/>
-          </a:p>
-        </p:txBody>
-      </p:sp>
       <p:cxnSp>
         <p:nvCxnSpPr>
-          <p:cNvPr id="17" name="Straight Connector 16"/>
+          <p:cNvPr id="12" name="Straight Arrow Connector 11"/>
           <p:cNvCxnSpPr/>
           <p:nvPr/>
         </p:nvCxnSpPr>
         <p:spPr>
           <a:xfrm flipV="1">
-            <a:off x="3121336" y="4406995"/>
-            <a:ext cx="378135" cy="6876"/>
-          </a:xfrm>
-          <a:prstGeom prst="line">
+            <a:off x="3454400" y="1482138"/>
+            <a:ext cx="5807768" cy="140406"/>
+          </a:xfrm>
+          <a:prstGeom prst="straightConnector1">
             <a:avLst/>
           </a:prstGeom>
           <a:ln>
             <a:solidFill>
               <a:srgbClr val="FF0000"/>
             </a:solidFill>
+            <a:tailEnd type="triangle"/>
           </a:ln>
         </p:spPr>
         <p:style>
@@ -4402,22 +4319,23 @@
       </p:cxnSp>
       <p:cxnSp>
         <p:nvCxnSpPr>
-          <p:cNvPr id="19" name="Straight Connector 18"/>
+          <p:cNvPr id="13" name="Straight Arrow Connector 12"/>
           <p:cNvCxnSpPr/>
           <p:nvPr/>
         </p:nvCxnSpPr>
         <p:spPr>
-          <a:xfrm flipV="1">
-            <a:off x="6345799" y="4428013"/>
-            <a:ext cx="378135" cy="6876"/>
-          </a:xfrm>
-          <a:prstGeom prst="line">
+          <a:xfrm>
+            <a:off x="2737556" y="1862667"/>
+            <a:ext cx="6497341" cy="376948"/>
+          </a:xfrm>
+          <a:prstGeom prst="straightConnector1">
             <a:avLst/>
           </a:prstGeom>
           <a:ln>
             <a:solidFill>
               <a:srgbClr val="FF0000"/>
             </a:solidFill>
+            <a:tailEnd type="triangle"/>
           </a:ln>
         </p:spPr>
         <p:style>
@@ -4437,22 +4355,23 @@
       </p:cxnSp>
       <p:cxnSp>
         <p:nvCxnSpPr>
-          <p:cNvPr id="20" name="Straight Connector 19"/>
+          <p:cNvPr id="16" name="Straight Arrow Connector 15"/>
           <p:cNvCxnSpPr/>
           <p:nvPr/>
         </p:nvCxnSpPr>
         <p:spPr>
-          <a:xfrm flipV="1">
-            <a:off x="7102070" y="4413871"/>
-            <a:ext cx="378135" cy="6876"/>
-          </a:xfrm>
-          <a:prstGeom prst="line">
+          <a:xfrm>
+            <a:off x="2737556" y="2130240"/>
+            <a:ext cx="6497341" cy="859109"/>
+          </a:xfrm>
+          <a:prstGeom prst="straightConnector1">
             <a:avLst/>
           </a:prstGeom>
           <a:ln>
             <a:solidFill>
               <a:srgbClr val="FF0000"/>
             </a:solidFill>
+            <a:tailEnd type="triangle"/>
           </a:ln>
         </p:spPr>
         <p:style>
@@ -4470,24 +4389,241 @@
           </a:fontRef>
         </p:style>
       </p:cxnSp>
+      <p:pic>
+        <p:nvPicPr>
+          <p:cNvPr id="3" name="Picture 2"/>
+          <p:cNvPicPr>
+            <a:picLocks noChangeAspect="1"/>
+          </p:cNvPicPr>
+          <p:nvPr/>
+        </p:nvPicPr>
+        <p:blipFill>
+          <a:blip r:embed="rId2"/>
+          <a:stretch>
+            <a:fillRect/>
+          </a:stretch>
+        </p:blipFill>
+        <p:spPr>
+          <a:xfrm>
+            <a:off x="9234897" y="913861"/>
+            <a:ext cx="2178535" cy="3364627"/>
+          </a:xfrm>
+          <a:prstGeom prst="rect">
+            <a:avLst/>
+          </a:prstGeom>
+        </p:spPr>
+      </p:pic>
+      <p:sp>
+        <p:nvSpPr>
+          <p:cNvPr id="4" name="Rectangle 3"/>
+          <p:cNvSpPr/>
+          <p:nvPr/>
+        </p:nvSpPr>
+        <p:spPr>
+          <a:xfrm>
+            <a:off x="9318978" y="1341731"/>
+            <a:ext cx="2037644" cy="280813"/>
+          </a:xfrm>
+          <a:prstGeom prst="rect">
+            <a:avLst/>
+          </a:prstGeom>
+          <a:solidFill>
+            <a:srgbClr val="FF0000">
+              <a:alpha val="18000"/>
+            </a:srgbClr>
+          </a:solidFill>
+          <a:ln>
+            <a:noFill/>
+          </a:ln>
+        </p:spPr>
+        <p:style>
+          <a:lnRef idx="2">
+            <a:schemeClr val="accent1">
+              <a:shade val="50000"/>
+            </a:schemeClr>
+          </a:lnRef>
+          <a:fillRef idx="1">
+            <a:schemeClr val="accent1"/>
+          </a:fillRef>
+          <a:effectRef idx="0">
+            <a:schemeClr val="accent1"/>
+          </a:effectRef>
+          <a:fontRef idx="minor">
+            <a:schemeClr val="lt1"/>
+          </a:fontRef>
+        </p:style>
+        <p:txBody>
+          <a:bodyPr rtlCol="0" anchor="ctr"/>
+          <a:lstStyle/>
+          <a:p>
+            <a:pPr algn="ctr"/>
+            <a:endParaRPr lang="en-US"/>
+          </a:p>
+        </p:txBody>
+      </p:sp>
+      <p:sp>
+        <p:nvSpPr>
+          <p:cNvPr id="11" name="Rectangle 10"/>
+          <p:cNvSpPr/>
+          <p:nvPr/>
+        </p:nvSpPr>
+        <p:spPr>
+          <a:xfrm>
+            <a:off x="9318978" y="2099209"/>
+            <a:ext cx="2037644" cy="280813"/>
+          </a:xfrm>
+          <a:prstGeom prst="rect">
+            <a:avLst/>
+          </a:prstGeom>
+          <a:solidFill>
+            <a:srgbClr val="FF0000">
+              <a:alpha val="18000"/>
+            </a:srgbClr>
+          </a:solidFill>
+          <a:ln>
+            <a:noFill/>
+          </a:ln>
+        </p:spPr>
+        <p:style>
+          <a:lnRef idx="2">
+            <a:schemeClr val="accent1">
+              <a:shade val="50000"/>
+            </a:schemeClr>
+          </a:lnRef>
+          <a:fillRef idx="1">
+            <a:schemeClr val="accent1"/>
+          </a:fillRef>
+          <a:effectRef idx="0">
+            <a:schemeClr val="accent1"/>
+          </a:effectRef>
+          <a:fontRef idx="minor">
+            <a:schemeClr val="lt1"/>
+          </a:fontRef>
+        </p:style>
+        <p:txBody>
+          <a:bodyPr rtlCol="0" anchor="ctr"/>
+          <a:lstStyle/>
+          <a:p>
+            <a:pPr algn="ctr"/>
+            <a:endParaRPr lang="en-US"/>
+          </a:p>
+        </p:txBody>
+      </p:sp>
+      <p:sp>
+        <p:nvSpPr>
+          <p:cNvPr id="14" name="Rectangle 13"/>
+          <p:cNvSpPr/>
+          <p:nvPr/>
+        </p:nvSpPr>
+        <p:spPr>
+          <a:xfrm>
+            <a:off x="9318978" y="2848943"/>
+            <a:ext cx="2037644" cy="280813"/>
+          </a:xfrm>
+          <a:prstGeom prst="rect">
+            <a:avLst/>
+          </a:prstGeom>
+          <a:solidFill>
+            <a:srgbClr val="FF0000">
+              <a:alpha val="18000"/>
+            </a:srgbClr>
+          </a:solidFill>
+          <a:ln>
+            <a:noFill/>
+          </a:ln>
+        </p:spPr>
+        <p:style>
+          <a:lnRef idx="2">
+            <a:schemeClr val="accent1">
+              <a:shade val="50000"/>
+            </a:schemeClr>
+          </a:lnRef>
+          <a:fillRef idx="1">
+            <a:schemeClr val="accent1"/>
+          </a:fillRef>
+          <a:effectRef idx="0">
+            <a:schemeClr val="accent1"/>
+          </a:effectRef>
+          <a:fontRef idx="minor">
+            <a:schemeClr val="lt1"/>
+          </a:fontRef>
+        </p:style>
+        <p:txBody>
+          <a:bodyPr rtlCol="0" anchor="ctr"/>
+          <a:lstStyle/>
+          <a:p>
+            <a:pPr algn="ctr"/>
+            <a:endParaRPr lang="en-US"/>
+          </a:p>
+        </p:txBody>
+      </p:sp>
+      <p:sp>
+        <p:nvSpPr>
+          <p:cNvPr id="15" name="Rectangle 14"/>
+          <p:cNvSpPr/>
+          <p:nvPr/>
+        </p:nvSpPr>
+        <p:spPr>
+          <a:xfrm>
+            <a:off x="9318978" y="3601265"/>
+            <a:ext cx="2037644" cy="280813"/>
+          </a:xfrm>
+          <a:prstGeom prst="rect">
+            <a:avLst/>
+          </a:prstGeom>
+          <a:solidFill>
+            <a:srgbClr val="FF0000">
+              <a:alpha val="18000"/>
+            </a:srgbClr>
+          </a:solidFill>
+          <a:ln>
+            <a:noFill/>
+          </a:ln>
+        </p:spPr>
+        <p:style>
+          <a:lnRef idx="2">
+            <a:schemeClr val="accent1">
+              <a:shade val="50000"/>
+            </a:schemeClr>
+          </a:lnRef>
+          <a:fillRef idx="1">
+            <a:schemeClr val="accent1"/>
+          </a:fillRef>
+          <a:effectRef idx="0">
+            <a:schemeClr val="accent1"/>
+          </a:effectRef>
+          <a:fontRef idx="minor">
+            <a:schemeClr val="lt1"/>
+          </a:fontRef>
+        </p:style>
+        <p:txBody>
+          <a:bodyPr rtlCol="0" anchor="ctr"/>
+          <a:lstStyle/>
+          <a:p>
+            <a:pPr algn="ctr"/>
+            <a:endParaRPr lang="en-US"/>
+          </a:p>
+        </p:txBody>
+      </p:sp>
       <p:cxnSp>
         <p:nvCxnSpPr>
-          <p:cNvPr id="21" name="Straight Connector 20"/>
+          <p:cNvPr id="19" name="Straight Arrow Connector 18"/>
           <p:cNvCxnSpPr/>
           <p:nvPr/>
         </p:nvCxnSpPr>
         <p:spPr>
-          <a:xfrm flipV="1">
-            <a:off x="10340948" y="4428013"/>
-            <a:ext cx="378135" cy="6876"/>
-          </a:xfrm>
-          <a:prstGeom prst="line">
+          <a:xfrm>
+            <a:off x="2229556" y="2419388"/>
+            <a:ext cx="7089422" cy="1322283"/>
+          </a:xfrm>
+          <a:prstGeom prst="straightConnector1">
             <a:avLst/>
           </a:prstGeom>
           <a:ln>
             <a:solidFill>
               <a:srgbClr val="FF0000"/>
             </a:solidFill>
+            <a:tailEnd type="triangle"/>
           </a:ln>
         </p:spPr>
         <p:style>
@@ -4505,10 +4641,233 @@
           </a:fontRef>
         </p:style>
       </p:cxnSp>
+      <p:sp>
+        <p:nvSpPr>
+          <p:cNvPr id="22" name="Rectangle 21"/>
+          <p:cNvSpPr/>
+          <p:nvPr/>
+        </p:nvSpPr>
+        <p:spPr>
+          <a:xfrm>
+            <a:off x="898752" y="3521317"/>
+            <a:ext cx="2464136" cy="369332"/>
+          </a:xfrm>
+          <a:prstGeom prst="rect">
+            <a:avLst/>
+          </a:prstGeom>
+        </p:spPr>
+        <p:txBody>
+          <a:bodyPr wrap="none">
+            <a:spAutoFit/>
+          </a:bodyPr>
+          <a:lstStyle/>
+          <a:p>
+            <a:r>
+              <a:rPr lang="en">
+                <a:solidFill>
+                  <a:srgbClr val="000000"/>
+                </a:solidFill>
+                <a:latin typeface="Consolas" panose="020B0609020204030204" pitchFamily="49" charset="0"/>
+              </a:rPr>
+              <a:t>Minimum Value = </a:t>
+            </a:r>
+            <a:r>
+              <a:rPr lang="en">
+                <a:solidFill>
+                  <a:srgbClr val="098658"/>
+                </a:solidFill>
+                <a:latin typeface="Consolas" panose="020B0609020204030204" pitchFamily="49" charset="0"/>
+              </a:rPr>
+              <a:t>0</a:t>
+            </a:r>
+            <a:r>
+              <a:rPr lang="en">
+                <a:solidFill>
+                  <a:srgbClr val="000000"/>
+                </a:solidFill>
+                <a:latin typeface="Consolas" panose="020B0609020204030204" pitchFamily="49" charset="0"/>
+              </a:rPr>
+              <a:t> </a:t>
+            </a:r>
+            <a:endParaRPr lang="en-US" b="0">
+              <a:solidFill>
+                <a:srgbClr val="000000"/>
+              </a:solidFill>
+              <a:effectLst/>
+              <a:latin typeface="Consolas" panose="020B0609020204030204" pitchFamily="49" charset="0"/>
+            </a:endParaRPr>
+          </a:p>
+        </p:txBody>
+      </p:sp>
+      <p:sp>
+        <p:nvSpPr>
+          <p:cNvPr id="23" name="Rectangle 22"/>
+          <p:cNvSpPr/>
+          <p:nvPr/>
+        </p:nvSpPr>
+        <p:spPr>
+          <a:xfrm>
+            <a:off x="898752" y="3871723"/>
+            <a:ext cx="2844048" cy="369332"/>
+          </a:xfrm>
+          <a:prstGeom prst="rect">
+            <a:avLst/>
+          </a:prstGeom>
+        </p:spPr>
+        <p:txBody>
+          <a:bodyPr wrap="none">
+            <a:spAutoFit/>
+          </a:bodyPr>
+          <a:lstStyle/>
+          <a:p>
+            <a:r>
+              <a:rPr lang="en" dirty="0">
+                <a:solidFill>
+                  <a:srgbClr val="000000"/>
+                </a:solidFill>
+                <a:latin typeface="Consolas" panose="020B0609020204030204" pitchFamily="49" charset="0"/>
+              </a:rPr>
+              <a:t>Maximum Value = </a:t>
+            </a:r>
+            <a:r>
+              <a:rPr lang="en" dirty="0">
+                <a:solidFill>
+                  <a:srgbClr val="098658"/>
+                </a:solidFill>
+                <a:latin typeface="Consolas" panose="020B0609020204030204" pitchFamily="49" charset="0"/>
+              </a:rPr>
+              <a:t>20000</a:t>
+            </a:r>
+            <a:endParaRPr lang="en-US" b="0" dirty="0">
+              <a:solidFill>
+                <a:srgbClr val="000000"/>
+              </a:solidFill>
+              <a:effectLst/>
+              <a:latin typeface="Consolas" panose="020B0609020204030204" pitchFamily="49" charset="0"/>
+            </a:endParaRPr>
+          </a:p>
+        </p:txBody>
+      </p:sp>
+      <p:sp>
+        <p:nvSpPr>
+          <p:cNvPr id="25" name="Rectangle 24"/>
+          <p:cNvSpPr/>
+          <p:nvPr/>
+        </p:nvSpPr>
+        <p:spPr>
+          <a:xfrm>
+            <a:off x="898752" y="4325244"/>
+            <a:ext cx="7382933" cy="369332"/>
+          </a:xfrm>
+          <a:prstGeom prst="rect">
+            <a:avLst/>
+          </a:prstGeom>
+        </p:spPr>
+        <p:txBody>
+          <a:bodyPr wrap="square">
+            <a:spAutoFit/>
+          </a:bodyPr>
+          <a:lstStyle/>
+          <a:p>
+            <a:r>
+              <a:rPr lang="en" dirty="0" smtClean="0">
+                <a:solidFill>
+                  <a:srgbClr val="000000"/>
+                </a:solidFill>
+                <a:latin typeface="Consolas" panose="020B0609020204030204" pitchFamily="49" charset="0"/>
+              </a:rPr>
+              <a:t>Average Turnover = A value of choice</a:t>
+            </a:r>
+            <a:endParaRPr lang="fr-FR" b="0" dirty="0">
+              <a:effectLst/>
+              <a:latin typeface="Consolas" panose="020B0609020204030204" pitchFamily="49" charset="0"/>
+            </a:endParaRPr>
+          </a:p>
+        </p:txBody>
+      </p:sp>
+      <p:sp>
+        <p:nvSpPr>
+          <p:cNvPr id="26" name="Rectangle 25"/>
+          <p:cNvSpPr/>
+          <p:nvPr/>
+        </p:nvSpPr>
+        <p:spPr>
+          <a:xfrm>
+            <a:off x="898752" y="4778765"/>
+            <a:ext cx="7382933" cy="369332"/>
+          </a:xfrm>
+          <a:prstGeom prst="rect">
+            <a:avLst/>
+          </a:prstGeom>
+        </p:spPr>
+        <p:txBody>
+          <a:bodyPr wrap="square">
+            <a:spAutoFit/>
+          </a:bodyPr>
+          <a:lstStyle/>
+          <a:p>
+            <a:r>
+              <a:rPr lang="en" dirty="0" smtClean="0">
+                <a:solidFill>
+                  <a:srgbClr val="000000"/>
+                </a:solidFill>
+                <a:latin typeface="Consolas" panose="020B0609020204030204" pitchFamily="49" charset="0"/>
+              </a:rPr>
+              <a:t>Target Value = </a:t>
+            </a:r>
+            <a:r>
+              <a:rPr lang="en" dirty="0" err="1" smtClean="0">
+                <a:solidFill>
+                  <a:srgbClr val="000000"/>
+                </a:solidFill>
+                <a:latin typeface="Consolas" panose="020B0609020204030204" pitchFamily="49" charset="0"/>
+              </a:rPr>
+              <a:t>Avg </a:t>
+            </a:r>
+            <a:r>
+              <a:rPr lang="en" dirty="0" smtClean="0">
+                <a:solidFill>
+                  <a:srgbClr val="000000"/>
+                </a:solidFill>
+                <a:latin typeface="Consolas" panose="020B0609020204030204" pitchFamily="49" charset="0"/>
+              </a:rPr>
+              <a:t>( </a:t>
+            </a:r>
+            <a:r>
+              <a:rPr lang="en" dirty="0" err="1" smtClean="0">
+                <a:solidFill>
+                  <a:srgbClr val="001080"/>
+                </a:solidFill>
+                <a:latin typeface="Consolas" panose="020B0609020204030204" pitchFamily="49" charset="0"/>
+              </a:rPr>
+              <a:t>SalesFact </a:t>
+            </a:r>
+            <a:r>
+              <a:rPr lang="en" dirty="0" smtClean="0">
+                <a:solidFill>
+                  <a:srgbClr val="001080"/>
+                </a:solidFill>
+                <a:latin typeface="Consolas" panose="020B0609020204030204" pitchFamily="49" charset="0"/>
+              </a:rPr>
+              <a:t>[ Turnover ] </a:t>
+            </a:r>
+            <a:r>
+              <a:rPr lang="en" dirty="0" smtClean="0">
+                <a:latin typeface="Consolas" panose="020B0609020204030204" pitchFamily="49" charset="0"/>
+              </a:rPr>
+              <a:t>) * 1.2</a:t>
+            </a:r>
+            <a:endParaRPr lang="fr-FR" b="0" dirty="0">
+              <a:effectLst/>
+              <a:latin typeface="Consolas" panose="020B0609020204030204" pitchFamily="49" charset="0"/>
+            </a:endParaRPr>
+          </a:p>
+        </p:txBody>
+      </p:sp>
     </p:spTree>
     <p:extLst>
       <p:ext uri="{BB962C8B-B14F-4D97-AF65-F5344CB8AC3E}">
-        <p14:creationId xmlns:p14="http://schemas.microsoft.com/office/powerpoint/2010/main" val="1600860407"/>
+        <p14:creationId xmlns:p14="http://schemas.microsoft.com/office/powerpoint/2010/main" val="3260989488"/>
       </p:ext>
     </p:extLst>
   </p:cSld>
@@ -4535,24 +4894,59 @@
           <a:chExt cx="0" cy="0"/>
         </a:xfrm>
       </p:grpSpPr>
+      <p:sp>
+        <p:nvSpPr>
+          <p:cNvPr id="2" name="TextBox 1"/>
+          <p:cNvSpPr txBox="1"/>
+          <p:nvPr/>
+        </p:nvSpPr>
+        <p:spPr>
+          <a:xfrm>
+            <a:off x="323133" y="192505"/>
+            <a:ext cx="1215397" cy="461665"/>
+          </a:xfrm>
+          <a:prstGeom prst="rect">
+            <a:avLst/>
+          </a:prstGeom>
+          <a:noFill/>
+        </p:spPr>
+        <p:txBody>
+          <a:bodyPr wrap="none" rtlCol="0">
+            <a:spAutoFit/>
+          </a:bodyPr>
+          <a:lstStyle/>
+          <a:p>
+            <a:r>
+              <a:rPr lang="en" sz="2400" b="1" dirty="0" smtClean="0">
+                <a:latin typeface="Segoe UI" panose="020B0502040204020203" pitchFamily="34" charset="0"/>
+                <a:cs typeface="Segoe UI" panose="020B0502040204020203" pitchFamily="34" charset="0"/>
+              </a:rPr>
+              <a:t>KPIs</a:t>
+            </a:r>
+            <a:endParaRPr lang="en-US" sz="2400" b="1" dirty="0">
+              <a:latin typeface="Segoe UI" panose="020B0502040204020203" pitchFamily="34" charset="0"/>
+              <a:cs typeface="Segoe UI" panose="020B0502040204020203" pitchFamily="34" charset="0"/>
+            </a:endParaRPr>
+          </a:p>
+        </p:txBody>
+      </p:sp>
       <p:pic>
         <p:nvPicPr>
-          <p:cNvPr id="5" name="Picture 4"/>
+          <p:cNvPr id="3" name="Picture 2"/>
           <p:cNvPicPr>
             <a:picLocks noChangeAspect="1"/>
           </p:cNvPicPr>
           <p:nvPr/>
         </p:nvPicPr>
-        <p:blipFill>
+        <p:blipFill rotWithShape="1">
           <a:blip r:embed="rId2"/>
-          <a:stretch>
-            <a:fillRect/>
-          </a:stretch>
+          <a:srcRect t="36545"/>
+          <a:stretch/>
         </p:blipFill>
         <p:spPr>
           <a:xfrm>
-            <a:off x="305398" y="1890677"/>
-            <a:ext cx="2371125" cy="3747469"/>
+            <a:off x="323134" y="1103385"/>
+            <a:ext cx="5129400" cy="2777240"/>
           </a:xfrm>
           <a:prstGeom prst="rect">
             <a:avLst/>
@@ -4561,485 +4955,43 @@
       </p:pic>
       <p:sp>
         <p:nvSpPr>
-          <p:cNvPr id="2" name="TextBox 1"/>
-          <p:cNvSpPr txBox="1"/>
+          <p:cNvPr id="4" name="Rectangle 3"/>
+          <p:cNvSpPr/>
           <p:nvPr/>
         </p:nvSpPr>
         <p:spPr>
           <a:xfrm>
-            <a:off x="323133" y="192505"/>
-            <a:ext cx="1651414" cy="461665"/>
+            <a:off x="323133" y="734053"/>
+            <a:ext cx="6096000" cy="369332"/>
           </a:xfrm>
           <a:prstGeom prst="rect">
             <a:avLst/>
           </a:prstGeom>
-          <a:noFill/>
-        </p:spPr>
-        <p:txBody>
-          <a:bodyPr wrap="none" rtlCol="0">
+        </p:spPr>
+        <p:txBody>
+          <a:bodyPr>
             <a:spAutoFit/>
           </a:bodyPr>
           <a:lstStyle/>
           <a:p>
             <a:r>
-              <a:rPr lang="en-US" sz="2400" dirty="0" smtClean="0">
+              <a:rPr lang="en" dirty="0" smtClean="0">
                 <a:latin typeface="Segoe UI" panose="020B0502040204020203" pitchFamily="34" charset="0"/>
                 <a:cs typeface="Segoe UI" panose="020B0502040204020203" pitchFamily="34" charset="0"/>
               </a:rPr>
-              <a:t>The Gauge</a:t>
-            </a:r>
-            <a:endParaRPr lang="en-US" sz="2400" dirty="0">
+              <a:t>The result should look like this:</a:t>
+            </a:r>
+            <a:endParaRPr lang="fr-FR" dirty="0">
               <a:latin typeface="Segoe UI" panose="020B0502040204020203" pitchFamily="34" charset="0"/>
               <a:cs typeface="Segoe UI" panose="020B0502040204020203" pitchFamily="34" charset="0"/>
             </a:endParaRPr>
           </a:p>
         </p:txBody>
       </p:sp>
-      <p:sp>
-        <p:nvSpPr>
-          <p:cNvPr id="4" name="Rectangle 3"/>
-          <p:cNvSpPr/>
-          <p:nvPr/>
-        </p:nvSpPr>
-        <p:spPr>
-          <a:xfrm>
-            <a:off x="401162" y="2351314"/>
-            <a:ext cx="2200582" cy="233756"/>
-          </a:xfrm>
-          <a:prstGeom prst="rect">
-            <a:avLst/>
-          </a:prstGeom>
-          <a:solidFill>
-            <a:srgbClr val="FF0000">
-              <a:alpha val="29000"/>
-            </a:srgbClr>
-          </a:solidFill>
-          <a:ln>
-            <a:noFill/>
-          </a:ln>
-        </p:spPr>
-        <p:style>
-          <a:lnRef idx="2">
-            <a:schemeClr val="accent1">
-              <a:shade val="50000"/>
-            </a:schemeClr>
-          </a:lnRef>
-          <a:fillRef idx="1">
-            <a:schemeClr val="accent1"/>
-          </a:fillRef>
-          <a:effectRef idx="0">
-            <a:schemeClr val="accent1"/>
-          </a:effectRef>
-          <a:fontRef idx="minor">
-            <a:schemeClr val="lt1"/>
-          </a:fontRef>
-        </p:style>
-        <p:txBody>
-          <a:bodyPr rtlCol="0" anchor="ctr"/>
-          <a:lstStyle/>
-          <a:p>
-            <a:pPr algn="ctr"/>
-            <a:endParaRPr lang="en-US"/>
-          </a:p>
-        </p:txBody>
-      </p:sp>
-      <p:pic>
-        <p:nvPicPr>
-          <p:cNvPr id="7" name="Picture 6"/>
-          <p:cNvPicPr>
-            <a:picLocks noChangeAspect="1"/>
-          </p:cNvPicPr>
-          <p:nvPr/>
-        </p:nvPicPr>
-        <p:blipFill>
-          <a:blip r:embed="rId3"/>
-          <a:stretch>
-            <a:fillRect/>
-          </a:stretch>
-        </p:blipFill>
-        <p:spPr>
-          <a:xfrm>
-            <a:off x="3677130" y="1890677"/>
-            <a:ext cx="4401164" cy="4458322"/>
-          </a:xfrm>
-          <a:prstGeom prst="rect">
-            <a:avLst/>
-          </a:prstGeom>
-          <a:ln>
-            <a:noFill/>
-          </a:ln>
-          <a:effectLst>
-            <a:outerShdw blurRad="292100" dist="139700" dir="2700000" algn="tl" rotWithShape="0">
-              <a:srgbClr val="333333">
-                <a:alpha val="65000"/>
-              </a:srgbClr>
-            </a:outerShdw>
-          </a:effectLst>
-        </p:spPr>
-      </p:pic>
-      <p:sp>
-        <p:nvSpPr>
-          <p:cNvPr id="6" name="Rectangle 5"/>
-          <p:cNvSpPr/>
-          <p:nvPr/>
-        </p:nvSpPr>
-        <p:spPr>
-          <a:xfrm>
-            <a:off x="401162" y="3165451"/>
-            <a:ext cx="2200582" cy="233756"/>
-          </a:xfrm>
-          <a:prstGeom prst="rect">
-            <a:avLst/>
-          </a:prstGeom>
-          <a:solidFill>
-            <a:srgbClr val="FF0000">
-              <a:alpha val="29000"/>
-            </a:srgbClr>
-          </a:solidFill>
-          <a:ln>
-            <a:noFill/>
-          </a:ln>
-        </p:spPr>
-        <p:style>
-          <a:lnRef idx="2">
-            <a:schemeClr val="accent1">
-              <a:shade val="50000"/>
-            </a:schemeClr>
-          </a:lnRef>
-          <a:fillRef idx="1">
-            <a:schemeClr val="accent1"/>
-          </a:fillRef>
-          <a:effectRef idx="0">
-            <a:schemeClr val="accent1"/>
-          </a:effectRef>
-          <a:fontRef idx="minor">
-            <a:schemeClr val="lt1"/>
-          </a:fontRef>
-        </p:style>
-        <p:txBody>
-          <a:bodyPr rtlCol="0" anchor="ctr"/>
-          <a:lstStyle/>
-          <a:p>
-            <a:pPr algn="ctr"/>
-            <a:endParaRPr lang="en-US"/>
-          </a:p>
-        </p:txBody>
-      </p:sp>
-      <p:sp>
-        <p:nvSpPr>
-          <p:cNvPr id="8" name="Rectangle 7"/>
-          <p:cNvSpPr/>
-          <p:nvPr/>
-        </p:nvSpPr>
-        <p:spPr>
-          <a:xfrm>
-            <a:off x="323133" y="4048340"/>
-            <a:ext cx="2200582" cy="233756"/>
-          </a:xfrm>
-          <a:prstGeom prst="rect">
-            <a:avLst/>
-          </a:prstGeom>
-          <a:solidFill>
-            <a:srgbClr val="FF0000">
-              <a:alpha val="29000"/>
-            </a:srgbClr>
-          </a:solidFill>
-          <a:ln>
-            <a:noFill/>
-          </a:ln>
-        </p:spPr>
-        <p:style>
-          <a:lnRef idx="2">
-            <a:schemeClr val="accent1">
-              <a:shade val="50000"/>
-            </a:schemeClr>
-          </a:lnRef>
-          <a:fillRef idx="1">
-            <a:schemeClr val="accent1"/>
-          </a:fillRef>
-          <a:effectRef idx="0">
-            <a:schemeClr val="accent1"/>
-          </a:effectRef>
-          <a:fontRef idx="minor">
-            <a:schemeClr val="lt1"/>
-          </a:fontRef>
-        </p:style>
-        <p:txBody>
-          <a:bodyPr rtlCol="0" anchor="ctr"/>
-          <a:lstStyle/>
-          <a:p>
-            <a:pPr algn="ctr"/>
-            <a:endParaRPr lang="en-US"/>
-          </a:p>
-        </p:txBody>
-      </p:sp>
-      <p:sp>
-        <p:nvSpPr>
-          <p:cNvPr id="9" name="Rectangle 8"/>
-          <p:cNvSpPr/>
-          <p:nvPr/>
-        </p:nvSpPr>
-        <p:spPr>
-          <a:xfrm>
-            <a:off x="390669" y="4898531"/>
-            <a:ext cx="2200582" cy="233756"/>
-          </a:xfrm>
-          <a:prstGeom prst="rect">
-            <a:avLst/>
-          </a:prstGeom>
-          <a:solidFill>
-            <a:srgbClr val="FF0000">
-              <a:alpha val="29000"/>
-            </a:srgbClr>
-          </a:solidFill>
-          <a:ln>
-            <a:noFill/>
-          </a:ln>
-        </p:spPr>
-        <p:style>
-          <a:lnRef idx="2">
-            <a:schemeClr val="accent1">
-              <a:shade val="50000"/>
-            </a:schemeClr>
-          </a:lnRef>
-          <a:fillRef idx="1">
-            <a:schemeClr val="accent1"/>
-          </a:fillRef>
-          <a:effectRef idx="0">
-            <a:schemeClr val="accent1"/>
-          </a:effectRef>
-          <a:fontRef idx="minor">
-            <a:schemeClr val="lt1"/>
-          </a:fontRef>
-        </p:style>
-        <p:txBody>
-          <a:bodyPr rtlCol="0" anchor="ctr"/>
-          <a:lstStyle/>
-          <a:p>
-            <a:pPr algn="ctr"/>
-            <a:endParaRPr lang="en-US"/>
-          </a:p>
-        </p:txBody>
-      </p:sp>
-      <p:sp>
-        <p:nvSpPr>
-          <p:cNvPr id="10" name="TextBox 9"/>
-          <p:cNvSpPr txBox="1"/>
-          <p:nvPr/>
-        </p:nvSpPr>
-        <p:spPr>
-          <a:xfrm>
-            <a:off x="393029" y="704372"/>
-            <a:ext cx="6757166" cy="369332"/>
-          </a:xfrm>
-          <a:prstGeom prst="rect">
-            <a:avLst/>
-          </a:prstGeom>
-          <a:noFill/>
-        </p:spPr>
-        <p:txBody>
-          <a:bodyPr wrap="square" rtlCol="0">
-            <a:spAutoFit/>
-          </a:bodyPr>
-          <a:lstStyle/>
-          <a:p>
-            <a:r>
-              <a:rPr lang="en-US" dirty="0" smtClean="0">
-                <a:latin typeface="Segoe UI" panose="020B0502040204020203" pitchFamily="34" charset="0"/>
-                <a:cs typeface="Segoe UI" panose="020B0502040204020203" pitchFamily="34" charset="0"/>
-              </a:rPr>
-              <a:t>Add </a:t>
-            </a:r>
-            <a:r>
-              <a:rPr lang="en-US" b="1" dirty="0" smtClean="0">
-                <a:latin typeface="Segoe UI" panose="020B0502040204020203" pitchFamily="34" charset="0"/>
-                <a:cs typeface="Segoe UI" panose="020B0502040204020203" pitchFamily="34" charset="0"/>
-              </a:rPr>
-              <a:t>Targe</a:t>
-            </a:r>
-            <a:r>
-              <a:rPr lang="en-US" b="1" dirty="0" smtClean="0">
-                <a:latin typeface="Segoe UI" panose="020B0502040204020203" pitchFamily="34" charset="0"/>
-                <a:cs typeface="Segoe UI" panose="020B0502040204020203" pitchFamily="34" charset="0"/>
-              </a:rPr>
-              <a:t>t</a:t>
-            </a:r>
-            <a:r>
-              <a:rPr lang="en-US" dirty="0" smtClean="0">
-                <a:latin typeface="Segoe UI" panose="020B0502040204020203" pitchFamily="34" charset="0"/>
-                <a:cs typeface="Segoe UI" panose="020B0502040204020203" pitchFamily="34" charset="0"/>
-              </a:rPr>
-              <a:t> </a:t>
-            </a:r>
-            <a:r>
-              <a:rPr lang="en-US" b="1" dirty="0" err="1" smtClean="0">
-                <a:latin typeface="Segoe UI" panose="020B0502040204020203" pitchFamily="34" charset="0"/>
-                <a:cs typeface="Segoe UI" panose="020B0502040204020203" pitchFamily="34" charset="0"/>
-              </a:rPr>
-              <a:t>SalesQuantity</a:t>
-            </a:r>
-            <a:r>
-              <a:rPr lang="en-US" b="1" dirty="0" smtClean="0">
-                <a:latin typeface="Segoe UI" panose="020B0502040204020203" pitchFamily="34" charset="0"/>
-                <a:cs typeface="Segoe UI" panose="020B0502040204020203" pitchFamily="34" charset="0"/>
-              </a:rPr>
-              <a:t> </a:t>
-            </a:r>
-            <a:r>
-              <a:rPr lang="en-US" dirty="0" smtClean="0">
-                <a:latin typeface="Segoe UI" panose="020B0502040204020203" pitchFamily="34" charset="0"/>
-                <a:cs typeface="Segoe UI" panose="020B0502040204020203" pitchFamily="34" charset="0"/>
-              </a:rPr>
-              <a:t>measure and observe</a:t>
-            </a:r>
-            <a:r>
-              <a:rPr lang="en-US" dirty="0" smtClean="0">
-                <a:latin typeface="Segoe UI" panose="020B0502040204020203" pitchFamily="34" charset="0"/>
-                <a:cs typeface="Segoe UI" panose="020B0502040204020203" pitchFamily="34" charset="0"/>
-              </a:rPr>
-              <a:t> the changes</a:t>
-            </a:r>
-            <a:endParaRPr lang="en-US" b="1" dirty="0">
-              <a:latin typeface="Segoe UI" panose="020B0502040204020203" pitchFamily="34" charset="0"/>
-              <a:cs typeface="Segoe UI" panose="020B0502040204020203" pitchFamily="34" charset="0"/>
-            </a:endParaRPr>
-          </a:p>
-        </p:txBody>
-      </p:sp>
-      <p:sp>
-        <p:nvSpPr>
-          <p:cNvPr id="3" name="Rectangle 2"/>
-          <p:cNvSpPr/>
-          <p:nvPr/>
-        </p:nvSpPr>
-        <p:spPr>
-          <a:xfrm>
-            <a:off x="401162" y="1194617"/>
-            <a:ext cx="7821672" cy="338554"/>
-          </a:xfrm>
-          <a:prstGeom prst="rect">
-            <a:avLst/>
-          </a:prstGeom>
-        </p:spPr>
-        <p:txBody>
-          <a:bodyPr wrap="square">
-            <a:spAutoFit/>
-          </a:bodyPr>
-          <a:lstStyle/>
-          <a:p>
-            <a:r>
-              <a:rPr lang="en-US" sz="1600" dirty="0">
-                <a:solidFill>
-                  <a:srgbClr val="000000"/>
-                </a:solidFill>
-                <a:latin typeface="Consolas" panose="020B0609020204030204" pitchFamily="49" charset="0"/>
-              </a:rPr>
-              <a:t>Target </a:t>
-            </a:r>
-            <a:r>
-              <a:rPr lang="en-US" sz="1600" dirty="0" err="1">
-                <a:solidFill>
-                  <a:srgbClr val="000000"/>
-                </a:solidFill>
-                <a:latin typeface="Consolas" panose="020B0609020204030204" pitchFamily="49" charset="0"/>
-              </a:rPr>
-              <a:t>SalesQuantity</a:t>
-            </a:r>
-            <a:r>
-              <a:rPr lang="en-US" sz="1600" dirty="0">
-                <a:solidFill>
-                  <a:srgbClr val="000000"/>
-                </a:solidFill>
-                <a:latin typeface="Consolas" panose="020B0609020204030204" pitchFamily="49" charset="0"/>
-              </a:rPr>
-              <a:t> = </a:t>
-            </a:r>
-            <a:r>
-              <a:rPr lang="en-US" sz="1600" dirty="0">
-                <a:solidFill>
-                  <a:srgbClr val="3165BB"/>
-                </a:solidFill>
-                <a:latin typeface="Consolas" panose="020B0609020204030204" pitchFamily="49" charset="0"/>
-              </a:rPr>
-              <a:t>AVERAGE</a:t>
-            </a:r>
-            <a:r>
-              <a:rPr lang="en-US" sz="1600" dirty="0">
-                <a:solidFill>
-                  <a:srgbClr val="000000"/>
-                </a:solidFill>
-                <a:latin typeface="Consolas" panose="020B0609020204030204" pitchFamily="49" charset="0"/>
-              </a:rPr>
-              <a:t>(</a:t>
-            </a:r>
-            <a:r>
-              <a:rPr lang="en-US" sz="1600" dirty="0" err="1">
-                <a:solidFill>
-                  <a:srgbClr val="001080"/>
-                </a:solidFill>
-                <a:latin typeface="Consolas" panose="020B0609020204030204" pitchFamily="49" charset="0"/>
-              </a:rPr>
-              <a:t>FactSales</a:t>
-            </a:r>
-            <a:r>
-              <a:rPr lang="en-US" sz="1600" dirty="0">
-                <a:solidFill>
-                  <a:srgbClr val="001080"/>
-                </a:solidFill>
-                <a:latin typeface="Consolas" panose="020B0609020204030204" pitchFamily="49" charset="0"/>
-              </a:rPr>
-              <a:t>[</a:t>
-            </a:r>
-            <a:r>
-              <a:rPr lang="en-US" sz="1600" dirty="0" err="1">
-                <a:solidFill>
-                  <a:srgbClr val="001080"/>
-                </a:solidFill>
-                <a:latin typeface="Consolas" panose="020B0609020204030204" pitchFamily="49" charset="0"/>
-              </a:rPr>
-              <a:t>SalesQuantity</a:t>
-            </a:r>
-            <a:r>
-              <a:rPr lang="en-US" sz="1600" dirty="0">
-                <a:solidFill>
-                  <a:srgbClr val="001080"/>
-                </a:solidFill>
-                <a:latin typeface="Consolas" panose="020B0609020204030204" pitchFamily="49" charset="0"/>
-              </a:rPr>
-              <a:t>]</a:t>
-            </a:r>
-            <a:r>
-              <a:rPr lang="en-US" sz="1600" dirty="0">
-                <a:solidFill>
-                  <a:srgbClr val="000000"/>
-                </a:solidFill>
-                <a:latin typeface="Consolas" panose="020B0609020204030204" pitchFamily="49" charset="0"/>
-              </a:rPr>
-              <a:t>)*</a:t>
-            </a:r>
-            <a:r>
-              <a:rPr lang="en-US" sz="1600" dirty="0">
-                <a:solidFill>
-                  <a:srgbClr val="098658"/>
-                </a:solidFill>
-                <a:latin typeface="Consolas" panose="020B0609020204030204" pitchFamily="49" charset="0"/>
-              </a:rPr>
-              <a:t>1.1</a:t>
-            </a:r>
-            <a:endParaRPr lang="en-US" sz="1600" b="0" dirty="0">
-              <a:solidFill>
-                <a:srgbClr val="000000"/>
-              </a:solidFill>
-              <a:effectLst/>
-              <a:latin typeface="Consolas" panose="020B0609020204030204" pitchFamily="49" charset="0"/>
-            </a:endParaRPr>
-          </a:p>
-        </p:txBody>
-      </p:sp>
     </p:spTree>
     <p:extLst>
       <p:ext uri="{BB962C8B-B14F-4D97-AF65-F5344CB8AC3E}">
-        <p14:creationId xmlns:p14="http://schemas.microsoft.com/office/powerpoint/2010/main" val="1682606508"/>
+        <p14:creationId xmlns:p14="http://schemas.microsoft.com/office/powerpoint/2010/main" val="585116470"/>
       </p:ext>
     </p:extLst>
   </p:cSld>
@@ -5075,7 +5027,7 @@
         <p:spPr>
           <a:xfrm>
             <a:off x="323133" y="192505"/>
-            <a:ext cx="1651414" cy="461665"/>
+            <a:ext cx="1215397" cy="461665"/>
           </a:xfrm>
           <a:prstGeom prst="rect">
             <a:avLst/>
@@ -5089,13 +5041,13 @@
           <a:lstStyle/>
           <a:p>
             <a:r>
-              <a:rPr lang="en-US" sz="2400" dirty="0" smtClean="0">
+              <a:rPr lang="en" sz="2400" b="1" dirty="0" smtClean="0">
                 <a:latin typeface="Segoe UI" panose="020B0502040204020203" pitchFamily="34" charset="0"/>
                 <a:cs typeface="Segoe UI" panose="020B0502040204020203" pitchFamily="34" charset="0"/>
               </a:rPr>
-              <a:t>The Gauge</a:t>
-            </a:r>
-            <a:endParaRPr lang="en-US" sz="2400" dirty="0">
+              <a:t>KPIs</a:t>
+            </a:r>
+            <a:endParaRPr lang="en-US" sz="2400" b="1" dirty="0">
               <a:latin typeface="Segoe UI" panose="020B0502040204020203" pitchFamily="34" charset="0"/>
               <a:cs typeface="Segoe UI" panose="020B0502040204020203" pitchFamily="34" charset="0"/>
             </a:endParaRPr>
@@ -5104,774 +5056,444 @@
       </p:sp>
       <p:sp>
         <p:nvSpPr>
-          <p:cNvPr id="10" name="TextBox 9"/>
-          <p:cNvSpPr txBox="1"/>
+          <p:cNvPr id="4" name="Rectangle 3"/>
+          <p:cNvSpPr/>
           <p:nvPr/>
         </p:nvSpPr>
         <p:spPr>
           <a:xfrm>
-            <a:off x="393028" y="704372"/>
-            <a:ext cx="10242887" cy="646331"/>
+            <a:off x="323133" y="734053"/>
+            <a:ext cx="6096000" cy="369332"/>
+          </a:xfrm>
+          <a:prstGeom prst="rect">
+            <a:avLst/>
+          </a:prstGeom>
+        </p:spPr>
+        <p:txBody>
+          <a:bodyPr>
+            <a:spAutoFit/>
+          </a:bodyPr>
+          <a:lstStyle/>
+          <a:p>
+            <a:r>
+              <a:rPr lang="en" dirty="0" smtClean="0">
+                <a:latin typeface="Segoe UI" panose="020B0502040204020203" pitchFamily="34" charset="0"/>
+                <a:cs typeface="Segoe UI" panose="020B0502040204020203" pitchFamily="34" charset="0"/>
+              </a:rPr>
+              <a:t>The data must then be formatted.</a:t>
+            </a:r>
+            <a:endParaRPr lang="fr-FR" dirty="0">
+              <a:latin typeface="Segoe UI" panose="020B0502040204020203" pitchFamily="34" charset="0"/>
+              <a:cs typeface="Segoe UI" panose="020B0502040204020203" pitchFamily="34" charset="0"/>
+            </a:endParaRPr>
+          </a:p>
+        </p:txBody>
+      </p:sp>
+      <p:sp>
+        <p:nvSpPr>
+          <p:cNvPr id="5" name="Rectangle 1"/>
+          <p:cNvSpPr>
+            <a:spLocks noChangeArrowheads="1"/>
+          </p:cNvSpPr>
+          <p:nvPr/>
+        </p:nvSpPr>
+        <p:spPr bwMode="auto">
+          <a:xfrm>
+            <a:off x="713984" y="1183268"/>
+            <a:ext cx="9807428" cy="2031325"/>
           </a:xfrm>
           <a:prstGeom prst="rect">
             <a:avLst/>
           </a:prstGeom>
           <a:noFill/>
-        </p:spPr>
-        <p:txBody>
-          <a:bodyPr wrap="square" rtlCol="0">
+          <a:ln>
+            <a:noFill/>
+          </a:ln>
+          <a:effectLst/>
+          <a:extLst>
+            <a:ext uri="{909E8E84-426E-40DD-AFC4-6F175D3DCCD1}">
+              <a14:hiddenFill xmlns:a14="http://schemas.microsoft.com/office/drawing/2010/main">
+                <a:solidFill>
+                  <a:schemeClr val="accent1"/>
+                </a:solidFill>
+              </a14:hiddenFill>
+            </a:ext>
+            <a:ext uri="{91240B29-F687-4F45-9708-019B960494DF}">
+              <a14:hiddenLine xmlns:a14="http://schemas.microsoft.com/office/drawing/2010/main" w="9525">
+                <a:solidFill>
+                  <a:schemeClr val="tx1"/>
+                </a:solidFill>
+                <a:miter lim="800000"/>
+                <a:headEnd/>
+                <a:tailEnd/>
+              </a14:hiddenLine>
+            </a:ext>
+            <a:ext uri="{AF507438-7753-43E0-B8FC-AC1667EBCBE1}">
+              <a14:hiddenEffects xmlns:a14="http://schemas.microsoft.com/office/drawing/2010/main">
+                <a:effectLst>
+                  <a:outerShdw dist="35921" dir="2700000" algn="ctr" rotWithShape="0">
+                    <a:schemeClr val="bg2"/>
+                  </a:outerShdw>
+                </a:effectLst>
+              </a14:hiddenEffects>
+            </a:ext>
+          </a:extLst>
+        </p:spPr>
+        <p:txBody>
+          <a:bodyPr vert="horz" wrap="none" lIns="91440" tIns="45720" rIns="91440" bIns="45720" numCol="1" anchor="ctr" anchorCtr="0" compatLnSpc="1">
+            <a:prstTxWarp prst="textNoShape">
+              <a:avLst/>
+            </a:prstTxWarp>
             <a:spAutoFit/>
           </a:bodyPr>
           <a:lstStyle/>
           <a:p>
-            <a:r>
-              <a:rPr lang="en-US" dirty="0" smtClean="0">
+            <a:pPr marL="0" marR="0" lvl="0" indent="0" algn="l" defTabSz="914400" rtl="0" eaLnBrk="0" fontAlgn="base" latinLnBrk="0" hangingPunct="0">
+              <a:lnSpc>
+                <a:spcPct val="100000"/>
+              </a:lnSpc>
+              <a:spcBef>
+                <a:spcPct val="0"/>
+              </a:spcBef>
+              <a:spcAft>
+                <a:spcPct val="0"/>
+              </a:spcAft>
+              <a:buClrTx/>
+              <a:buSzTx/>
+              <a:buFontTx/>
+              <a:buChar char="•"/>
+              <a:tabLst/>
+            </a:pPr>
+            <a:r>
+              <a:rPr kumimoji="0" lang="en" altLang="en-US" i="0" u="none" strike="noStrike" cap="none" normalizeH="0" baseline="0" dirty="0" smtClean="0">
+                <a:ln>
+                  <a:noFill/>
+                </a:ln>
+                <a:solidFill>
+                  <a:schemeClr val="tx1"/>
+                </a:solidFill>
+                <a:effectLst/>
                 <a:latin typeface="Segoe UI" panose="020B0502040204020203" pitchFamily="34" charset="0"/>
                 <a:cs typeface="Segoe UI" panose="020B0502040204020203" pitchFamily="34" charset="0"/>
               </a:rPr>
-              <a:t>Edit </a:t>
-            </a:r>
-            <a:r>
-              <a:rPr lang="en-US" b="1" dirty="0" err="1" smtClean="0">
+              <a:t>Select your gauge visual in Power BI.</a:t>
+            </a:r>
+          </a:p>
+          <a:p>
+            <a:pPr marL="0" marR="0" lvl="0" indent="0" algn="l" defTabSz="914400" rtl="0" eaLnBrk="0" fontAlgn="base" latinLnBrk="0" hangingPunct="0">
+              <a:lnSpc>
+                <a:spcPct val="100000"/>
+              </a:lnSpc>
+              <a:spcBef>
+                <a:spcPct val="0"/>
+              </a:spcBef>
+              <a:spcAft>
+                <a:spcPct val="0"/>
+              </a:spcAft>
+              <a:buClrTx/>
+              <a:buSzTx/>
+              <a:buFontTx/>
+              <a:buChar char="•"/>
+              <a:tabLst/>
+            </a:pPr>
+            <a:r>
+              <a:rPr kumimoji="0" lang="en" altLang="en-US" i="0" u="none" strike="noStrike" cap="none" normalizeH="0" baseline="0" dirty="0" smtClean="0">
+                <a:ln>
+                  <a:noFill/>
+                </a:ln>
+                <a:solidFill>
+                  <a:schemeClr val="tx1"/>
+                </a:solidFill>
+                <a:effectLst/>
                 <a:latin typeface="Segoe UI" panose="020B0502040204020203" pitchFamily="34" charset="0"/>
                 <a:cs typeface="Segoe UI" panose="020B0502040204020203" pitchFamily="34" charset="0"/>
               </a:rPr>
-              <a:t>DimDate</a:t>
-            </a:r>
-            <a:r>
-              <a:rPr lang="en-US" dirty="0" smtClean="0">
+              <a:t>Go to the </a:t>
+            </a:r>
+            <a:r>
+              <a:rPr kumimoji="0" lang="en" altLang="en-US" b="1" i="0" u="none" strike="noStrike" cap="none" normalizeH="0" baseline="0" dirty="0" smtClean="0">
+                <a:ln>
+                  <a:noFill/>
+                </a:ln>
+                <a:solidFill>
+                  <a:schemeClr val="tx1"/>
+                </a:solidFill>
+                <a:effectLst/>
                 <a:latin typeface="Segoe UI" panose="020B0502040204020203" pitchFamily="34" charset="0"/>
                 <a:cs typeface="Segoe UI" panose="020B0502040204020203" pitchFamily="34" charset="0"/>
               </a:rPr>
-              <a:t> in </a:t>
-            </a:r>
-            <a:r>
-              <a:rPr lang="en-US" b="1" dirty="0" smtClean="0">
+              <a:t>Format tab </a:t>
+            </a:r>
+            <a:r>
+              <a:rPr kumimoji="0" lang="en" altLang="en-US" i="0" u="none" strike="noStrike" cap="none" normalizeH="0" baseline="0" dirty="0" smtClean="0">
+                <a:ln>
+                  <a:noFill/>
+                </a:ln>
+                <a:solidFill>
+                  <a:schemeClr val="tx1"/>
+                </a:solidFill>
+                <a:effectLst/>
                 <a:latin typeface="Segoe UI" panose="020B0502040204020203" pitchFamily="34" charset="0"/>
                 <a:cs typeface="Segoe UI" panose="020B0502040204020203" pitchFamily="34" charset="0"/>
               </a:rPr>
-              <a:t>Power Query Editor</a:t>
-            </a:r>
-            <a:r>
-              <a:rPr lang="en-US" dirty="0" smtClean="0">
+              <a:t>(the paint roller icon).</a:t>
+            </a:r>
+          </a:p>
+          <a:p>
+            <a:pPr marL="0" marR="0" lvl="0" indent="0" algn="l" defTabSz="914400" rtl="0" eaLnBrk="0" fontAlgn="base" latinLnBrk="0" hangingPunct="0">
+              <a:lnSpc>
+                <a:spcPct val="100000"/>
+              </a:lnSpc>
+              <a:spcBef>
+                <a:spcPct val="0"/>
+              </a:spcBef>
+              <a:spcAft>
+                <a:spcPct val="0"/>
+              </a:spcAft>
+              <a:buClrTx/>
+              <a:buSzTx/>
+              <a:buFontTx/>
+              <a:buChar char="•"/>
+              <a:tabLst/>
+            </a:pPr>
+            <a:r>
+              <a:rPr kumimoji="0" lang="en" altLang="en-US" i="0" u="none" strike="noStrike" cap="none" normalizeH="0" baseline="0" dirty="0" smtClean="0">
+                <a:ln>
+                  <a:noFill/>
+                </a:ln>
+                <a:solidFill>
+                  <a:schemeClr val="tx1"/>
+                </a:solidFill>
+                <a:effectLst/>
                 <a:latin typeface="Segoe UI" panose="020B0502040204020203" pitchFamily="34" charset="0"/>
                 <a:cs typeface="Segoe UI" panose="020B0502040204020203" pitchFamily="34" charset="0"/>
               </a:rPr>
-              <a:t>, and derive </a:t>
-            </a:r>
-            <a:r>
-              <a:rPr lang="en-US" b="1" dirty="0" smtClean="0">
+              <a:t>Expand the Data </a:t>
+            </a:r>
+            <a:r>
+              <a:rPr kumimoji="0" lang="en" altLang="en-US" b="1" i="0" u="none" strike="noStrike" cap="none" normalizeH="0" baseline="0" dirty="0" smtClean="0">
+                <a:ln>
+                  <a:noFill/>
+                </a:ln>
+                <a:solidFill>
+                  <a:schemeClr val="tx1"/>
+                </a:solidFill>
+                <a:effectLst/>
                 <a:latin typeface="Segoe UI" panose="020B0502040204020203" pitchFamily="34" charset="0"/>
                 <a:cs typeface="Segoe UI" panose="020B0502040204020203" pitchFamily="34" charset="0"/>
               </a:rPr>
-              <a:t>Date</a:t>
-            </a:r>
-            <a:r>
-              <a:rPr lang="en-US" dirty="0" smtClean="0">
+              <a:t>label section </a:t>
+            </a:r>
+            <a:r>
+              <a:rPr kumimoji="0" lang="en" altLang="en-US" i="0" u="none" strike="noStrike" cap="none" normalizeH="0" baseline="0" dirty="0" smtClean="0">
+                <a:ln>
+                  <a:noFill/>
+                </a:ln>
+                <a:solidFill>
+                  <a:schemeClr val="tx1"/>
+                </a:solidFill>
+                <a:effectLst/>
                 <a:latin typeface="Segoe UI" panose="020B0502040204020203" pitchFamily="34" charset="0"/>
                 <a:cs typeface="Segoe UI" panose="020B0502040204020203" pitchFamily="34" charset="0"/>
               </a:rPr>
-              <a:t> column from </a:t>
-            </a:r>
-            <a:r>
-              <a:rPr lang="en-US" b="1" dirty="0" err="1" smtClean="0">
+              <a:t>.</a:t>
+            </a:r>
+          </a:p>
+          <a:p>
+            <a:pPr marL="0" marR="0" lvl="0" indent="0" algn="l" defTabSz="914400" rtl="0" eaLnBrk="0" fontAlgn="base" latinLnBrk="0" hangingPunct="0">
+              <a:lnSpc>
+                <a:spcPct val="100000"/>
+              </a:lnSpc>
+              <a:spcBef>
+                <a:spcPct val="0"/>
+              </a:spcBef>
+              <a:spcAft>
+                <a:spcPct val="0"/>
+              </a:spcAft>
+              <a:buClrTx/>
+              <a:buSzTx/>
+              <a:buFontTx/>
+              <a:buChar char="•"/>
+              <a:tabLst/>
+            </a:pPr>
+            <a:r>
+              <a:rPr kumimoji="0" lang="en" altLang="en-US" i="0" u="none" strike="noStrike" cap="none" normalizeH="0" baseline="0" dirty="0" smtClean="0">
+                <a:ln>
+                  <a:noFill/>
+                </a:ln>
+                <a:solidFill>
+                  <a:schemeClr val="tx1"/>
+                </a:solidFill>
+                <a:effectLst/>
                 <a:latin typeface="Segoe UI" panose="020B0502040204020203" pitchFamily="34" charset="0"/>
                 <a:cs typeface="Segoe UI" panose="020B0502040204020203" pitchFamily="34" charset="0"/>
               </a:rPr>
-              <a:t>DateKey</a:t>
-            </a:r>
-            <a:r>
-              <a:rPr lang="en-US" dirty="0" smtClean="0">
+              <a:t>Enable </a:t>
+            </a:r>
+            <a:r>
+              <a:rPr kumimoji="0" lang="en" altLang="en-US" b="1" i="0" u="none" strike="noStrike" cap="none" normalizeH="0" baseline="0" dirty="0" smtClean="0">
+                <a:ln>
+                  <a:noFill/>
+                </a:ln>
+                <a:solidFill>
+                  <a:schemeClr val="tx1"/>
+                </a:solidFill>
+                <a:effectLst/>
                 <a:latin typeface="Segoe UI" panose="020B0502040204020203" pitchFamily="34" charset="0"/>
                 <a:cs typeface="Segoe UI" panose="020B0502040204020203" pitchFamily="34" charset="0"/>
               </a:rPr>
-              <a:t> column using </a:t>
-            </a:r>
-            <a:r>
-              <a:rPr lang="en-US" b="1" dirty="0" smtClean="0">
+              <a:t>Data Label </a:t>
+            </a:r>
+            <a:r>
+              <a:rPr kumimoji="0" lang="en" altLang="en-US" i="0" u="none" strike="noStrike" cap="none" normalizeH="0" baseline="0" dirty="0" smtClean="0">
+                <a:ln>
+                  <a:noFill/>
+                </a:ln>
+                <a:solidFill>
+                  <a:schemeClr val="tx1"/>
+                </a:solidFill>
+                <a:effectLst/>
                 <a:latin typeface="Segoe UI" panose="020B0502040204020203" pitchFamily="34" charset="0"/>
                 <a:cs typeface="Segoe UI" panose="020B0502040204020203" pitchFamily="34" charset="0"/>
               </a:rPr>
-              <a:t>Column from examples </a:t>
-            </a:r>
-            <a:r>
-              <a:rPr lang="en-US" dirty="0" smtClean="0">
+              <a:t>if it is not already enabled.</a:t>
+            </a:r>
+          </a:p>
+          <a:p>
+            <a:pPr marL="0" marR="0" lvl="0" indent="0" algn="l" defTabSz="914400" rtl="0" eaLnBrk="0" fontAlgn="base" latinLnBrk="0" hangingPunct="0">
+              <a:lnSpc>
+                <a:spcPct val="100000"/>
+              </a:lnSpc>
+              <a:spcBef>
+                <a:spcPct val="0"/>
+              </a:spcBef>
+              <a:spcAft>
+                <a:spcPct val="0"/>
+              </a:spcAft>
+              <a:buClrTx/>
+              <a:buSzTx/>
+              <a:buFontTx/>
+              <a:buChar char="•"/>
+              <a:tabLst/>
+            </a:pPr>
+            <a:r>
+              <a:rPr kumimoji="0" lang="en" altLang="en-US" i="0" u="none" strike="noStrike" cap="none" normalizeH="0" baseline="0" dirty="0" smtClean="0">
+                <a:ln>
+                  <a:noFill/>
+                </a:ln>
+                <a:solidFill>
+                  <a:schemeClr val="tx1"/>
+                </a:solidFill>
+                <a:effectLst/>
                 <a:latin typeface="Segoe UI" panose="020B0502040204020203" pitchFamily="34" charset="0"/>
                 <a:cs typeface="Segoe UI" panose="020B0502040204020203" pitchFamily="34" charset="0"/>
               </a:rPr>
-              <a:t>feature  </a:t>
-            </a:r>
-            <a:r>
-              <a:rPr lang="en-US" b="1" dirty="0" smtClean="0">
+              <a:t>Next, click on the number formatting option. There you will find a field</a:t>
+            </a:r>
+          </a:p>
+          <a:p>
+            <a:pPr marL="0" marR="0" lvl="0" indent="0" algn="l" defTabSz="914400" rtl="0" eaLnBrk="0" fontAlgn="base" latinLnBrk="0" hangingPunct="0">
+              <a:lnSpc>
+                <a:spcPct val="100000"/>
+              </a:lnSpc>
+              <a:spcBef>
+                <a:spcPct val="0"/>
+              </a:spcBef>
+              <a:spcAft>
+                <a:spcPct val="0"/>
+              </a:spcAft>
+              <a:buClrTx/>
+              <a:buSzTx/>
+              <a:tabLst/>
+            </a:pPr>
+            <a:r>
+              <a:rPr lang="en" altLang="en-US" dirty="0">
                 <a:latin typeface="Segoe UI" panose="020B0502040204020203" pitchFamily="34" charset="0"/>
                 <a:cs typeface="Segoe UI" panose="020B0502040204020203" pitchFamily="34" charset="0"/>
               </a:rPr>
               <a:t> </a:t>
             </a:r>
-            <a:endParaRPr lang="en-US" b="1" dirty="0">
-              <a:latin typeface="Segoe UI" panose="020B0502040204020203" pitchFamily="34" charset="0"/>
-              <a:cs typeface="Segoe UI" panose="020B0502040204020203" pitchFamily="34" charset="0"/>
-            </a:endParaRPr>
-          </a:p>
-        </p:txBody>
-      </p:sp>
-      <p:sp>
-        <p:nvSpPr>
-          <p:cNvPr id="13" name="TextBox 12"/>
-          <p:cNvSpPr txBox="1"/>
-          <p:nvPr/>
-        </p:nvSpPr>
-        <p:spPr>
-          <a:xfrm>
-            <a:off x="393028" y="1400905"/>
-            <a:ext cx="10242887" cy="369332"/>
-          </a:xfrm>
-          <a:prstGeom prst="rect">
-            <a:avLst/>
-          </a:prstGeom>
-          <a:noFill/>
-        </p:spPr>
-        <p:txBody>
-          <a:bodyPr wrap="square" rtlCol="0">
-            <a:spAutoFit/>
-          </a:bodyPr>
-          <a:lstStyle/>
-          <a:p>
-            <a:r>
-              <a:rPr lang="en-US" dirty="0" smtClean="0">
+            <a:r>
+              <a:rPr kumimoji="0" lang="en" altLang="en-US" b="1" i="0" u="none" strike="noStrike" cap="none" normalizeH="0" baseline="0" dirty="0" smtClean="0">
+                <a:ln>
+                  <a:noFill/>
+                </a:ln>
+                <a:solidFill>
+                  <a:schemeClr val="tx1"/>
+                </a:solidFill>
+                <a:effectLst/>
                 <a:latin typeface="Segoe UI" panose="020B0502040204020203" pitchFamily="34" charset="0"/>
                 <a:cs typeface="Segoe UI" panose="020B0502040204020203" pitchFamily="34" charset="0"/>
               </a:rPr>
-              <a:t>Create a measure as follow</a:t>
-            </a:r>
-          </a:p>
-        </p:txBody>
-      </p:sp>
-      <p:sp>
-        <p:nvSpPr>
-          <p:cNvPr id="14" name="Rectangle 13"/>
-          <p:cNvSpPr/>
-          <p:nvPr/>
-        </p:nvSpPr>
-        <p:spPr>
-          <a:xfrm>
-            <a:off x="476680" y="1770237"/>
-            <a:ext cx="10076734" cy="923330"/>
-          </a:xfrm>
-          <a:prstGeom prst="rect">
-            <a:avLst/>
-          </a:prstGeom>
-        </p:spPr>
-        <p:txBody>
-          <a:bodyPr wrap="square">
-            <a:spAutoFit/>
-          </a:bodyPr>
-          <a:lstStyle/>
-          <a:p>
-            <a:r>
-              <a:rPr lang="en-US" dirty="0">
+              <a:t>Display </a:t>
+            </a:r>
+            <a:r>
+              <a:rPr kumimoji="0" lang="en" altLang="en-US" b="1" i="0" u="none" strike="noStrike" cap="none" normalizeH="0" baseline="0" dirty="0" err="1" smtClean="0">
+                <a:ln>
+                  <a:noFill/>
+                </a:ln>
                 <a:solidFill>
-                  <a:srgbClr val="000000"/>
+                  <a:schemeClr val="tx1"/>
                 </a:solidFill>
-                <a:latin typeface="Consolas" panose="020B0609020204030204" pitchFamily="49" charset="0"/>
-              </a:rPr>
-              <a:t>Test = </a:t>
-            </a:r>
-            <a:r>
-              <a:rPr lang="en-US" dirty="0">
-                <a:solidFill>
-                  <a:srgbClr val="3165BB"/>
-                </a:solidFill>
-                <a:latin typeface="Consolas" panose="020B0609020204030204" pitchFamily="49" charset="0"/>
-              </a:rPr>
-              <a:t>CALCULATE</a:t>
-            </a:r>
-            <a:r>
-              <a:rPr lang="en-US" dirty="0">
-                <a:solidFill>
-                  <a:srgbClr val="000000"/>
-                </a:solidFill>
-                <a:latin typeface="Consolas" panose="020B0609020204030204" pitchFamily="49" charset="0"/>
-              </a:rPr>
-              <a:t>(</a:t>
-            </a:r>
-            <a:r>
-              <a:rPr lang="en-US" dirty="0">
-                <a:solidFill>
-                  <a:srgbClr val="3165BB"/>
-                </a:solidFill>
-                <a:latin typeface="Consolas" panose="020B0609020204030204" pitchFamily="49" charset="0"/>
-              </a:rPr>
-              <a:t>AVERAGE</a:t>
-            </a:r>
-            <a:r>
-              <a:rPr lang="en-US" dirty="0">
-                <a:solidFill>
-                  <a:srgbClr val="000000"/>
-                </a:solidFill>
-                <a:latin typeface="Consolas" panose="020B0609020204030204" pitchFamily="49" charset="0"/>
-              </a:rPr>
-              <a:t>(</a:t>
-            </a:r>
-            <a:r>
-              <a:rPr lang="en-US" dirty="0" err="1">
-                <a:solidFill>
-                  <a:srgbClr val="001080"/>
-                </a:solidFill>
-                <a:latin typeface="Consolas" panose="020B0609020204030204" pitchFamily="49" charset="0"/>
-              </a:rPr>
-              <a:t>FactSales</a:t>
-            </a:r>
-            <a:r>
-              <a:rPr lang="en-US" dirty="0">
-                <a:solidFill>
-                  <a:srgbClr val="001080"/>
-                </a:solidFill>
-                <a:latin typeface="Consolas" panose="020B0609020204030204" pitchFamily="49" charset="0"/>
-              </a:rPr>
-              <a:t>[</a:t>
-            </a:r>
-            <a:r>
-              <a:rPr lang="en-US" dirty="0" err="1">
-                <a:solidFill>
-                  <a:srgbClr val="001080"/>
-                </a:solidFill>
-                <a:latin typeface="Consolas" panose="020B0609020204030204" pitchFamily="49" charset="0"/>
-              </a:rPr>
-              <a:t>SalesQuantity</a:t>
-            </a:r>
-            <a:r>
-              <a:rPr lang="en-US" dirty="0">
-                <a:solidFill>
-                  <a:srgbClr val="001080"/>
-                </a:solidFill>
-                <a:latin typeface="Consolas" panose="020B0609020204030204" pitchFamily="49" charset="0"/>
-              </a:rPr>
-              <a:t>]</a:t>
-            </a:r>
-            <a:r>
-              <a:rPr lang="en-US" dirty="0">
-                <a:solidFill>
-                  <a:srgbClr val="000000"/>
-                </a:solidFill>
-                <a:latin typeface="Consolas" panose="020B0609020204030204" pitchFamily="49" charset="0"/>
-              </a:rPr>
-              <a:t>),</a:t>
-            </a:r>
-            <a:r>
-              <a:rPr lang="en-US" dirty="0">
-                <a:solidFill>
-                  <a:srgbClr val="3165BB"/>
-                </a:solidFill>
-                <a:latin typeface="Consolas" panose="020B0609020204030204" pitchFamily="49" charset="0"/>
-              </a:rPr>
-              <a:t>FILTER</a:t>
-            </a:r>
-            <a:r>
-              <a:rPr lang="en-US" dirty="0">
-                <a:solidFill>
-                  <a:srgbClr val="000000"/>
-                </a:solidFill>
-                <a:latin typeface="Consolas" panose="020B0609020204030204" pitchFamily="49" charset="0"/>
-              </a:rPr>
-              <a:t>(</a:t>
-            </a:r>
-            <a:r>
-              <a:rPr lang="en-US" dirty="0" err="1">
-                <a:solidFill>
-                  <a:srgbClr val="001080"/>
-                </a:solidFill>
-                <a:latin typeface="Consolas" panose="020B0609020204030204" pitchFamily="49" charset="0"/>
-              </a:rPr>
-              <a:t>DimDate</a:t>
-            </a:r>
-            <a:r>
-              <a:rPr lang="en-US" dirty="0" err="1">
-                <a:solidFill>
-                  <a:srgbClr val="000000"/>
-                </a:solidFill>
-                <a:latin typeface="Consolas" panose="020B0609020204030204" pitchFamily="49" charset="0"/>
-              </a:rPr>
-              <a:t>,</a:t>
-            </a:r>
-            <a:r>
-              <a:rPr lang="en-US" dirty="0" err="1">
-                <a:solidFill>
-                  <a:srgbClr val="001080"/>
-                </a:solidFill>
-                <a:latin typeface="Consolas" panose="020B0609020204030204" pitchFamily="49" charset="0"/>
-              </a:rPr>
-              <a:t>DimDate</a:t>
-            </a:r>
-            <a:r>
-              <a:rPr lang="en-US" dirty="0">
-                <a:solidFill>
-                  <a:srgbClr val="001080"/>
-                </a:solidFill>
-                <a:latin typeface="Consolas" panose="020B0609020204030204" pitchFamily="49" charset="0"/>
-              </a:rPr>
-              <a:t>[Date]</a:t>
-            </a:r>
-            <a:r>
-              <a:rPr lang="en-US" dirty="0">
-                <a:solidFill>
-                  <a:srgbClr val="000000"/>
-                </a:solidFill>
-                <a:latin typeface="Consolas" panose="020B0609020204030204" pitchFamily="49" charset="0"/>
-              </a:rPr>
-              <a:t>&lt;</a:t>
-            </a:r>
-            <a:r>
-              <a:rPr lang="en-US" dirty="0">
-                <a:solidFill>
-                  <a:srgbClr val="3165BB"/>
-                </a:solidFill>
-                <a:latin typeface="Consolas" panose="020B0609020204030204" pitchFamily="49" charset="0"/>
-              </a:rPr>
-              <a:t>DATE</a:t>
-            </a:r>
-            <a:r>
-              <a:rPr lang="en-US" dirty="0">
-                <a:solidFill>
-                  <a:srgbClr val="000000"/>
-                </a:solidFill>
-                <a:latin typeface="Consolas" panose="020B0609020204030204" pitchFamily="49" charset="0"/>
-              </a:rPr>
-              <a:t>(</a:t>
-            </a:r>
-            <a:r>
-              <a:rPr lang="en-US" dirty="0">
-                <a:solidFill>
-                  <a:srgbClr val="098658"/>
-                </a:solidFill>
-                <a:latin typeface="Consolas" panose="020B0609020204030204" pitchFamily="49" charset="0"/>
-              </a:rPr>
-              <a:t>2018</a:t>
-            </a:r>
-            <a:r>
-              <a:rPr lang="en-US" dirty="0">
-                <a:solidFill>
-                  <a:srgbClr val="000000"/>
-                </a:solidFill>
-                <a:latin typeface="Consolas" panose="020B0609020204030204" pitchFamily="49" charset="0"/>
-              </a:rPr>
-              <a:t>,</a:t>
-            </a:r>
-            <a:r>
-              <a:rPr lang="en-US" dirty="0">
-                <a:solidFill>
-                  <a:srgbClr val="098658"/>
-                </a:solidFill>
-                <a:latin typeface="Consolas" panose="020B0609020204030204" pitchFamily="49" charset="0"/>
-              </a:rPr>
-              <a:t>4</a:t>
-            </a:r>
-            <a:r>
-              <a:rPr lang="en-US" dirty="0">
-                <a:solidFill>
-                  <a:srgbClr val="000000"/>
-                </a:solidFill>
-                <a:latin typeface="Consolas" panose="020B0609020204030204" pitchFamily="49" charset="0"/>
-              </a:rPr>
-              <a:t>,</a:t>
-            </a:r>
-            <a:r>
-              <a:rPr lang="en-US" dirty="0">
-                <a:solidFill>
-                  <a:srgbClr val="098658"/>
-                </a:solidFill>
-                <a:latin typeface="Consolas" panose="020B0609020204030204" pitchFamily="49" charset="0"/>
-              </a:rPr>
-              <a:t>1</a:t>
-            </a:r>
-            <a:r>
-              <a:rPr lang="en-US" dirty="0">
-                <a:solidFill>
-                  <a:srgbClr val="000000"/>
-                </a:solidFill>
-                <a:latin typeface="Consolas" panose="020B0609020204030204" pitchFamily="49" charset="0"/>
-              </a:rPr>
-              <a:t>))) </a:t>
-            </a:r>
-            <a:endParaRPr lang="en-US" b="0" dirty="0">
-              <a:solidFill>
-                <a:srgbClr val="000000"/>
-              </a:solidFill>
-              <a:effectLst/>
-              <a:latin typeface="Consolas" panose="020B0609020204030204" pitchFamily="49" charset="0"/>
-            </a:endParaRPr>
-          </a:p>
-        </p:txBody>
-      </p:sp>
-      <p:sp>
-        <p:nvSpPr>
-          <p:cNvPr id="15" name="TextBox 14"/>
-          <p:cNvSpPr txBox="1"/>
-          <p:nvPr/>
-        </p:nvSpPr>
-        <p:spPr>
-          <a:xfrm>
-            <a:off x="393027" y="2818339"/>
-            <a:ext cx="10242887" cy="646331"/>
-          </a:xfrm>
-          <a:prstGeom prst="rect">
-            <a:avLst/>
-          </a:prstGeom>
-          <a:noFill/>
-        </p:spPr>
-        <p:txBody>
-          <a:bodyPr wrap="square" rtlCol="0">
-            <a:spAutoFit/>
-          </a:bodyPr>
-          <a:lstStyle/>
-          <a:p>
-            <a:r>
-              <a:rPr lang="en-US" dirty="0" smtClean="0">
+                <a:effectLst/>
                 <a:latin typeface="Segoe UI" panose="020B0502040204020203" pitchFamily="34" charset="0"/>
                 <a:cs typeface="Segoe UI" panose="020B0502040204020203" pitchFamily="34" charset="0"/>
               </a:rPr>
-              <a:t>Put </a:t>
-            </a:r>
-            <a:r>
-              <a:rPr lang="en-US" b="1" dirty="0" smtClean="0">
+              <a:t>units </a:t>
+            </a:r>
+            <a:r>
+              <a:rPr kumimoji="0" lang="en" altLang="en-US" i="0" u="none" strike="noStrike" cap="none" normalizeH="0" baseline="0" dirty="0" smtClean="0">
+                <a:ln>
+                  <a:noFill/>
+                </a:ln>
+                <a:solidFill>
+                  <a:schemeClr val="tx1"/>
+                </a:solidFill>
+                <a:effectLst/>
                 <a:latin typeface="Segoe UI" panose="020B0502040204020203" pitchFamily="34" charset="0"/>
                 <a:cs typeface="Segoe UI" panose="020B0502040204020203" pitchFamily="34" charset="0"/>
               </a:rPr>
-              <a:t>Test</a:t>
-            </a:r>
-            <a:r>
-              <a:rPr lang="en-US" dirty="0" smtClean="0">
+              <a:t>where you can specify units like K for thousands.</a:t>
+            </a:r>
+          </a:p>
+          <a:p>
+            <a:pPr marL="0" marR="0" lvl="0" indent="0" algn="l" defTabSz="914400" rtl="0" eaLnBrk="0" fontAlgn="base" latinLnBrk="0" hangingPunct="0">
+              <a:lnSpc>
+                <a:spcPct val="100000"/>
+              </a:lnSpc>
+              <a:spcBef>
+                <a:spcPct val="0"/>
+              </a:spcBef>
+              <a:spcAft>
+                <a:spcPct val="0"/>
+              </a:spcAft>
+              <a:buClrTx/>
+              <a:buSzTx/>
+              <a:buFontTx/>
+              <a:buChar char="•"/>
+              <a:tabLst/>
+            </a:pPr>
+            <a:r>
+              <a:rPr kumimoji="0" lang="en" altLang="en-US" i="0" u="none" strike="noStrike" cap="none" normalizeH="0" baseline="0" dirty="0" smtClean="0">
+                <a:ln>
+                  <a:noFill/>
+                </a:ln>
+                <a:solidFill>
+                  <a:schemeClr val="tx1"/>
+                </a:solidFill>
+                <a:effectLst/>
                 <a:latin typeface="Segoe UI" panose="020B0502040204020203" pitchFamily="34" charset="0"/>
                 <a:cs typeface="Segoe UI" panose="020B0502040204020203" pitchFamily="34" charset="0"/>
               </a:rPr>
-              <a:t> measure instead of </a:t>
-            </a:r>
-            <a:r>
-              <a:rPr lang="en-US" b="1" dirty="0" err="1" smtClean="0">
-                <a:latin typeface="Segoe UI" panose="020B0502040204020203" pitchFamily="34" charset="0"/>
-                <a:cs typeface="Segoe UI" panose="020B0502040204020203" pitchFamily="34" charset="0"/>
-              </a:rPr>
-              <a:t>Avearge</a:t>
-            </a:r>
-            <a:r>
-              <a:rPr lang="en-US" b="1" dirty="0" smtClean="0">
-                <a:latin typeface="Segoe UI" panose="020B0502040204020203" pitchFamily="34" charset="0"/>
-                <a:cs typeface="Segoe UI" panose="020B0502040204020203" pitchFamily="34" charset="0"/>
-              </a:rPr>
-              <a:t> </a:t>
-            </a:r>
-            <a:r>
-              <a:rPr lang="en-US" b="1" dirty="0" err="1" smtClean="0">
-                <a:latin typeface="Segoe UI" panose="020B0502040204020203" pitchFamily="34" charset="0"/>
-                <a:cs typeface="Segoe UI" panose="020B0502040204020203" pitchFamily="34" charset="0"/>
-              </a:rPr>
-              <a:t>SalesQuantity</a:t>
-            </a:r>
-            <a:r>
-              <a:rPr lang="en-US" b="1" dirty="0" smtClean="0">
-                <a:latin typeface="Segoe UI" panose="020B0502040204020203" pitchFamily="34" charset="0"/>
-                <a:cs typeface="Segoe UI" panose="020B0502040204020203" pitchFamily="34" charset="0"/>
-              </a:rPr>
-              <a:t> </a:t>
-            </a:r>
-            <a:r>
-              <a:rPr lang="en-US" dirty="0" smtClean="0">
-                <a:latin typeface="Segoe UI" panose="020B0502040204020203" pitchFamily="34" charset="0"/>
-                <a:cs typeface="Segoe UI" panose="020B0502040204020203" pitchFamily="34" charset="0"/>
-              </a:rPr>
-              <a:t>in the </a:t>
-            </a:r>
-            <a:r>
-              <a:rPr lang="en-US" b="1" dirty="0" smtClean="0">
-                <a:latin typeface="Segoe UI" panose="020B0502040204020203" pitchFamily="34" charset="0"/>
-                <a:cs typeface="Segoe UI" panose="020B0502040204020203" pitchFamily="34" charset="0"/>
-              </a:rPr>
-              <a:t>Value </a:t>
-            </a:r>
-            <a:r>
-              <a:rPr lang="en-US" dirty="0" smtClean="0">
-                <a:latin typeface="Segoe UI" panose="020B0502040204020203" pitchFamily="34" charset="0"/>
-                <a:cs typeface="Segoe UI" panose="020B0502040204020203" pitchFamily="34" charset="0"/>
-              </a:rPr>
-              <a:t>and try to change dates values then observe the </a:t>
-            </a:r>
-            <a:r>
-              <a:rPr lang="en-US" b="1" dirty="0" smtClean="0">
-                <a:latin typeface="Segoe UI" panose="020B0502040204020203" pitchFamily="34" charset="0"/>
-                <a:cs typeface="Segoe UI" panose="020B0502040204020203" pitchFamily="34" charset="0"/>
-              </a:rPr>
-              <a:t>Gauge</a:t>
-            </a:r>
-            <a:r>
-              <a:rPr lang="en-US" dirty="0" smtClean="0">
-                <a:latin typeface="Segoe UI" panose="020B0502040204020203" pitchFamily="34" charset="0"/>
-                <a:cs typeface="Segoe UI" panose="020B0502040204020203" pitchFamily="34" charset="0"/>
-              </a:rPr>
-              <a:t> visual behavior  </a:t>
-            </a:r>
-          </a:p>
-        </p:txBody>
-      </p:sp>
-      <p:sp>
-        <p:nvSpPr>
-          <p:cNvPr id="16" name="Rectangle 15"/>
-          <p:cNvSpPr/>
-          <p:nvPr/>
-        </p:nvSpPr>
-        <p:spPr>
-          <a:xfrm>
-            <a:off x="393027" y="3589442"/>
-            <a:ext cx="11466672" cy="646331"/>
-          </a:xfrm>
-          <a:prstGeom prst="rect">
-            <a:avLst/>
-          </a:prstGeom>
-        </p:spPr>
-        <p:txBody>
-          <a:bodyPr wrap="square">
-            <a:spAutoFit/>
-          </a:bodyPr>
-          <a:lstStyle/>
-          <a:p>
-            <a:r>
-              <a:rPr lang="en-US" dirty="0">
-                <a:solidFill>
-                  <a:srgbClr val="000000"/>
-                </a:solidFill>
-                <a:latin typeface="Consolas" panose="020B0609020204030204" pitchFamily="49" charset="0"/>
-              </a:rPr>
-              <a:t>Test = </a:t>
-            </a:r>
-            <a:r>
-              <a:rPr lang="en-US" dirty="0">
-                <a:solidFill>
-                  <a:srgbClr val="3165BB"/>
-                </a:solidFill>
-                <a:latin typeface="Consolas" panose="020B0609020204030204" pitchFamily="49" charset="0"/>
-              </a:rPr>
-              <a:t>CALCULATE</a:t>
-            </a:r>
-            <a:r>
-              <a:rPr lang="en-US" dirty="0">
-                <a:solidFill>
-                  <a:srgbClr val="000000"/>
-                </a:solidFill>
-                <a:latin typeface="Consolas" panose="020B0609020204030204" pitchFamily="49" charset="0"/>
-              </a:rPr>
-              <a:t>(</a:t>
-            </a:r>
-            <a:r>
-              <a:rPr lang="en-US" dirty="0">
-                <a:solidFill>
-                  <a:srgbClr val="3165BB"/>
-                </a:solidFill>
-                <a:latin typeface="Consolas" panose="020B0609020204030204" pitchFamily="49" charset="0"/>
-              </a:rPr>
-              <a:t>AVERAGE</a:t>
-            </a:r>
-            <a:r>
-              <a:rPr lang="en-US" dirty="0">
-                <a:solidFill>
-                  <a:srgbClr val="000000"/>
-                </a:solidFill>
-                <a:latin typeface="Consolas" panose="020B0609020204030204" pitchFamily="49" charset="0"/>
-              </a:rPr>
-              <a:t>(</a:t>
-            </a:r>
-            <a:r>
-              <a:rPr lang="en-US" dirty="0" err="1">
-                <a:solidFill>
-                  <a:srgbClr val="001080"/>
-                </a:solidFill>
-                <a:latin typeface="Consolas" panose="020B0609020204030204" pitchFamily="49" charset="0"/>
-              </a:rPr>
-              <a:t>FactSales</a:t>
-            </a:r>
-            <a:r>
-              <a:rPr lang="en-US" dirty="0">
-                <a:solidFill>
-                  <a:srgbClr val="001080"/>
-                </a:solidFill>
-                <a:latin typeface="Consolas" panose="020B0609020204030204" pitchFamily="49" charset="0"/>
-              </a:rPr>
-              <a:t>[</a:t>
-            </a:r>
-            <a:r>
-              <a:rPr lang="en-US" dirty="0" err="1">
-                <a:solidFill>
-                  <a:srgbClr val="001080"/>
-                </a:solidFill>
-                <a:latin typeface="Consolas" panose="020B0609020204030204" pitchFamily="49" charset="0"/>
-              </a:rPr>
-              <a:t>SalesQuantity</a:t>
-            </a:r>
-            <a:r>
-              <a:rPr lang="en-US" dirty="0">
-                <a:solidFill>
-                  <a:srgbClr val="001080"/>
-                </a:solidFill>
-                <a:latin typeface="Consolas" panose="020B0609020204030204" pitchFamily="49" charset="0"/>
-              </a:rPr>
-              <a:t>]</a:t>
-            </a:r>
-            <a:r>
-              <a:rPr lang="en-US" dirty="0">
-                <a:solidFill>
-                  <a:srgbClr val="000000"/>
-                </a:solidFill>
-                <a:latin typeface="Consolas" panose="020B0609020204030204" pitchFamily="49" charset="0"/>
-              </a:rPr>
-              <a:t>),</a:t>
-            </a:r>
-            <a:r>
-              <a:rPr lang="en-US" dirty="0">
-                <a:solidFill>
-                  <a:srgbClr val="3165BB"/>
-                </a:solidFill>
-                <a:latin typeface="Consolas" panose="020B0609020204030204" pitchFamily="49" charset="0"/>
-              </a:rPr>
-              <a:t>FILTER</a:t>
-            </a:r>
-            <a:r>
-              <a:rPr lang="en-US" dirty="0">
-                <a:solidFill>
-                  <a:srgbClr val="000000"/>
-                </a:solidFill>
-                <a:latin typeface="Consolas" panose="020B0609020204030204" pitchFamily="49" charset="0"/>
-              </a:rPr>
-              <a:t>(</a:t>
-            </a:r>
-            <a:r>
-              <a:rPr lang="en-US" dirty="0" err="1">
-                <a:solidFill>
-                  <a:srgbClr val="001080"/>
-                </a:solidFill>
-                <a:latin typeface="Consolas" panose="020B0609020204030204" pitchFamily="49" charset="0"/>
-              </a:rPr>
-              <a:t>DimDate</a:t>
-            </a:r>
-            <a:r>
-              <a:rPr lang="en-US" dirty="0" err="1">
-                <a:solidFill>
-                  <a:srgbClr val="000000"/>
-                </a:solidFill>
-                <a:latin typeface="Consolas" panose="020B0609020204030204" pitchFamily="49" charset="0"/>
-              </a:rPr>
-              <a:t>,</a:t>
-            </a:r>
-            <a:r>
-              <a:rPr lang="en-US" dirty="0" err="1">
-                <a:solidFill>
-                  <a:srgbClr val="001080"/>
-                </a:solidFill>
-                <a:latin typeface="Consolas" panose="020B0609020204030204" pitchFamily="49" charset="0"/>
-              </a:rPr>
-              <a:t>DimDate</a:t>
-            </a:r>
-            <a:r>
-              <a:rPr lang="en-US" dirty="0">
-                <a:solidFill>
-                  <a:srgbClr val="001080"/>
-                </a:solidFill>
-                <a:latin typeface="Consolas" panose="020B0609020204030204" pitchFamily="49" charset="0"/>
-              </a:rPr>
-              <a:t>[Date]</a:t>
-            </a:r>
-            <a:r>
-              <a:rPr lang="en-US" dirty="0">
-                <a:solidFill>
-                  <a:srgbClr val="000000"/>
-                </a:solidFill>
-                <a:latin typeface="Consolas" panose="020B0609020204030204" pitchFamily="49" charset="0"/>
-              </a:rPr>
-              <a:t>&lt;</a:t>
-            </a:r>
-            <a:r>
-              <a:rPr lang="en-US" dirty="0">
-                <a:solidFill>
-                  <a:srgbClr val="3165BB"/>
-                </a:solidFill>
-                <a:latin typeface="Consolas" panose="020B0609020204030204" pitchFamily="49" charset="0"/>
-              </a:rPr>
-              <a:t>DATE</a:t>
-            </a:r>
-            <a:r>
-              <a:rPr lang="en-US" dirty="0">
-                <a:solidFill>
-                  <a:srgbClr val="000000"/>
-                </a:solidFill>
-                <a:latin typeface="Consolas" panose="020B0609020204030204" pitchFamily="49" charset="0"/>
-              </a:rPr>
-              <a:t>(</a:t>
-            </a:r>
-            <a:r>
-              <a:rPr lang="en-US" dirty="0">
-                <a:solidFill>
-                  <a:srgbClr val="098658"/>
-                </a:solidFill>
-                <a:latin typeface="Consolas" panose="020B0609020204030204" pitchFamily="49" charset="0"/>
-              </a:rPr>
-              <a:t>2019</a:t>
-            </a:r>
-            <a:r>
-              <a:rPr lang="en-US" dirty="0">
-                <a:solidFill>
-                  <a:srgbClr val="000000"/>
-                </a:solidFill>
-                <a:latin typeface="Consolas" panose="020B0609020204030204" pitchFamily="49" charset="0"/>
-              </a:rPr>
-              <a:t>,</a:t>
-            </a:r>
-            <a:r>
-              <a:rPr lang="en-US" dirty="0">
-                <a:solidFill>
-                  <a:srgbClr val="098658"/>
-                </a:solidFill>
-                <a:latin typeface="Consolas" panose="020B0609020204030204" pitchFamily="49" charset="0"/>
-              </a:rPr>
-              <a:t>4</a:t>
-            </a:r>
-            <a:r>
-              <a:rPr lang="en-US" dirty="0">
-                <a:solidFill>
-                  <a:srgbClr val="000000"/>
-                </a:solidFill>
-                <a:latin typeface="Consolas" panose="020B0609020204030204" pitchFamily="49" charset="0"/>
-              </a:rPr>
-              <a:t>,</a:t>
-            </a:r>
-            <a:r>
-              <a:rPr lang="en-US" dirty="0">
-                <a:solidFill>
-                  <a:srgbClr val="098658"/>
-                </a:solidFill>
-                <a:latin typeface="Consolas" panose="020B0609020204030204" pitchFamily="49" charset="0"/>
-              </a:rPr>
-              <a:t>1</a:t>
-            </a:r>
-            <a:r>
-              <a:rPr lang="en-US" dirty="0">
-                <a:solidFill>
-                  <a:srgbClr val="000000"/>
-                </a:solidFill>
-                <a:latin typeface="Consolas" panose="020B0609020204030204" pitchFamily="49" charset="0"/>
-              </a:rPr>
-              <a:t>))) </a:t>
-            </a:r>
-            <a:endParaRPr lang="en-US" b="0" dirty="0">
-              <a:solidFill>
-                <a:srgbClr val="000000"/>
-              </a:solidFill>
-              <a:effectLst/>
-              <a:latin typeface="Consolas" panose="020B0609020204030204" pitchFamily="49" charset="0"/>
-            </a:endParaRPr>
+              <a:t>Change the number format to round to two decimal places and display the symbol</a:t>
+            </a:r>
           </a:p>
         </p:txBody>
       </p:sp>
     </p:spTree>
     <p:extLst>
       <p:ext uri="{BB962C8B-B14F-4D97-AF65-F5344CB8AC3E}">
-        <p14:creationId xmlns:p14="http://schemas.microsoft.com/office/powerpoint/2010/main" val="871135538"/>
+        <p14:creationId xmlns:p14="http://schemas.microsoft.com/office/powerpoint/2010/main" val="4013408379"/>
       </p:ext>
     </p:extLst>
   </p:cSld>
@@ -5882,6 +5504,431 @@
 </file>
 
 <file path=ppt/slides/slide7.xml><?xml version="1.0" encoding="utf-8"?>
+<p:sld xmlns:a="http://schemas.openxmlformats.org/drawingml/2006/main" xmlns:r="http://schemas.openxmlformats.org/officeDocument/2006/relationships" xmlns:p="http://schemas.openxmlformats.org/presentationml/2006/main">
+  <p:cSld>
+    <p:spTree>
+      <p:nvGrpSpPr>
+        <p:cNvPr id="1" name=""/>
+        <p:cNvGrpSpPr/>
+        <p:nvPr/>
+      </p:nvGrpSpPr>
+      <p:grpSpPr>
+        <a:xfrm>
+          <a:off x="0" y="0"/>
+          <a:ext cx="0" cy="0"/>
+          <a:chOff x="0" y="0"/>
+          <a:chExt cx="0" cy="0"/>
+        </a:xfrm>
+      </p:grpSpPr>
+      <p:pic>
+        <p:nvPicPr>
+          <p:cNvPr id="18" name="Picture 17"/>
+          <p:cNvPicPr>
+            <a:picLocks noChangeAspect="1"/>
+          </p:cNvPicPr>
+          <p:nvPr/>
+        </p:nvPicPr>
+        <p:blipFill>
+          <a:blip r:embed="rId2"/>
+          <a:stretch>
+            <a:fillRect/>
+          </a:stretch>
+        </p:blipFill>
+        <p:spPr>
+          <a:xfrm>
+            <a:off x="4900974" y="1103385"/>
+            <a:ext cx="1695687" cy="3934374"/>
+          </a:xfrm>
+          <a:prstGeom prst="rect">
+            <a:avLst/>
+          </a:prstGeom>
+        </p:spPr>
+      </p:pic>
+      <p:pic>
+        <p:nvPicPr>
+          <p:cNvPr id="14" name="Picture 13"/>
+          <p:cNvPicPr>
+            <a:picLocks noChangeAspect="1"/>
+          </p:cNvPicPr>
+          <p:nvPr/>
+        </p:nvPicPr>
+        <p:blipFill>
+          <a:blip r:embed="rId3"/>
+          <a:stretch>
+            <a:fillRect/>
+          </a:stretch>
+        </p:blipFill>
+        <p:spPr>
+          <a:xfrm>
+            <a:off x="2742638" y="1103385"/>
+            <a:ext cx="1629002" cy="4115374"/>
+          </a:xfrm>
+          <a:prstGeom prst="rect">
+            <a:avLst/>
+          </a:prstGeom>
+        </p:spPr>
+      </p:pic>
+      <p:sp>
+        <p:nvSpPr>
+          <p:cNvPr id="2" name="TextBox 1"/>
+          <p:cNvSpPr txBox="1"/>
+          <p:nvPr/>
+        </p:nvSpPr>
+        <p:spPr>
+          <a:xfrm>
+            <a:off x="323133" y="192505"/>
+            <a:ext cx="1215397" cy="461665"/>
+          </a:xfrm>
+          <a:prstGeom prst="rect">
+            <a:avLst/>
+          </a:prstGeom>
+          <a:noFill/>
+        </p:spPr>
+        <p:txBody>
+          <a:bodyPr wrap="none" rtlCol="0">
+            <a:spAutoFit/>
+          </a:bodyPr>
+          <a:lstStyle/>
+          <a:p>
+            <a:r>
+              <a:rPr lang="en" sz="2400" b="1" dirty="0" smtClean="0">
+                <a:latin typeface="Segoe UI" panose="020B0502040204020203" pitchFamily="34" charset="0"/>
+                <a:cs typeface="Segoe UI" panose="020B0502040204020203" pitchFamily="34" charset="0"/>
+              </a:rPr>
+              <a:t>KPIs</a:t>
+            </a:r>
+            <a:endParaRPr lang="en-US" sz="2400" b="1" dirty="0">
+              <a:latin typeface="Segoe UI" panose="020B0502040204020203" pitchFamily="34" charset="0"/>
+              <a:cs typeface="Segoe UI" panose="020B0502040204020203" pitchFamily="34" charset="0"/>
+            </a:endParaRPr>
+          </a:p>
+        </p:txBody>
+      </p:sp>
+      <p:sp>
+        <p:nvSpPr>
+          <p:cNvPr id="4" name="Rectangle 3"/>
+          <p:cNvSpPr/>
+          <p:nvPr/>
+        </p:nvSpPr>
+        <p:spPr>
+          <a:xfrm>
+            <a:off x="323133" y="734053"/>
+            <a:ext cx="6096000" cy="369332"/>
+          </a:xfrm>
+          <a:prstGeom prst="rect">
+            <a:avLst/>
+          </a:prstGeom>
+        </p:spPr>
+        <p:txBody>
+          <a:bodyPr>
+            <a:spAutoFit/>
+          </a:bodyPr>
+          <a:lstStyle/>
+          <a:p>
+            <a:r>
+              <a:rPr lang="en" dirty="0" smtClean="0">
+                <a:latin typeface="Segoe UI" panose="020B0502040204020203" pitchFamily="34" charset="0"/>
+                <a:cs typeface="Segoe UI" panose="020B0502040204020203" pitchFamily="34" charset="0"/>
+              </a:rPr>
+              <a:t>The data must then be formatted.</a:t>
+            </a:r>
+            <a:endParaRPr lang="fr-FR" dirty="0">
+              <a:latin typeface="Segoe UI" panose="020B0502040204020203" pitchFamily="34" charset="0"/>
+              <a:cs typeface="Segoe UI" panose="020B0502040204020203" pitchFamily="34" charset="0"/>
+            </a:endParaRPr>
+          </a:p>
+        </p:txBody>
+      </p:sp>
+      <p:pic>
+        <p:nvPicPr>
+          <p:cNvPr id="6" name="Picture 5"/>
+          <p:cNvPicPr>
+            <a:picLocks noChangeAspect="1"/>
+          </p:cNvPicPr>
+          <p:nvPr/>
+        </p:nvPicPr>
+        <p:blipFill>
+          <a:blip r:embed="rId4"/>
+          <a:stretch>
+            <a:fillRect/>
+          </a:stretch>
+        </p:blipFill>
+        <p:spPr>
+          <a:xfrm>
+            <a:off x="724029" y="1103385"/>
+            <a:ext cx="1629002" cy="5477639"/>
+          </a:xfrm>
+          <a:prstGeom prst="rect">
+            <a:avLst/>
+          </a:prstGeom>
+        </p:spPr>
+      </p:pic>
+      <p:cxnSp>
+        <p:nvCxnSpPr>
+          <p:cNvPr id="9" name="Straight Arrow Connector 8"/>
+          <p:cNvCxnSpPr/>
+          <p:nvPr/>
+        </p:nvCxnSpPr>
+        <p:spPr>
+          <a:xfrm flipH="1">
+            <a:off x="1687689" y="1044222"/>
+            <a:ext cx="338667" cy="355600"/>
+          </a:xfrm>
+          <a:prstGeom prst="straightConnector1">
+            <a:avLst/>
+          </a:prstGeom>
+          <a:ln w="38100">
+            <a:solidFill>
+              <a:srgbClr val="FF0000"/>
+            </a:solidFill>
+            <a:tailEnd type="triangle"/>
+          </a:ln>
+        </p:spPr>
+        <p:style>
+          <a:lnRef idx="3">
+            <a:schemeClr val="accent2"/>
+          </a:lnRef>
+          <a:fillRef idx="0">
+            <a:schemeClr val="accent2"/>
+          </a:fillRef>
+          <a:effectRef idx="2">
+            <a:schemeClr val="accent2"/>
+          </a:effectRef>
+          <a:fontRef idx="minor">
+            <a:schemeClr val="tx1"/>
+          </a:fontRef>
+        </p:style>
+      </p:cxnSp>
+      <p:cxnSp>
+        <p:nvCxnSpPr>
+          <p:cNvPr id="10" name="Straight Arrow Connector 9"/>
+          <p:cNvCxnSpPr/>
+          <p:nvPr/>
+        </p:nvCxnSpPr>
+        <p:spPr>
+          <a:xfrm flipH="1">
+            <a:off x="1157112" y="5943600"/>
+            <a:ext cx="338667" cy="355600"/>
+          </a:xfrm>
+          <a:prstGeom prst="straightConnector1">
+            <a:avLst/>
+          </a:prstGeom>
+          <a:ln w="38100">
+            <a:solidFill>
+              <a:srgbClr val="FF0000"/>
+            </a:solidFill>
+            <a:tailEnd type="triangle"/>
+          </a:ln>
+        </p:spPr>
+        <p:style>
+          <a:lnRef idx="3">
+            <a:schemeClr val="accent2"/>
+          </a:lnRef>
+          <a:fillRef idx="0">
+            <a:schemeClr val="accent2"/>
+          </a:fillRef>
+          <a:effectRef idx="2">
+            <a:schemeClr val="accent2"/>
+          </a:effectRef>
+          <a:fontRef idx="minor">
+            <a:schemeClr val="tx1"/>
+          </a:fontRef>
+        </p:style>
+      </p:cxnSp>
+      <p:cxnSp>
+        <p:nvCxnSpPr>
+          <p:cNvPr id="11" name="Straight Arrow Connector 10"/>
+          <p:cNvCxnSpPr/>
+          <p:nvPr/>
+        </p:nvCxnSpPr>
+        <p:spPr>
+          <a:xfrm flipH="1">
+            <a:off x="5579483" y="3578802"/>
+            <a:ext cx="338667" cy="355600"/>
+          </a:xfrm>
+          <a:prstGeom prst="straightConnector1">
+            <a:avLst/>
+          </a:prstGeom>
+          <a:ln w="38100">
+            <a:solidFill>
+              <a:srgbClr val="FF0000"/>
+            </a:solidFill>
+            <a:tailEnd type="triangle"/>
+          </a:ln>
+        </p:spPr>
+        <p:style>
+          <a:lnRef idx="3">
+            <a:schemeClr val="accent2"/>
+          </a:lnRef>
+          <a:fillRef idx="0">
+            <a:schemeClr val="accent2"/>
+          </a:fillRef>
+          <a:effectRef idx="2">
+            <a:schemeClr val="accent2"/>
+          </a:effectRef>
+          <a:fontRef idx="minor">
+            <a:schemeClr val="tx1"/>
+          </a:fontRef>
+        </p:style>
+      </p:cxnSp>
+      <p:cxnSp>
+        <p:nvCxnSpPr>
+          <p:cNvPr id="12" name="Straight Arrow Connector 11"/>
+          <p:cNvCxnSpPr/>
+          <p:nvPr/>
+        </p:nvCxnSpPr>
+        <p:spPr>
+          <a:xfrm flipH="1">
+            <a:off x="3677918" y="1103385"/>
+            <a:ext cx="188526" cy="209276"/>
+          </a:xfrm>
+          <a:prstGeom prst="straightConnector1">
+            <a:avLst/>
+          </a:prstGeom>
+          <a:ln w="38100">
+            <a:solidFill>
+              <a:srgbClr val="FF0000"/>
+            </a:solidFill>
+            <a:tailEnd type="triangle"/>
+          </a:ln>
+        </p:spPr>
+        <p:style>
+          <a:lnRef idx="3">
+            <a:schemeClr val="accent2"/>
+          </a:lnRef>
+          <a:fillRef idx="0">
+            <a:schemeClr val="accent2"/>
+          </a:fillRef>
+          <a:effectRef idx="2">
+            <a:schemeClr val="accent2"/>
+          </a:effectRef>
+          <a:fontRef idx="minor">
+            <a:schemeClr val="tx1"/>
+          </a:fontRef>
+        </p:style>
+      </p:cxnSp>
+      <p:cxnSp>
+        <p:nvCxnSpPr>
+          <p:cNvPr id="13" name="Straight Arrow Connector 12"/>
+          <p:cNvCxnSpPr/>
+          <p:nvPr/>
+        </p:nvCxnSpPr>
+        <p:spPr>
+          <a:xfrm flipH="1">
+            <a:off x="5808712" y="1103385"/>
+            <a:ext cx="174399" cy="177800"/>
+          </a:xfrm>
+          <a:prstGeom prst="straightConnector1">
+            <a:avLst/>
+          </a:prstGeom>
+          <a:ln w="38100">
+            <a:solidFill>
+              <a:srgbClr val="FF0000"/>
+            </a:solidFill>
+            <a:tailEnd type="triangle"/>
+          </a:ln>
+        </p:spPr>
+        <p:style>
+          <a:lnRef idx="3">
+            <a:schemeClr val="accent2"/>
+          </a:lnRef>
+          <a:fillRef idx="0">
+            <a:schemeClr val="accent2"/>
+          </a:fillRef>
+          <a:effectRef idx="2">
+            <a:schemeClr val="accent2"/>
+          </a:effectRef>
+          <a:fontRef idx="minor">
+            <a:schemeClr val="tx1"/>
+          </a:fontRef>
+        </p:style>
+      </p:cxnSp>
+      <p:cxnSp>
+        <p:nvCxnSpPr>
+          <p:cNvPr id="15" name="Straight Arrow Connector 14"/>
+          <p:cNvCxnSpPr/>
+          <p:nvPr/>
+        </p:nvCxnSpPr>
+        <p:spPr>
+          <a:xfrm flipH="1">
+            <a:off x="3396391" y="3559150"/>
+            <a:ext cx="338667" cy="355600"/>
+          </a:xfrm>
+          <a:prstGeom prst="straightConnector1">
+            <a:avLst/>
+          </a:prstGeom>
+          <a:ln w="38100">
+            <a:solidFill>
+              <a:srgbClr val="FF0000"/>
+            </a:solidFill>
+            <a:tailEnd type="triangle"/>
+          </a:ln>
+        </p:spPr>
+        <p:style>
+          <a:lnRef idx="3">
+            <a:schemeClr val="accent2"/>
+          </a:lnRef>
+          <a:fillRef idx="0">
+            <a:schemeClr val="accent2"/>
+          </a:fillRef>
+          <a:effectRef idx="2">
+            <a:schemeClr val="accent2"/>
+          </a:effectRef>
+          <a:fontRef idx="minor">
+            <a:schemeClr val="tx1"/>
+          </a:fontRef>
+        </p:style>
+      </p:cxnSp>
+      <p:cxnSp>
+        <p:nvCxnSpPr>
+          <p:cNvPr id="16" name="Straight Arrow Connector 15"/>
+          <p:cNvCxnSpPr/>
+          <p:nvPr/>
+        </p:nvCxnSpPr>
+        <p:spPr>
+          <a:xfrm flipH="1">
+            <a:off x="1326445" y="3223202"/>
+            <a:ext cx="338667" cy="355600"/>
+          </a:xfrm>
+          <a:prstGeom prst="straightConnector1">
+            <a:avLst/>
+          </a:prstGeom>
+          <a:ln w="38100">
+            <a:solidFill>
+              <a:srgbClr val="FF0000"/>
+            </a:solidFill>
+            <a:tailEnd type="triangle"/>
+          </a:ln>
+        </p:spPr>
+        <p:style>
+          <a:lnRef idx="3">
+            <a:schemeClr val="accent2"/>
+          </a:lnRef>
+          <a:fillRef idx="0">
+            <a:schemeClr val="accent2"/>
+          </a:fillRef>
+          <a:effectRef idx="2">
+            <a:schemeClr val="accent2"/>
+          </a:effectRef>
+          <a:fontRef idx="minor">
+            <a:schemeClr val="tx1"/>
+          </a:fontRef>
+        </p:style>
+      </p:cxnSp>
+    </p:spTree>
+    <p:extLst>
+      <p:ext uri="{BB962C8B-B14F-4D97-AF65-F5344CB8AC3E}">
+        <p14:creationId xmlns:p14="http://schemas.microsoft.com/office/powerpoint/2010/main" val="1654347916"/>
+      </p:ext>
+    </p:extLst>
+  </p:cSld>
+  <p:clrMapOvr>
+    <a:masterClrMapping/>
+  </p:clrMapOvr>
+</p:sld>
+</file>
+
+<file path=ppt/slides/slide8.xml><?xml version="1.0" encoding="utf-8"?>
 <p:sld xmlns:a="http://schemas.openxmlformats.org/drawingml/2006/main" xmlns:r="http://schemas.openxmlformats.org/officeDocument/2006/relationships" xmlns:p="http://schemas.openxmlformats.org/presentationml/2006/main">
   <p:cSld>
     <p:bg>

--- a/English/6.Visuals/14.The Gauge.pptx
+++ b/English/6.Visuals/14.The Gauge.pptx
@@ -204,7 +204,7 @@
           <a:p>
             <a:fld id="{056BA3B8-9F76-4D81-B71D-76CB85363062}" type="datetimeFigureOut">
               <a:rPr lang="en-US" smtClean="0"/>
-              <a:t>4/3/2025</a:t>
+              <a:t>4/5/2025</a:t>
             </a:fld>
             <a:endParaRPr lang="en-US"/>
           </a:p>
@@ -603,7 +603,7 @@
           <a:p>
             <a:fld id="{6F01DA4D-20EA-48D2-973C-0311EC3005D6}" type="datetimeFigureOut">
               <a:rPr lang="en-US" smtClean="0"/>
-              <a:t>4/3/2025</a:t>
+              <a:t>4/5/2025</a:t>
             </a:fld>
             <a:endParaRPr lang="en-US"/>
           </a:p>
@@ -773,7 +773,7 @@
           <a:p>
             <a:fld id="{6F01DA4D-20EA-48D2-973C-0311EC3005D6}" type="datetimeFigureOut">
               <a:rPr lang="en-US" smtClean="0"/>
-              <a:t>4/3/2025</a:t>
+              <a:t>4/5/2025</a:t>
             </a:fld>
             <a:endParaRPr lang="en-US"/>
           </a:p>
@@ -953,7 +953,7 @@
           <a:p>
             <a:fld id="{6F01DA4D-20EA-48D2-973C-0311EC3005D6}" type="datetimeFigureOut">
               <a:rPr lang="en-US" smtClean="0"/>
-              <a:t>4/3/2025</a:t>
+              <a:t>4/5/2025</a:t>
             </a:fld>
             <a:endParaRPr lang="en-US"/>
           </a:p>
@@ -1123,7 +1123,7 @@
           <a:p>
             <a:fld id="{6F01DA4D-20EA-48D2-973C-0311EC3005D6}" type="datetimeFigureOut">
               <a:rPr lang="en-US" smtClean="0"/>
-              <a:t>4/3/2025</a:t>
+              <a:t>4/5/2025</a:t>
             </a:fld>
             <a:endParaRPr lang="en-US"/>
           </a:p>
@@ -1369,7 +1369,7 @@
           <a:p>
             <a:fld id="{6F01DA4D-20EA-48D2-973C-0311EC3005D6}" type="datetimeFigureOut">
               <a:rPr lang="en-US" smtClean="0"/>
-              <a:t>4/3/2025</a:t>
+              <a:t>4/5/2025</a:t>
             </a:fld>
             <a:endParaRPr lang="en-US"/>
           </a:p>
@@ -1601,7 +1601,7 @@
           <a:p>
             <a:fld id="{6F01DA4D-20EA-48D2-973C-0311EC3005D6}" type="datetimeFigureOut">
               <a:rPr lang="en-US" smtClean="0"/>
-              <a:t>4/3/2025</a:t>
+              <a:t>4/5/2025</a:t>
             </a:fld>
             <a:endParaRPr lang="en-US"/>
           </a:p>
@@ -1968,7 +1968,7 @@
           <a:p>
             <a:fld id="{6F01DA4D-20EA-48D2-973C-0311EC3005D6}" type="datetimeFigureOut">
               <a:rPr lang="en-US" smtClean="0"/>
-              <a:t>4/3/2025</a:t>
+              <a:t>4/5/2025</a:t>
             </a:fld>
             <a:endParaRPr lang="en-US"/>
           </a:p>
@@ -2086,7 +2086,7 @@
           <a:p>
             <a:fld id="{6F01DA4D-20EA-48D2-973C-0311EC3005D6}" type="datetimeFigureOut">
               <a:rPr lang="en-US" smtClean="0"/>
-              <a:t>4/3/2025</a:t>
+              <a:t>4/5/2025</a:t>
             </a:fld>
             <a:endParaRPr lang="en-US"/>
           </a:p>
@@ -2181,7 +2181,7 @@
           <a:p>
             <a:fld id="{6F01DA4D-20EA-48D2-973C-0311EC3005D6}" type="datetimeFigureOut">
               <a:rPr lang="en-US" smtClean="0"/>
-              <a:t>4/3/2025</a:t>
+              <a:t>4/5/2025</a:t>
             </a:fld>
             <a:endParaRPr lang="en-US"/>
           </a:p>
@@ -2458,7 +2458,7 @@
           <a:p>
             <a:fld id="{6F01DA4D-20EA-48D2-973C-0311EC3005D6}" type="datetimeFigureOut">
               <a:rPr lang="en-US" smtClean="0"/>
-              <a:t>4/3/2025</a:t>
+              <a:t>4/5/2025</a:t>
             </a:fld>
             <a:endParaRPr lang="en-US"/>
           </a:p>
@@ -2711,7 +2711,7 @@
           <a:p>
             <a:fld id="{6F01DA4D-20EA-48D2-973C-0311EC3005D6}" type="datetimeFigureOut">
               <a:rPr lang="en-US" smtClean="0"/>
-              <a:t>4/3/2025</a:t>
+              <a:t>4/5/2025</a:t>
             </a:fld>
             <a:endParaRPr lang="en-US"/>
           </a:p>
@@ -2924,7 +2924,7 @@
           <a:p>
             <a:fld id="{6F01DA4D-20EA-48D2-973C-0311EC3005D6}" type="datetimeFigureOut">
               <a:rPr lang="en-US" smtClean="0"/>
-              <a:t>4/3/2025</a:t>
+              <a:t>4/5/2025</a:t>
             </a:fld>
             <a:endParaRPr lang="en-US"/>
           </a:p>
@@ -3502,7 +3502,7 @@
         <p:spPr>
           <a:xfrm>
             <a:off x="529388" y="738052"/>
-            <a:ext cx="8188349" cy="369332"/>
+            <a:ext cx="8188349" cy="646331"/>
           </a:xfrm>
           <a:prstGeom prst="rect">
             <a:avLst/>
@@ -3527,7 +3527,14 @@
                 <a:latin typeface="Segoe UI" panose="020B0502040204020203" pitchFamily="34" charset="0"/>
                 <a:cs typeface="Segoe UI" panose="020B0502040204020203" pitchFamily="34" charset="0"/>
               </a:rPr>
-              <a:t>: This workshop uses the same dataset from the previous workshop</a:t>
+              <a:t>: This workshop uses the same dataset from the previous </a:t>
+            </a:r>
+            <a:r>
+              <a:rPr lang="en" dirty="0" smtClean="0">
+                <a:latin typeface="Segoe UI" panose="020B0502040204020203" pitchFamily="34" charset="0"/>
+                <a:cs typeface="Segoe UI" panose="020B0502040204020203" pitchFamily="34" charset="0"/>
+              </a:rPr>
+              <a:t>workshop, which is entered manually</a:t>
             </a:r>
             <a:endParaRPr lang="en-US" dirty="0">
               <a:latin typeface="Segoe UI" panose="020B0502040204020203" pitchFamily="34" charset="0"/>
@@ -3538,21 +3545,21 @@
       </p:sp>
       <p:graphicFrame>
         <p:nvGraphicFramePr>
-          <p:cNvPr id="3" name="Table 2"/>
+          <p:cNvPr id="4" name="Table 3"/>
           <p:cNvGraphicFramePr>
             <a:graphicFrameLocks noGrp="1"/>
           </p:cNvGraphicFramePr>
           <p:nvPr>
             <p:extLst>
               <p:ext uri="{D42A27DB-BD31-4B8C-83A1-F6EECF244321}">
-                <p14:modId xmlns:p14="http://schemas.microsoft.com/office/powerpoint/2010/main" val="1801618265"/>
+                <p14:modId xmlns:p14="http://schemas.microsoft.com/office/powerpoint/2010/main" val="394446776"/>
               </p:ext>
             </p:extLst>
           </p:nvPr>
         </p:nvGraphicFramePr>
         <p:xfrm>
-          <a:off x="645695" y="1330611"/>
-          <a:ext cx="5837036" cy="1754554"/>
+          <a:off x="529388" y="1519824"/>
+          <a:ext cx="6527800" cy="1524000"/>
         </p:xfrm>
         <a:graphic>
           <a:graphicData uri="http://schemas.openxmlformats.org/drawingml/2006/table">
@@ -3561,42 +3568,42 @@
                 <a:tableStyleId>{5C22544A-7EE6-4342-B048-85BDC9FD1C3A}</a:tableStyleId>
               </a:tblPr>
               <a:tblGrid>
-                <a:gridCol w="1686713">
+                <a:gridCol w="2171700">
                   <a:extLst>
                     <a:ext uri="{9D8B030D-6E8A-4147-A177-3AD203B41FA5}">
-                      <a16:colId xmlns:a16="http://schemas.microsoft.com/office/drawing/2014/main" val="484510608"/>
+                      <a16:colId xmlns:a16="http://schemas.microsoft.com/office/drawing/2014/main" val="443064502"/>
                     </a:ext>
                   </a:extLst>
                 </a:gridCol>
-                <a:gridCol w="1764633">
+                <a:gridCol w="1676400">
                   <a:extLst>
                     <a:ext uri="{9D8B030D-6E8A-4147-A177-3AD203B41FA5}">
-                      <a16:colId xmlns:a16="http://schemas.microsoft.com/office/drawing/2014/main" val="1641526811"/>
+                      <a16:colId xmlns:a16="http://schemas.microsoft.com/office/drawing/2014/main" val="2531789689"/>
                     </a:ext>
                   </a:extLst>
                 </a:gridCol>
-                <a:gridCol w="2385690">
+                <a:gridCol w="2679700">
                   <a:extLst>
                     <a:ext uri="{9D8B030D-6E8A-4147-A177-3AD203B41FA5}">
-                      <a16:colId xmlns:a16="http://schemas.microsoft.com/office/drawing/2014/main" val="3951412843"/>
+                      <a16:colId xmlns:a16="http://schemas.microsoft.com/office/drawing/2014/main" val="1160863081"/>
                     </a:ext>
                   </a:extLst>
                 </a:gridCol>
               </a:tblGrid>
-              <a:tr h="368471">
+              <a:tr h="304800">
                 <a:tc>
                   <a:txBody>
                     <a:bodyPr/>
                     <a:lstStyle/>
                     <a:p>
-                      <a:pPr algn="ctr" fontAlgn="ctr"/>
+                      <a:pPr algn="ctr" rtl="0" fontAlgn="ctr"/>
                       <a:r>
-                        <a:rPr lang="en" sz="1800" b="1" u="none" strike="noStrike" dirty="0">
+                        <a:rPr lang="en-US" sz="1800" u="none" strike="noStrike">
                           <a:effectLst/>
                         </a:rPr>
                         <a:t>Date</a:t>
                       </a:r>
-                      <a:endParaRPr lang="en-US" sz="1800" b="1" i="0" u="none" strike="noStrike" dirty="0">
+                      <a:endParaRPr lang="en-US" sz="1800" b="1" i="0" u="none" strike="noStrike">
                         <a:solidFill>
                           <a:srgbClr val="000000"/>
                         </a:solidFill>
@@ -3612,9 +3619,9 @@
                     <a:bodyPr/>
                     <a:lstStyle/>
                     <a:p>
-                      <a:pPr algn="ctr" fontAlgn="ctr"/>
+                      <a:pPr algn="ctr" rtl="0" fontAlgn="ctr"/>
                       <a:r>
-                        <a:rPr lang="en" sz="1800" b="1" u="none" strike="noStrike">
+                        <a:rPr lang="en-US" sz="1800" u="none" strike="noStrike">
                           <a:effectLst/>
                         </a:rPr>
                         <a:t>Turnover</a:t>
@@ -3635,9 +3642,9 @@
                     <a:bodyPr/>
                     <a:lstStyle/>
                     <a:p>
-                      <a:pPr algn="ctr" fontAlgn="ctr"/>
+                      <a:pPr algn="ctr" rtl="0" fontAlgn="ctr"/>
                       <a:r>
-                        <a:rPr lang="en" sz="1800" b="1" u="none" strike="noStrike">
+                        <a:rPr lang="en-US" sz="1800" u="none" strike="noStrike">
                           <a:effectLst/>
                         </a:rPr>
                         <a:t>Objective</a:t>
@@ -3655,24 +3662,24 @@
                 </a:tc>
                 <a:extLst>
                   <a:ext uri="{0D108BD9-81ED-4DB2-BD59-A6C34878D82A}">
-                    <a16:rowId xmlns:a16="http://schemas.microsoft.com/office/drawing/2014/main" val="541825158"/>
+                    <a16:rowId xmlns:a16="http://schemas.microsoft.com/office/drawing/2014/main" val="374930625"/>
                   </a:ext>
                 </a:extLst>
               </a:tr>
-              <a:tr h="109092">
+              <a:tr h="304800">
                 <a:tc>
                   <a:txBody>
                     <a:bodyPr/>
                     <a:lstStyle/>
                     <a:p>
-                      <a:pPr algn="ctr" fontAlgn="ctr"/>
+                      <a:pPr algn="ctr" rtl="0" fontAlgn="ctr"/>
                       <a:r>
-                        <a:rPr lang="en" sz="1800" b="1" u="none" strike="noStrike" dirty="0">
+                        <a:rPr lang="en-US" sz="1800" u="none" strike="noStrike">
                           <a:effectLst/>
                         </a:rPr>
                         <a:t>01/01/2025</a:t>
                       </a:r>
-                      <a:endParaRPr lang="en-US" sz="1800" b="1" i="0" u="none" strike="noStrike" dirty="0">
+                      <a:endParaRPr lang="en-US" sz="1800" b="1" i="0" u="none" strike="noStrike">
                         <a:solidFill>
                           <a:srgbClr val="000000"/>
                         </a:solidFill>
@@ -3688,14 +3695,14 @@
                     <a:bodyPr/>
                     <a:lstStyle/>
                     <a:p>
-                      <a:pPr algn="ctr" fontAlgn="ctr"/>
+                      <a:pPr algn="ctr" rtl="0" fontAlgn="ctr"/>
                       <a:r>
-                        <a:rPr lang="en" sz="1800" b="1" u="none" strike="noStrike" dirty="0" smtClean="0">
+                        <a:rPr lang="en-US" sz="1800" u="none" strike="noStrike">
                           <a:effectLst/>
                         </a:rPr>
-                        <a:t>€ </a:t>
+                        <a:t>5000</a:t>
                       </a:r>
-                      <a:endParaRPr lang="en-US" sz="1800" b="1" i="0" u="none" strike="noStrike" dirty="0">
+                      <a:endParaRPr lang="en-US" sz="1800" b="1" i="0" u="none" strike="noStrike">
                         <a:solidFill>
                           <a:srgbClr val="000000"/>
                         </a:solidFill>
@@ -3711,14 +3718,14 @@
                     <a:bodyPr/>
                     <a:lstStyle/>
                     <a:p>
-                      <a:pPr algn="ctr" fontAlgn="ctr"/>
+                      <a:pPr algn="ctr" rtl="0" fontAlgn="ctr"/>
                       <a:r>
-                        <a:rPr lang="en" sz="1800" b="1" u="none" strike="noStrike" dirty="0">
+                        <a:rPr lang="en-US" sz="1800" u="none" strike="noStrike">
                           <a:effectLst/>
                         </a:rPr>
-                        <a:t>€10,000.00</a:t>
+                        <a:t>10000</a:t>
                       </a:r>
-                      <a:endParaRPr lang="en-US" sz="1800" b="1" i="0" u="none" strike="noStrike" dirty="0">
+                      <a:endParaRPr lang="en-US" sz="1800" b="1" i="0" u="none" strike="noStrike">
                         <a:solidFill>
                           <a:srgbClr val="000000"/>
                         </a:solidFill>
@@ -3731,24 +3738,24 @@
                 </a:tc>
                 <a:extLst>
                   <a:ext uri="{0D108BD9-81ED-4DB2-BD59-A6C34878D82A}">
-                    <a16:rowId xmlns:a16="http://schemas.microsoft.com/office/drawing/2014/main" val="100086269"/>
+                    <a16:rowId xmlns:a16="http://schemas.microsoft.com/office/drawing/2014/main" val="828770514"/>
                   </a:ext>
                 </a:extLst>
               </a:tr>
-              <a:tr h="368471">
+              <a:tr h="304800">
                 <a:tc>
                   <a:txBody>
                     <a:bodyPr/>
                     <a:lstStyle/>
                     <a:p>
-                      <a:pPr algn="ctr" fontAlgn="ctr"/>
+                      <a:pPr algn="ctr" rtl="0" fontAlgn="ctr"/>
                       <a:r>
-                        <a:rPr lang="en" sz="1800" b="1" u="none" strike="noStrike" dirty="0">
+                        <a:rPr lang="en-US" sz="1800" u="none" strike="noStrike">
                           <a:effectLst/>
                         </a:rPr>
                         <a:t>01/02/2025</a:t>
                       </a:r>
-                      <a:endParaRPr lang="en-US" sz="1800" b="1" i="0" u="none" strike="noStrike" dirty="0">
+                      <a:endParaRPr lang="en-US" sz="1800" b="1" i="0" u="none" strike="noStrike">
                         <a:solidFill>
                           <a:srgbClr val="000000"/>
                         </a:solidFill>
@@ -3764,14 +3771,14 @@
                     <a:bodyPr/>
                     <a:lstStyle/>
                     <a:p>
-                      <a:pPr algn="ctr" fontAlgn="ctr"/>
+                      <a:pPr algn="ctr" rtl="0" fontAlgn="ctr"/>
                       <a:r>
-                        <a:rPr lang="en" sz="1800" b="1" u="none" strike="noStrike" dirty="0">
+                        <a:rPr lang="en-US" sz="1800" u="none" strike="noStrike">
                           <a:effectLst/>
                         </a:rPr>
-                        <a:t>€7,000.00</a:t>
+                        <a:t>7000</a:t>
                       </a:r>
-                      <a:endParaRPr lang="en-US" sz="1800" b="1" i="0" u="none" strike="noStrike" dirty="0">
+                      <a:endParaRPr lang="en-US" sz="1800" b="1" i="0" u="none" strike="noStrike">
                         <a:solidFill>
                           <a:srgbClr val="000000"/>
                         </a:solidFill>
@@ -3787,14 +3794,14 @@
                     <a:bodyPr/>
                     <a:lstStyle/>
                     <a:p>
-                      <a:pPr algn="ctr" fontAlgn="ctr"/>
+                      <a:pPr algn="ctr" rtl="0" fontAlgn="ctr"/>
                       <a:r>
-                        <a:rPr lang="en" sz="1800" b="1" u="none" strike="noStrike" dirty="0">
+                        <a:rPr lang="en-US" sz="1800" u="none" strike="noStrike">
                           <a:effectLst/>
                         </a:rPr>
-                        <a:t>€10,000.00</a:t>
+                        <a:t>10000</a:t>
                       </a:r>
-                      <a:endParaRPr lang="en-US" sz="1800" b="1" i="0" u="none" strike="noStrike" dirty="0">
+                      <a:endParaRPr lang="en-US" sz="1800" b="1" i="0" u="none" strike="noStrike">
                         <a:solidFill>
                           <a:srgbClr val="000000"/>
                         </a:solidFill>
@@ -3807,24 +3814,24 @@
                 </a:tc>
                 <a:extLst>
                   <a:ext uri="{0D108BD9-81ED-4DB2-BD59-A6C34878D82A}">
-                    <a16:rowId xmlns:a16="http://schemas.microsoft.com/office/drawing/2014/main" val="3000187316"/>
+                    <a16:rowId xmlns:a16="http://schemas.microsoft.com/office/drawing/2014/main" val="2592069025"/>
                   </a:ext>
                 </a:extLst>
               </a:tr>
-              <a:tr h="368471">
+              <a:tr h="304800">
                 <a:tc>
                   <a:txBody>
                     <a:bodyPr/>
                     <a:lstStyle/>
                     <a:p>
-                      <a:pPr algn="ctr" fontAlgn="ctr"/>
+                      <a:pPr algn="ctr" rtl="0" fontAlgn="ctr"/>
                       <a:r>
-                        <a:rPr lang="en" sz="1800" b="1" u="none" strike="noStrike" dirty="0">
+                        <a:rPr lang="en-US" sz="1800" u="none" strike="noStrike">
                           <a:effectLst/>
                         </a:rPr>
                         <a:t>03/01/2025</a:t>
                       </a:r>
-                      <a:endParaRPr lang="en-US" sz="1800" b="1" i="0" u="none" strike="noStrike" dirty="0">
+                      <a:endParaRPr lang="en-US" sz="1800" b="1" i="0" u="none" strike="noStrike">
                         <a:solidFill>
                           <a:srgbClr val="000000"/>
                         </a:solidFill>
@@ -3840,14 +3847,14 @@
                     <a:bodyPr/>
                     <a:lstStyle/>
                     <a:p>
-                      <a:pPr algn="ctr" fontAlgn="ctr"/>
+                      <a:pPr algn="ctr" rtl="0" fontAlgn="ctr"/>
                       <a:r>
-                        <a:rPr lang="en" sz="1800" b="1" u="none" strike="noStrike" dirty="0">
+                        <a:rPr lang="en-US" sz="1800" u="none" strike="noStrike">
                           <a:effectLst/>
                         </a:rPr>
-                        <a:t>€9,500.00</a:t>
+                        <a:t>9500</a:t>
                       </a:r>
-                      <a:endParaRPr lang="en-US" sz="1800" b="1" i="0" u="none" strike="noStrike" dirty="0">
+                      <a:endParaRPr lang="en-US" sz="1800" b="1" i="0" u="none" strike="noStrike">
                         <a:solidFill>
                           <a:srgbClr val="000000"/>
                         </a:solidFill>
@@ -3863,14 +3870,14 @@
                     <a:bodyPr/>
                     <a:lstStyle/>
                     <a:p>
-                      <a:pPr algn="ctr" fontAlgn="ctr"/>
+                      <a:pPr algn="ctr" rtl="0" fontAlgn="ctr"/>
                       <a:r>
-                        <a:rPr lang="en" sz="1800" b="1" u="none" strike="noStrike" dirty="0">
+                        <a:rPr lang="en-US" sz="1800" u="none" strike="noStrike">
                           <a:effectLst/>
                         </a:rPr>
-                        <a:t>€10,000.00</a:t>
+                        <a:t>10000</a:t>
                       </a:r>
-                      <a:endParaRPr lang="en-US" sz="1800" b="1" i="0" u="none" strike="noStrike" dirty="0">
+                      <a:endParaRPr lang="en-US" sz="1800" b="1" i="0" u="none" strike="noStrike">
                         <a:solidFill>
                           <a:srgbClr val="000000"/>
                         </a:solidFill>
@@ -3883,19 +3890,19 @@
                 </a:tc>
                 <a:extLst>
                   <a:ext uri="{0D108BD9-81ED-4DB2-BD59-A6C34878D82A}">
-                    <a16:rowId xmlns:a16="http://schemas.microsoft.com/office/drawing/2014/main" val="2886194209"/>
+                    <a16:rowId xmlns:a16="http://schemas.microsoft.com/office/drawing/2014/main" val="1940342748"/>
                   </a:ext>
                 </a:extLst>
               </a:tr>
-              <a:tr h="368471">
+              <a:tr h="304800">
                 <a:tc>
                   <a:txBody>
                     <a:bodyPr/>
                     <a:lstStyle/>
                     <a:p>
-                      <a:pPr algn="ctr" fontAlgn="ctr"/>
+                      <a:pPr algn="ctr" rtl="0" fontAlgn="ctr"/>
                       <a:r>
-                        <a:rPr lang="en" sz="1800" b="1" u="none" strike="noStrike">
+                        <a:rPr lang="en-US" sz="1800" u="none" strike="noStrike">
                           <a:effectLst/>
                         </a:rPr>
                         <a:t>04/01/2025</a:t>
@@ -3916,14 +3923,14 @@
                     <a:bodyPr/>
                     <a:lstStyle/>
                     <a:p>
-                      <a:pPr algn="ctr" fontAlgn="ctr"/>
+                      <a:pPr algn="ctr" rtl="0" fontAlgn="ctr"/>
                       <a:r>
-                        <a:rPr lang="en" sz="1800" b="1" u="none" strike="noStrike" dirty="0">
+                        <a:rPr lang="en-US" sz="1800" u="none" strike="noStrike">
                           <a:effectLst/>
                         </a:rPr>
-                        <a:t>€11,000.00</a:t>
+                        <a:t>11000</a:t>
                       </a:r>
-                      <a:endParaRPr lang="en-US" sz="1800" b="1" i="0" u="none" strike="noStrike" dirty="0">
+                      <a:endParaRPr lang="en-US" sz="1800" b="1" i="0" u="none" strike="noStrike">
                         <a:solidFill>
                           <a:srgbClr val="000000"/>
                         </a:solidFill>
@@ -3939,12 +3946,12 @@
                     <a:bodyPr/>
                     <a:lstStyle/>
                     <a:p>
-                      <a:pPr algn="ctr" fontAlgn="ctr"/>
+                      <a:pPr algn="ctr" rtl="0" fontAlgn="ctr"/>
                       <a:r>
-                        <a:rPr lang="en" sz="1800" b="1" u="none" strike="noStrike" dirty="0">
+                        <a:rPr lang="en-US" sz="1800" u="none" strike="noStrike" dirty="0">
                           <a:effectLst/>
                         </a:rPr>
-                        <a:t>€10,000.00</a:t>
+                        <a:t>10000</a:t>
                       </a:r>
                       <a:endParaRPr lang="en-US" sz="1800" b="1" i="0" u="none" strike="noStrike" dirty="0">
                         <a:solidFill>
@@ -3959,7 +3966,7 @@
                 </a:tc>
                 <a:extLst>
                   <a:ext uri="{0D108BD9-81ED-4DB2-BD59-A6C34878D82A}">
-                    <a16:rowId xmlns:a16="http://schemas.microsoft.com/office/drawing/2014/main" val="2390748116"/>
+                    <a16:rowId xmlns:a16="http://schemas.microsoft.com/office/drawing/2014/main" val="4275010807"/>
                   </a:ext>
                 </a:extLst>
               </a:tr>
@@ -4195,8 +4202,19 @@
                 <a:latin typeface="Segoe UI" panose="020B0502040204020203" pitchFamily="34" charset="0"/>
                 <a:cs typeface="Segoe UI" panose="020B0502040204020203" pitchFamily="34" charset="0"/>
               </a:rPr>
-              <a:t>Before creating a KPI, we need to have a dataset containing:</a:t>
-            </a:r>
+              <a:t>Before creating a KPI, we need to have a dataset </a:t>
+            </a:r>
+            <a:r>
+              <a:rPr lang="en" dirty="0" smtClean="0">
+                <a:latin typeface="Segoe UI" panose="020B0502040204020203" pitchFamily="34" charset="0"/>
+                <a:cs typeface="Segoe UI" panose="020B0502040204020203" pitchFamily="34" charset="0"/>
+              </a:rPr>
+              <a:t>containing the following measures:</a:t>
+            </a:r>
+            <a:endParaRPr lang="en" dirty="0">
+              <a:latin typeface="Segoe UI" panose="020B0502040204020203" pitchFamily="34" charset="0"/>
+              <a:cs typeface="Segoe UI" panose="020B0502040204020203" pitchFamily="34" charset="0"/>
+            </a:endParaRPr>
           </a:p>
           <a:p>
             <a:pPr lvl="1">
@@ -4663,7 +4681,7 @@
           <a:lstStyle/>
           <a:p>
             <a:r>
-              <a:rPr lang="en">
+              <a:rPr lang="en" dirty="0">
                 <a:solidFill>
                   <a:srgbClr val="000000"/>
                 </a:solidFill>
@@ -4672,7 +4690,7 @@
               <a:t>Minimum Value = </a:t>
             </a:r>
             <a:r>
-              <a:rPr lang="en">
+              <a:rPr lang="en" dirty="0">
                 <a:solidFill>
                   <a:srgbClr val="098658"/>
                 </a:solidFill>
@@ -4681,7 +4699,7 @@
               <a:t>0</a:t>
             </a:r>
             <a:r>
-              <a:rPr lang="en">
+              <a:rPr lang="en" dirty="0">
                 <a:solidFill>
                   <a:srgbClr val="000000"/>
                 </a:solidFill>
@@ -4689,7 +4707,7 @@
               </a:rPr>
               <a:t> </a:t>
             </a:r>
-            <a:endParaRPr lang="en-US" b="0">
+            <a:endParaRPr lang="en-US" b="0" dirty="0">
               <a:solidFill>
                 <a:srgbClr val="000000"/>
               </a:solidFill>
@@ -4757,7 +4775,7 @@
         <p:spPr>
           <a:xfrm>
             <a:off x="898752" y="4325244"/>
-            <a:ext cx="7382933" cy="369332"/>
+            <a:ext cx="8046465" cy="369332"/>
           </a:xfrm>
           <a:prstGeom prst="rect">
             <a:avLst/>
@@ -4776,7 +4794,52 @@
                 </a:solidFill>
                 <a:latin typeface="Consolas" panose="020B0609020204030204" pitchFamily="49" charset="0"/>
               </a:rPr>
-              <a:t>Average Turnover = A value of choice</a:t>
+              <a:t>Average Turnover </a:t>
+            </a:r>
+            <a:r>
+              <a:rPr lang="en" dirty="0" smtClean="0">
+                <a:solidFill>
+                  <a:srgbClr val="000000"/>
+                </a:solidFill>
+                <a:latin typeface="Consolas" panose="020B0609020204030204" pitchFamily="49" charset="0"/>
+              </a:rPr>
+              <a:t>= </a:t>
+            </a:r>
+            <a:r>
+              <a:rPr lang="en" dirty="0" smtClean="0">
+                <a:solidFill>
+                  <a:srgbClr val="098658"/>
+                </a:solidFill>
+                <a:latin typeface="Consolas" panose="020B0609020204030204" pitchFamily="49" charset="0"/>
+              </a:rPr>
+              <a:t>10000</a:t>
+            </a:r>
+            <a:r>
+              <a:rPr lang="en-US" dirty="0" smtClean="0">
+                <a:solidFill>
+                  <a:srgbClr val="000000"/>
+                </a:solidFill>
+                <a:latin typeface="Consolas" panose="020B0609020204030204" pitchFamily="49" charset="0"/>
+              </a:rPr>
+              <a:t> </a:t>
+            </a:r>
+            <a:r>
+              <a:rPr lang="en" dirty="0" smtClean="0">
+                <a:solidFill>
+                  <a:srgbClr val="000000"/>
+                </a:solidFill>
+                <a:latin typeface="Consolas" panose="020B0609020204030204" pitchFamily="49" charset="0"/>
+              </a:rPr>
+              <a:t>A </a:t>
+            </a:r>
+            <a:r>
+              <a:rPr lang="en" dirty="0" smtClean="0">
+                <a:solidFill>
+                  <a:srgbClr val="000000"/>
+                </a:solidFill>
+                <a:latin typeface="Consolas" panose="020B0609020204030204" pitchFamily="49" charset="0"/>
+              </a:rPr>
+              <a:t>value of choice</a:t>
             </a:r>
             <a:endParaRPr lang="fr-FR" b="0" dirty="0">
               <a:effectLst/>
@@ -4816,31 +4879,13 @@
               <a:t>Target Value = </a:t>
             </a:r>
             <a:r>
-              <a:rPr lang="en" dirty="0" err="1" smtClean="0">
-                <a:solidFill>
-                  <a:srgbClr val="000000"/>
-                </a:solidFill>
-                <a:latin typeface="Consolas" panose="020B0609020204030204" pitchFamily="49" charset="0"/>
-              </a:rPr>
-              <a:t>Avg </a:t>
-            </a:r>
-            <a:r>
               <a:rPr lang="en" dirty="0" smtClean="0">
                 <a:solidFill>
                   <a:srgbClr val="000000"/>
                 </a:solidFill>
                 <a:latin typeface="Consolas" panose="020B0609020204030204" pitchFamily="49" charset="0"/>
               </a:rPr>
-              <a:t>( </a:t>
-            </a:r>
-            <a:r>
-              <a:rPr lang="en" dirty="0" err="1" smtClean="0">
-                <a:solidFill>
-                  <a:srgbClr val="001080"/>
-                </a:solidFill>
-                <a:latin typeface="Consolas" panose="020B0609020204030204" pitchFamily="49" charset="0"/>
-              </a:rPr>
-              <a:t>SalesFact </a:t>
+              <a:t>AVERAGE(</a:t>
             </a:r>
             <a:r>
               <a:rPr lang="en" dirty="0" smtClean="0">
@@ -4849,13 +4894,37 @@
                 </a:solidFill>
                 <a:latin typeface="Consolas" panose="020B0609020204030204" pitchFamily="49" charset="0"/>
               </a:rPr>
-              <a:t>[ Turnover ] </a:t>
+              <a:t>Sales[ </a:t>
+            </a:r>
+            <a:r>
+              <a:rPr lang="en" dirty="0" smtClean="0">
+                <a:solidFill>
+                  <a:srgbClr val="001080"/>
+                </a:solidFill>
+                <a:latin typeface="Consolas" panose="020B0609020204030204" pitchFamily="49" charset="0"/>
+              </a:rPr>
+              <a:t>Turnover </a:t>
+            </a:r>
+            <a:r>
+              <a:rPr lang="en" dirty="0" smtClean="0">
+                <a:solidFill>
+                  <a:srgbClr val="001080"/>
+                </a:solidFill>
+                <a:latin typeface="Consolas" panose="020B0609020204030204" pitchFamily="49" charset="0"/>
+              </a:rPr>
+              <a:t>]</a:t>
             </a:r>
             <a:r>
               <a:rPr lang="en" dirty="0" smtClean="0">
                 <a:latin typeface="Consolas" panose="020B0609020204030204" pitchFamily="49" charset="0"/>
               </a:rPr>
-              <a:t>) * 1.2</a:t>
+              <a:t>) </a:t>
+            </a:r>
+            <a:r>
+              <a:rPr lang="en" dirty="0" smtClean="0">
+                <a:latin typeface="Consolas" panose="020B0609020204030204" pitchFamily="49" charset="0"/>
+              </a:rPr>
+              <a:t>* 1.2</a:t>
             </a:r>
             <a:endParaRPr lang="fr-FR" b="0" dirty="0">
               <a:effectLst/>
@@ -4930,64 +4999,65 @@
           </a:p>
         </p:txBody>
       </p:sp>
+      <p:sp>
+        <p:nvSpPr>
+          <p:cNvPr id="4" name="Rectangle 3"/>
+          <p:cNvSpPr/>
+          <p:nvPr/>
+        </p:nvSpPr>
+        <p:spPr>
+          <a:xfrm>
+            <a:off x="323133" y="734053"/>
+            <a:ext cx="6096000" cy="369332"/>
+          </a:xfrm>
+          <a:prstGeom prst="rect">
+            <a:avLst/>
+          </a:prstGeom>
+        </p:spPr>
+        <p:txBody>
+          <a:bodyPr>
+            <a:spAutoFit/>
+          </a:bodyPr>
+          <a:lstStyle/>
+          <a:p>
+            <a:r>
+              <a:rPr lang="en" dirty="0" smtClean="0">
+                <a:latin typeface="Segoe UI" panose="020B0502040204020203" pitchFamily="34" charset="0"/>
+                <a:cs typeface="Segoe UI" panose="020B0502040204020203" pitchFamily="34" charset="0"/>
+              </a:rPr>
+              <a:t>The result should look like this:</a:t>
+            </a:r>
+            <a:endParaRPr lang="fr-FR" dirty="0">
+              <a:latin typeface="Segoe UI" panose="020B0502040204020203" pitchFamily="34" charset="0"/>
+              <a:cs typeface="Segoe UI" panose="020B0502040204020203" pitchFamily="34" charset="0"/>
+            </a:endParaRPr>
+          </a:p>
+        </p:txBody>
+      </p:sp>
       <p:pic>
         <p:nvPicPr>
-          <p:cNvPr id="3" name="Picture 2"/>
+          <p:cNvPr id="5" name="Picture 4"/>
           <p:cNvPicPr>
             <a:picLocks noChangeAspect="1"/>
           </p:cNvPicPr>
           <p:nvPr/>
         </p:nvPicPr>
-        <p:blipFill rotWithShape="1">
+        <p:blipFill>
           <a:blip r:embed="rId2"/>
-          <a:srcRect t="36545"/>
-          <a:stretch/>
+          <a:stretch>
+            <a:fillRect/>
+          </a:stretch>
         </p:blipFill>
         <p:spPr>
           <a:xfrm>
-            <a:off x="323134" y="1103385"/>
-            <a:ext cx="5129400" cy="2777240"/>
+            <a:off x="483597" y="1456954"/>
+            <a:ext cx="5572608" cy="2886446"/>
           </a:xfrm>
           <a:prstGeom prst="rect">
             <a:avLst/>
           </a:prstGeom>
         </p:spPr>
       </p:pic>
-      <p:sp>
-        <p:nvSpPr>
-          <p:cNvPr id="4" name="Rectangle 3"/>
-          <p:cNvSpPr/>
-          <p:nvPr/>
-        </p:nvSpPr>
-        <p:spPr>
-          <a:xfrm>
-            <a:off x="323133" y="734053"/>
-            <a:ext cx="6096000" cy="369332"/>
-          </a:xfrm>
-          <a:prstGeom prst="rect">
-            <a:avLst/>
-          </a:prstGeom>
-        </p:spPr>
-        <p:txBody>
-          <a:bodyPr>
-            <a:spAutoFit/>
-          </a:bodyPr>
-          <a:lstStyle/>
-          <a:p>
-            <a:r>
-              <a:rPr lang="en" dirty="0" smtClean="0">
-                <a:latin typeface="Segoe UI" panose="020B0502040204020203" pitchFamily="34" charset="0"/>
-                <a:cs typeface="Segoe UI" panose="020B0502040204020203" pitchFamily="34" charset="0"/>
-              </a:rPr>
-              <a:t>The result should look like this:</a:t>
-            </a:r>
-            <a:endParaRPr lang="fr-FR" dirty="0">
-              <a:latin typeface="Segoe UI" panose="020B0502040204020203" pitchFamily="34" charset="0"/>
-              <a:cs typeface="Segoe UI" panose="020B0502040204020203" pitchFamily="34" charset="0"/>
-            </a:endParaRPr>
-          </a:p>
-        </p:txBody>
-      </p:sp>
     </p:spTree>
     <p:extLst>
       <p:ext uri="{BB962C8B-B14F-4D97-AF65-F5344CB8AC3E}">
